--- a/계획서/WBS,CPM.pptx
+++ b/계획서/WBS,CPM.pptx
@@ -248,7 +248,7 @@
           <a:p>
             <a:fld id="{9D02E618-62E5-4B7D-A1BE-0387DA28F371}" type="datetimeFigureOut">
               <a:rPr lang="ko-KR" altLang="en-US" smtClean="0"/>
-              <a:t>2020-10-09</a:t>
+              <a:t>2020-10-16</a:t>
             </a:fld>
             <a:endParaRPr lang="ko-KR" altLang="en-US"/>
           </a:p>
@@ -418,7 +418,7 @@
           <a:p>
             <a:fld id="{9D02E618-62E5-4B7D-A1BE-0387DA28F371}" type="datetimeFigureOut">
               <a:rPr lang="ko-KR" altLang="en-US" smtClean="0"/>
-              <a:t>2020-10-09</a:t>
+              <a:t>2020-10-16</a:t>
             </a:fld>
             <a:endParaRPr lang="ko-KR" altLang="en-US"/>
           </a:p>
@@ -598,7 +598,7 @@
           <a:p>
             <a:fld id="{9D02E618-62E5-4B7D-A1BE-0387DA28F371}" type="datetimeFigureOut">
               <a:rPr lang="ko-KR" altLang="en-US" smtClean="0"/>
-              <a:t>2020-10-09</a:t>
+              <a:t>2020-10-16</a:t>
             </a:fld>
             <a:endParaRPr lang="ko-KR" altLang="en-US"/>
           </a:p>
@@ -768,7 +768,7 @@
           <a:p>
             <a:fld id="{9D02E618-62E5-4B7D-A1BE-0387DA28F371}" type="datetimeFigureOut">
               <a:rPr lang="ko-KR" altLang="en-US" smtClean="0"/>
-              <a:t>2020-10-09</a:t>
+              <a:t>2020-10-16</a:t>
             </a:fld>
             <a:endParaRPr lang="ko-KR" altLang="en-US"/>
           </a:p>
@@ -1014,7 +1014,7 @@
           <a:p>
             <a:fld id="{9D02E618-62E5-4B7D-A1BE-0387DA28F371}" type="datetimeFigureOut">
               <a:rPr lang="ko-KR" altLang="en-US" smtClean="0"/>
-              <a:t>2020-10-09</a:t>
+              <a:t>2020-10-16</a:t>
             </a:fld>
             <a:endParaRPr lang="ko-KR" altLang="en-US"/>
           </a:p>
@@ -1246,7 +1246,7 @@
           <a:p>
             <a:fld id="{9D02E618-62E5-4B7D-A1BE-0387DA28F371}" type="datetimeFigureOut">
               <a:rPr lang="ko-KR" altLang="en-US" smtClean="0"/>
-              <a:t>2020-10-09</a:t>
+              <a:t>2020-10-16</a:t>
             </a:fld>
             <a:endParaRPr lang="ko-KR" altLang="en-US"/>
           </a:p>
@@ -1613,7 +1613,7 @@
           <a:p>
             <a:fld id="{9D02E618-62E5-4B7D-A1BE-0387DA28F371}" type="datetimeFigureOut">
               <a:rPr lang="ko-KR" altLang="en-US" smtClean="0"/>
-              <a:t>2020-10-09</a:t>
+              <a:t>2020-10-16</a:t>
             </a:fld>
             <a:endParaRPr lang="ko-KR" altLang="en-US"/>
           </a:p>
@@ -1731,7 +1731,7 @@
           <a:p>
             <a:fld id="{9D02E618-62E5-4B7D-A1BE-0387DA28F371}" type="datetimeFigureOut">
               <a:rPr lang="ko-KR" altLang="en-US" smtClean="0"/>
-              <a:t>2020-10-09</a:t>
+              <a:t>2020-10-16</a:t>
             </a:fld>
             <a:endParaRPr lang="ko-KR" altLang="en-US"/>
           </a:p>
@@ -1826,7 +1826,7 @@
           <a:p>
             <a:fld id="{9D02E618-62E5-4B7D-A1BE-0387DA28F371}" type="datetimeFigureOut">
               <a:rPr lang="ko-KR" altLang="en-US" smtClean="0"/>
-              <a:t>2020-10-09</a:t>
+              <a:t>2020-10-16</a:t>
             </a:fld>
             <a:endParaRPr lang="ko-KR" altLang="en-US"/>
           </a:p>
@@ -2103,7 +2103,7 @@
           <a:p>
             <a:fld id="{9D02E618-62E5-4B7D-A1BE-0387DA28F371}" type="datetimeFigureOut">
               <a:rPr lang="ko-KR" altLang="en-US" smtClean="0"/>
-              <a:t>2020-10-09</a:t>
+              <a:t>2020-10-16</a:t>
             </a:fld>
             <a:endParaRPr lang="ko-KR" altLang="en-US"/>
           </a:p>
@@ -2360,7 +2360,7 @@
           <a:p>
             <a:fld id="{9D02E618-62E5-4B7D-A1BE-0387DA28F371}" type="datetimeFigureOut">
               <a:rPr lang="ko-KR" altLang="en-US" smtClean="0"/>
-              <a:t>2020-10-09</a:t>
+              <a:t>2020-10-16</a:t>
             </a:fld>
             <a:endParaRPr lang="ko-KR" altLang="en-US"/>
           </a:p>
@@ -2573,7 +2573,7 @@
           <a:p>
             <a:fld id="{9D02E618-62E5-4B7D-A1BE-0387DA28F371}" type="datetimeFigureOut">
               <a:rPr lang="ko-KR" altLang="en-US" smtClean="0"/>
-              <a:t>2020-10-09</a:t>
+              <a:t>2020-10-16</a:t>
             </a:fld>
             <a:endParaRPr lang="ko-KR" altLang="en-US"/>
           </a:p>
@@ -2978,1682 +2978,2120 @@
           <a:chExt cx="0" cy="0"/>
         </a:xfrm>
       </p:grpSpPr>
-      <p:grpSp>
-        <p:nvGrpSpPr>
-          <p:cNvPr id="116" name="그룹 115">
+      <p:sp>
+        <p:nvSpPr>
+          <p:cNvPr id="11" name="사각형: 둥근 모서리 10">
             <a:extLst>
               <a:ext uri="{FF2B5EF4-FFF2-40B4-BE49-F238E27FC236}">
-                <a16:creationId xmlns:a16="http://schemas.microsoft.com/office/drawing/2014/main" id="{4A195226-A66C-4ABE-BA48-5B94F5BEF041}"/>
+                <a16:creationId xmlns:a16="http://schemas.microsoft.com/office/drawing/2014/main" id="{B77EA848-7AC9-47F1-AFDD-66BFFDDC2CCA}"/>
               </a:ext>
             </a:extLst>
           </p:cNvPr>
-          <p:cNvGrpSpPr/>
+          <p:cNvSpPr/>
           <p:nvPr/>
-        </p:nvGrpSpPr>
-        <p:grpSpPr>
+        </p:nvSpPr>
+        <p:spPr>
           <a:xfrm>
-            <a:off x="2949575" y="231775"/>
-            <a:ext cx="3552825" cy="4562475"/>
-            <a:chOff x="6931878" y="4086374"/>
-            <a:chExt cx="3710490" cy="5238145"/>
+            <a:off x="1949450" y="2304966"/>
+            <a:ext cx="1067359" cy="617775"/>
           </a:xfrm>
-        </p:grpSpPr>
-        <p:sp>
-          <p:nvSpPr>
-            <p:cNvPr id="11" name="사각형: 둥근 모서리 10">
-              <a:extLst>
-                <a:ext uri="{FF2B5EF4-FFF2-40B4-BE49-F238E27FC236}">
-                  <a16:creationId xmlns:a16="http://schemas.microsoft.com/office/drawing/2014/main" id="{B77EA848-7AC9-47F1-AFDD-66BFFDDC2CCA}"/>
-                </a:ext>
-              </a:extLst>
-            </p:cNvPr>
-            <p:cNvSpPr/>
-            <p:nvPr/>
-          </p:nvSpPr>
-          <p:spPr>
-            <a:xfrm>
-              <a:off x="6931878" y="6821966"/>
-              <a:ext cx="793083" cy="391709"/>
-            </a:xfrm>
-            <a:prstGeom prst="roundRect">
-              <a:avLst/>
-            </a:prstGeom>
+          <a:prstGeom prst="roundRect">
+            <a:avLst/>
+          </a:prstGeom>
+          <a:solidFill>
+            <a:schemeClr val="accent1">
+              <a:lumMod val="75000"/>
+            </a:schemeClr>
+          </a:solidFill>
+          <a:ln>
+            <a:noFill/>
+          </a:ln>
+        </p:spPr>
+        <p:style>
+          <a:lnRef idx="2">
+            <a:schemeClr val="accent1">
+              <a:shade val="50000"/>
+            </a:schemeClr>
+          </a:lnRef>
+          <a:fillRef idx="1">
+            <a:schemeClr val="accent1"/>
+          </a:fillRef>
+          <a:effectRef idx="0">
+            <a:schemeClr val="accent1"/>
+          </a:effectRef>
+          <a:fontRef idx="minor">
+            <a:schemeClr val="lt1"/>
+          </a:fontRef>
+        </p:style>
+        <p:txBody>
+          <a:bodyPr rtlCol="0" anchor="ctr"/>
+          <a:lstStyle/>
+          <a:p>
+            <a:pPr algn="ctr"/>
+            <a:r>
+              <a:rPr lang="ko-KR" altLang="en-US" sz="1200" dirty="0">
+                <a:latin typeface="에스코어 드림 7 ExtraBold" panose="020B0803030302020204" pitchFamily="34" charset="-127"/>
+                <a:ea typeface="에스코어 드림 7 ExtraBold" panose="020B0803030302020204" pitchFamily="34" charset="-127"/>
+              </a:rPr>
+              <a:t>미스터 대박</a:t>
+            </a:r>
+            <a:endParaRPr lang="en-US" altLang="ko-KR" sz="1200" dirty="0">
+              <a:latin typeface="에스코어 드림 7 ExtraBold" panose="020B0803030302020204" pitchFamily="34" charset="-127"/>
+              <a:ea typeface="에스코어 드림 7 ExtraBold" panose="020B0803030302020204" pitchFamily="34" charset="-127"/>
+            </a:endParaRPr>
+          </a:p>
+          <a:p>
+            <a:pPr algn="ctr"/>
+            <a:r>
+              <a:rPr lang="ko-KR" altLang="en-US" sz="1200" dirty="0">
+                <a:latin typeface="에스코어 드림 7 ExtraBold" panose="020B0803030302020204" pitchFamily="34" charset="-127"/>
+                <a:ea typeface="에스코어 드림 7 ExtraBold" panose="020B0803030302020204" pitchFamily="34" charset="-127"/>
+              </a:rPr>
+              <a:t>디너 서비스</a:t>
+            </a:r>
+            <a:endParaRPr lang="en-US" altLang="ko-KR" sz="1200" dirty="0">
+              <a:latin typeface="에스코어 드림 7 ExtraBold" panose="020B0803030302020204" pitchFamily="34" charset="-127"/>
+              <a:ea typeface="에스코어 드림 7 ExtraBold" panose="020B0803030302020204" pitchFamily="34" charset="-127"/>
+            </a:endParaRPr>
+          </a:p>
+        </p:txBody>
+      </p:sp>
+      <p:sp>
+        <p:nvSpPr>
+          <p:cNvPr id="16" name="사각형: 둥근 모서리 15">
+            <a:extLst>
+              <a:ext uri="{FF2B5EF4-FFF2-40B4-BE49-F238E27FC236}">
+                <a16:creationId xmlns:a16="http://schemas.microsoft.com/office/drawing/2014/main" id="{BD819213-CBF6-4513-8D57-D3F954759602}"/>
+              </a:ext>
+            </a:extLst>
+          </p:cNvPr>
+          <p:cNvSpPr/>
+          <p:nvPr/>
+        </p:nvSpPr>
+        <p:spPr>
+          <a:xfrm>
+            <a:off x="4015315" y="457322"/>
+            <a:ext cx="759384" cy="341182"/>
+          </a:xfrm>
+          <a:prstGeom prst="roundRect">
+            <a:avLst/>
+          </a:prstGeom>
+          <a:solidFill>
+            <a:srgbClr val="8FAADC"/>
+          </a:solidFill>
+          <a:ln>
+            <a:noFill/>
+          </a:ln>
+        </p:spPr>
+        <p:style>
+          <a:lnRef idx="2">
+            <a:schemeClr val="accent1">
+              <a:shade val="50000"/>
+            </a:schemeClr>
+          </a:lnRef>
+          <a:fillRef idx="1">
+            <a:schemeClr val="accent1"/>
+          </a:fillRef>
+          <a:effectRef idx="0">
+            <a:schemeClr val="accent1"/>
+          </a:effectRef>
+          <a:fontRef idx="minor">
+            <a:schemeClr val="lt1"/>
+          </a:fontRef>
+        </p:style>
+        <p:txBody>
+          <a:bodyPr rtlCol="0" anchor="ctr"/>
+          <a:lstStyle/>
+          <a:p>
+            <a:pPr algn="ctr"/>
+            <a:r>
+              <a:rPr lang="ko-KR" altLang="en-US" sz="800" dirty="0">
+                <a:latin typeface="에스코어 드림 7 ExtraBold" panose="020B0803030302020204" pitchFamily="34" charset="-127"/>
+                <a:ea typeface="에스코어 드림 7 ExtraBold" panose="020B0803030302020204" pitchFamily="34" charset="-127"/>
+              </a:rPr>
+              <a:t>요구 분석</a:t>
+            </a:r>
+            <a:endParaRPr lang="en-US" altLang="ko-KR" sz="800" dirty="0">
+              <a:latin typeface="에스코어 드림 7 ExtraBold" panose="020B0803030302020204" pitchFamily="34" charset="-127"/>
+              <a:ea typeface="에스코어 드림 7 ExtraBold" panose="020B0803030302020204" pitchFamily="34" charset="-127"/>
+            </a:endParaRPr>
+          </a:p>
+        </p:txBody>
+      </p:sp>
+      <p:sp>
+        <p:nvSpPr>
+          <p:cNvPr id="28" name="사각형: 둥근 모서리 27">
+            <a:extLst>
+              <a:ext uri="{FF2B5EF4-FFF2-40B4-BE49-F238E27FC236}">
+                <a16:creationId xmlns:a16="http://schemas.microsoft.com/office/drawing/2014/main" id="{2EAC30B5-0A54-499D-8062-544227A1A1E6}"/>
+              </a:ext>
+            </a:extLst>
+          </p:cNvPr>
+          <p:cNvSpPr/>
+          <p:nvPr/>
+        </p:nvSpPr>
+        <p:spPr>
+          <a:xfrm>
+            <a:off x="5747308" y="64279"/>
+            <a:ext cx="759384" cy="341182"/>
+          </a:xfrm>
+          <a:prstGeom prst="roundRect">
+            <a:avLst/>
+          </a:prstGeom>
+          <a:solidFill>
+            <a:srgbClr val="B4C7E7"/>
+          </a:solidFill>
+          <a:ln>
+            <a:noFill/>
+          </a:ln>
+        </p:spPr>
+        <p:style>
+          <a:lnRef idx="2">
+            <a:schemeClr val="accent1">
+              <a:shade val="50000"/>
+            </a:schemeClr>
+          </a:lnRef>
+          <a:fillRef idx="1">
+            <a:schemeClr val="accent1"/>
+          </a:fillRef>
+          <a:effectRef idx="0">
+            <a:schemeClr val="accent1"/>
+          </a:effectRef>
+          <a:fontRef idx="minor">
+            <a:schemeClr val="lt1"/>
+          </a:fontRef>
+        </p:style>
+        <p:txBody>
+          <a:bodyPr rtlCol="0" anchor="ctr"/>
+          <a:lstStyle/>
+          <a:p>
+            <a:pPr algn="ctr"/>
+            <a:r>
+              <a:rPr lang="ko-KR" altLang="en-US" sz="800" dirty="0">
+                <a:latin typeface="에스코어 드림 7 ExtraBold" panose="020B0803030302020204" pitchFamily="34" charset="-127"/>
+                <a:ea typeface="에스코어 드림 7 ExtraBold" panose="020B0803030302020204" pitchFamily="34" charset="-127"/>
+              </a:rPr>
+              <a:t>요구 추출</a:t>
+            </a:r>
+            <a:endParaRPr lang="en-US" altLang="ko-KR" sz="800" dirty="0">
+              <a:latin typeface="에스코어 드림 7 ExtraBold" panose="020B0803030302020204" pitchFamily="34" charset="-127"/>
+              <a:ea typeface="에스코어 드림 7 ExtraBold" panose="020B0803030302020204" pitchFamily="34" charset="-127"/>
+            </a:endParaRPr>
+          </a:p>
+        </p:txBody>
+      </p:sp>
+      <p:sp>
+        <p:nvSpPr>
+          <p:cNvPr id="30" name="사각형: 둥근 모서리 29">
+            <a:extLst>
+              <a:ext uri="{FF2B5EF4-FFF2-40B4-BE49-F238E27FC236}">
+                <a16:creationId xmlns:a16="http://schemas.microsoft.com/office/drawing/2014/main" id="{C8399C73-EEFF-4969-B0E0-A88C386F9E73}"/>
+              </a:ext>
+            </a:extLst>
+          </p:cNvPr>
+          <p:cNvSpPr/>
+          <p:nvPr/>
+        </p:nvSpPr>
+        <p:spPr>
+          <a:xfrm>
+            <a:off x="5747308" y="453766"/>
+            <a:ext cx="759384" cy="341182"/>
+          </a:xfrm>
+          <a:prstGeom prst="roundRect">
+            <a:avLst/>
+          </a:prstGeom>
+          <a:solidFill>
+            <a:srgbClr val="B4C7E7"/>
+          </a:solidFill>
+          <a:ln>
+            <a:noFill/>
+          </a:ln>
+        </p:spPr>
+        <p:style>
+          <a:lnRef idx="2">
+            <a:schemeClr val="accent1">
+              <a:shade val="50000"/>
+            </a:schemeClr>
+          </a:lnRef>
+          <a:fillRef idx="1">
+            <a:schemeClr val="accent1"/>
+          </a:fillRef>
+          <a:effectRef idx="0">
+            <a:schemeClr val="accent1"/>
+          </a:effectRef>
+          <a:fontRef idx="minor">
+            <a:schemeClr val="lt1"/>
+          </a:fontRef>
+        </p:style>
+        <p:txBody>
+          <a:bodyPr rtlCol="0" anchor="ctr"/>
+          <a:lstStyle/>
+          <a:p>
+            <a:pPr algn="ctr"/>
+            <a:r>
+              <a:rPr lang="ko-KR" altLang="en-US" sz="800" dirty="0" err="1">
+                <a:latin typeface="에스코어 드림 7 ExtraBold" panose="020B0803030302020204" pitchFamily="34" charset="-127"/>
+                <a:ea typeface="에스코어 드림 7 ExtraBold" panose="020B0803030302020204" pitchFamily="34" charset="-127"/>
+              </a:rPr>
+              <a:t>유스케이스</a:t>
+            </a:r>
+            <a:r>
+              <a:rPr lang="ko-KR" altLang="en-US" sz="800" dirty="0">
+                <a:latin typeface="에스코어 드림 7 ExtraBold" panose="020B0803030302020204" pitchFamily="34" charset="-127"/>
+                <a:ea typeface="에스코어 드림 7 ExtraBold" panose="020B0803030302020204" pitchFamily="34" charset="-127"/>
+              </a:rPr>
+              <a:t> 명세</a:t>
+            </a:r>
+            <a:endParaRPr lang="en-US" altLang="ko-KR" sz="800" dirty="0">
+              <a:latin typeface="에스코어 드림 7 ExtraBold" panose="020B0803030302020204" pitchFamily="34" charset="-127"/>
+              <a:ea typeface="에스코어 드림 7 ExtraBold" panose="020B0803030302020204" pitchFamily="34" charset="-127"/>
+            </a:endParaRPr>
+          </a:p>
+        </p:txBody>
+      </p:sp>
+      <p:sp>
+        <p:nvSpPr>
+          <p:cNvPr id="32" name="사각형: 둥근 모서리 31">
+            <a:extLst>
+              <a:ext uri="{FF2B5EF4-FFF2-40B4-BE49-F238E27FC236}">
+                <a16:creationId xmlns:a16="http://schemas.microsoft.com/office/drawing/2014/main" id="{BF1210BE-065F-4F07-B18C-D8D9B4A1641F}"/>
+              </a:ext>
+            </a:extLst>
+          </p:cNvPr>
+          <p:cNvSpPr/>
+          <p:nvPr/>
+        </p:nvSpPr>
+        <p:spPr>
+          <a:xfrm>
+            <a:off x="5747308" y="862802"/>
+            <a:ext cx="759384" cy="341182"/>
+          </a:xfrm>
+          <a:prstGeom prst="roundRect">
+            <a:avLst/>
+          </a:prstGeom>
+          <a:solidFill>
+            <a:srgbClr val="B4C7E7"/>
+          </a:solidFill>
+          <a:ln>
+            <a:noFill/>
+          </a:ln>
+        </p:spPr>
+        <p:style>
+          <a:lnRef idx="2">
+            <a:schemeClr val="accent1">
+              <a:shade val="50000"/>
+            </a:schemeClr>
+          </a:lnRef>
+          <a:fillRef idx="1">
+            <a:schemeClr val="accent1"/>
+          </a:fillRef>
+          <a:effectRef idx="0">
+            <a:schemeClr val="accent1"/>
+          </a:effectRef>
+          <a:fontRef idx="minor">
+            <a:schemeClr val="lt1"/>
+          </a:fontRef>
+        </p:style>
+        <p:txBody>
+          <a:bodyPr rtlCol="0" anchor="ctr"/>
+          <a:lstStyle/>
+          <a:p>
+            <a:pPr algn="ctr"/>
+            <a:r>
+              <a:rPr lang="ko-KR" altLang="en-US" sz="800" dirty="0">
+                <a:latin typeface="에스코어 드림 7 ExtraBold" panose="020B0803030302020204" pitchFamily="34" charset="-127"/>
+                <a:ea typeface="에스코어 드림 7 ExtraBold" panose="020B0803030302020204" pitchFamily="34" charset="-127"/>
+              </a:rPr>
+              <a:t>요구 모델링</a:t>
+            </a:r>
+            <a:endParaRPr lang="en-US" altLang="ko-KR" sz="800" dirty="0">
+              <a:latin typeface="에스코어 드림 7 ExtraBold" panose="020B0803030302020204" pitchFamily="34" charset="-127"/>
+              <a:ea typeface="에스코어 드림 7 ExtraBold" panose="020B0803030302020204" pitchFamily="34" charset="-127"/>
+            </a:endParaRPr>
+          </a:p>
+        </p:txBody>
+      </p:sp>
+      <p:sp>
+        <p:nvSpPr>
+          <p:cNvPr id="24" name="사각형: 둥근 모서리 23">
+            <a:extLst>
+              <a:ext uri="{FF2B5EF4-FFF2-40B4-BE49-F238E27FC236}">
+                <a16:creationId xmlns:a16="http://schemas.microsoft.com/office/drawing/2014/main" id="{690149C1-3A76-4C7B-A3B8-66B96B7828B7}"/>
+              </a:ext>
+            </a:extLst>
+          </p:cNvPr>
+          <p:cNvSpPr/>
+          <p:nvPr/>
+        </p:nvSpPr>
+        <p:spPr>
+          <a:xfrm>
+            <a:off x="4015315" y="3195084"/>
+            <a:ext cx="759384" cy="341182"/>
+          </a:xfrm>
+          <a:prstGeom prst="roundRect">
+            <a:avLst/>
+          </a:prstGeom>
+          <a:solidFill>
+            <a:srgbClr val="8FAADC"/>
+          </a:solidFill>
+          <a:ln>
+            <a:noFill/>
+          </a:ln>
+        </p:spPr>
+        <p:style>
+          <a:lnRef idx="2">
+            <a:schemeClr val="accent1">
+              <a:shade val="50000"/>
+            </a:schemeClr>
+          </a:lnRef>
+          <a:fillRef idx="1">
+            <a:schemeClr val="accent1"/>
+          </a:fillRef>
+          <a:effectRef idx="0">
+            <a:schemeClr val="accent1"/>
+          </a:effectRef>
+          <a:fontRef idx="minor">
+            <a:schemeClr val="lt1"/>
+          </a:fontRef>
+        </p:style>
+        <p:txBody>
+          <a:bodyPr rtlCol="0" anchor="ctr"/>
+          <a:lstStyle/>
+          <a:p>
+            <a:pPr algn="ctr"/>
+            <a:r>
+              <a:rPr lang="ko-KR" altLang="en-US" sz="800" dirty="0">
+                <a:latin typeface="에스코어 드림 7 ExtraBold" panose="020B0803030302020204" pitchFamily="34" charset="-127"/>
+                <a:ea typeface="에스코어 드림 7 ExtraBold" panose="020B0803030302020204" pitchFamily="34" charset="-127"/>
+              </a:rPr>
+              <a:t>코딩</a:t>
+            </a:r>
+            <a:endParaRPr lang="en-US" altLang="ko-KR" sz="800" dirty="0">
+              <a:latin typeface="에스코어 드림 7 ExtraBold" panose="020B0803030302020204" pitchFamily="34" charset="-127"/>
+              <a:ea typeface="에스코어 드림 7 ExtraBold" panose="020B0803030302020204" pitchFamily="34" charset="-127"/>
+            </a:endParaRPr>
+          </a:p>
+        </p:txBody>
+      </p:sp>
+      <p:sp>
+        <p:nvSpPr>
+          <p:cNvPr id="55" name="사각형: 둥근 모서리 54">
+            <a:extLst>
+              <a:ext uri="{FF2B5EF4-FFF2-40B4-BE49-F238E27FC236}">
+                <a16:creationId xmlns:a16="http://schemas.microsoft.com/office/drawing/2014/main" id="{6CCBA695-02E2-4170-B8F7-77BA361218DE}"/>
+              </a:ext>
+            </a:extLst>
+          </p:cNvPr>
+          <p:cNvSpPr/>
+          <p:nvPr/>
+        </p:nvSpPr>
+        <p:spPr>
+          <a:xfrm>
+            <a:off x="4066115" y="4297179"/>
+            <a:ext cx="759384" cy="341182"/>
+          </a:xfrm>
+          <a:prstGeom prst="roundRect">
+            <a:avLst/>
+          </a:prstGeom>
+          <a:solidFill>
+            <a:srgbClr val="8FAADC"/>
+          </a:solidFill>
+          <a:ln>
+            <a:noFill/>
+          </a:ln>
+        </p:spPr>
+        <p:style>
+          <a:lnRef idx="2">
+            <a:schemeClr val="accent1">
+              <a:shade val="50000"/>
+            </a:schemeClr>
+          </a:lnRef>
+          <a:fillRef idx="1">
+            <a:schemeClr val="accent1"/>
+          </a:fillRef>
+          <a:effectRef idx="0">
+            <a:schemeClr val="accent1"/>
+          </a:effectRef>
+          <a:fontRef idx="minor">
+            <a:schemeClr val="lt1"/>
+          </a:fontRef>
+        </p:style>
+        <p:txBody>
+          <a:bodyPr rtlCol="0" anchor="ctr"/>
+          <a:lstStyle/>
+          <a:p>
+            <a:pPr algn="ctr"/>
+            <a:r>
+              <a:rPr lang="ko-KR" altLang="en-US" sz="800" dirty="0">
+                <a:latin typeface="에스코어 드림 7 ExtraBold" panose="020B0803030302020204" pitchFamily="34" charset="-127"/>
+                <a:ea typeface="에스코어 드림 7 ExtraBold" panose="020B0803030302020204" pitchFamily="34" charset="-127"/>
+              </a:rPr>
+              <a:t>테스트</a:t>
+            </a:r>
+            <a:endParaRPr lang="en-US" altLang="ko-KR" sz="800" dirty="0">
+              <a:latin typeface="에스코어 드림 7 ExtraBold" panose="020B0803030302020204" pitchFamily="34" charset="-127"/>
+              <a:ea typeface="에스코어 드림 7 ExtraBold" panose="020B0803030302020204" pitchFamily="34" charset="-127"/>
+            </a:endParaRPr>
+          </a:p>
+        </p:txBody>
+      </p:sp>
+      <p:sp>
+        <p:nvSpPr>
+          <p:cNvPr id="56" name="사각형: 둥근 모서리 55">
+            <a:extLst>
+              <a:ext uri="{FF2B5EF4-FFF2-40B4-BE49-F238E27FC236}">
+                <a16:creationId xmlns:a16="http://schemas.microsoft.com/office/drawing/2014/main" id="{56DBFAAD-36C6-40E1-AF7A-C5165914B8CF}"/>
+              </a:ext>
+            </a:extLst>
+          </p:cNvPr>
+          <p:cNvSpPr/>
+          <p:nvPr/>
+        </p:nvSpPr>
+        <p:spPr>
+          <a:xfrm>
+            <a:off x="7142872" y="4297179"/>
+            <a:ext cx="759384" cy="341182"/>
+          </a:xfrm>
+          <a:prstGeom prst="roundRect">
+            <a:avLst/>
+          </a:prstGeom>
+          <a:solidFill>
+            <a:srgbClr val="B4C7E7"/>
+          </a:solidFill>
+          <a:ln>
+            <a:noFill/>
+          </a:ln>
+        </p:spPr>
+        <p:style>
+          <a:lnRef idx="2">
+            <a:schemeClr val="accent1">
+              <a:shade val="50000"/>
+            </a:schemeClr>
+          </a:lnRef>
+          <a:fillRef idx="1">
+            <a:schemeClr val="accent1"/>
+          </a:fillRef>
+          <a:effectRef idx="0">
+            <a:schemeClr val="accent1"/>
+          </a:effectRef>
+          <a:fontRef idx="minor">
+            <a:schemeClr val="lt1"/>
+          </a:fontRef>
+        </p:style>
+        <p:txBody>
+          <a:bodyPr rtlCol="0" anchor="ctr"/>
+          <a:lstStyle/>
+          <a:p>
+            <a:pPr algn="ctr"/>
+            <a:r>
+              <a:rPr lang="ko-KR" altLang="en-US" sz="800" dirty="0">
+                <a:latin typeface="에스코어 드림 7 ExtraBold" panose="020B0803030302020204" pitchFamily="34" charset="-127"/>
+                <a:ea typeface="에스코어 드림 7 ExtraBold" panose="020B0803030302020204" pitchFamily="34" charset="-127"/>
+              </a:rPr>
+              <a:t>기능 테스트</a:t>
+            </a:r>
+            <a:endParaRPr lang="en-US" altLang="ko-KR" sz="800" dirty="0">
+              <a:latin typeface="에스코어 드림 7 ExtraBold" panose="020B0803030302020204" pitchFamily="34" charset="-127"/>
+              <a:ea typeface="에스코어 드림 7 ExtraBold" panose="020B0803030302020204" pitchFamily="34" charset="-127"/>
+            </a:endParaRPr>
+          </a:p>
+        </p:txBody>
+      </p:sp>
+      <p:sp>
+        <p:nvSpPr>
+          <p:cNvPr id="57" name="사각형: 둥근 모서리 56">
+            <a:extLst>
+              <a:ext uri="{FF2B5EF4-FFF2-40B4-BE49-F238E27FC236}">
+                <a16:creationId xmlns:a16="http://schemas.microsoft.com/office/drawing/2014/main" id="{DCC9F8C1-A58F-43BA-ACE9-867DA68085A9}"/>
+              </a:ext>
+            </a:extLst>
+          </p:cNvPr>
+          <p:cNvSpPr/>
+          <p:nvPr/>
+        </p:nvSpPr>
+        <p:spPr>
+          <a:xfrm>
+            <a:off x="7142872" y="4686666"/>
+            <a:ext cx="759384" cy="341182"/>
+          </a:xfrm>
+          <a:prstGeom prst="roundRect">
+            <a:avLst/>
+          </a:prstGeom>
+          <a:solidFill>
+            <a:srgbClr val="B4C7E7"/>
+          </a:solidFill>
+          <a:ln>
+            <a:noFill/>
+          </a:ln>
+        </p:spPr>
+        <p:style>
+          <a:lnRef idx="2">
+            <a:schemeClr val="accent1">
+              <a:shade val="50000"/>
+            </a:schemeClr>
+          </a:lnRef>
+          <a:fillRef idx="1">
+            <a:schemeClr val="accent1"/>
+          </a:fillRef>
+          <a:effectRef idx="0">
+            <a:schemeClr val="accent1"/>
+          </a:effectRef>
+          <a:fontRef idx="minor">
+            <a:schemeClr val="lt1"/>
+          </a:fontRef>
+        </p:style>
+        <p:txBody>
+          <a:bodyPr rtlCol="0" anchor="ctr"/>
+          <a:lstStyle/>
+          <a:p>
+            <a:pPr algn="ctr"/>
+            <a:r>
+              <a:rPr lang="ko-KR" altLang="en-US" sz="800" dirty="0">
+                <a:latin typeface="에스코어 드림 7 ExtraBold" panose="020B0803030302020204" pitchFamily="34" charset="-127"/>
+                <a:ea typeface="에스코어 드림 7 ExtraBold" panose="020B0803030302020204" pitchFamily="34" charset="-127"/>
+              </a:rPr>
+              <a:t>인수 테스트</a:t>
+            </a:r>
+            <a:endParaRPr lang="en-US" altLang="ko-KR" sz="800" dirty="0">
+              <a:latin typeface="에스코어 드림 7 ExtraBold" panose="020B0803030302020204" pitchFamily="34" charset="-127"/>
+              <a:ea typeface="에스코어 드림 7 ExtraBold" panose="020B0803030302020204" pitchFamily="34" charset="-127"/>
+            </a:endParaRPr>
+          </a:p>
+        </p:txBody>
+      </p:sp>
+      <p:cxnSp>
+        <p:nvCxnSpPr>
+          <p:cNvPr id="64" name="연결선: 꺾임 63">
+            <a:extLst>
+              <a:ext uri="{FF2B5EF4-FFF2-40B4-BE49-F238E27FC236}">
+                <a16:creationId xmlns:a16="http://schemas.microsoft.com/office/drawing/2014/main" id="{093CB8E0-0E1E-4BBD-997C-406F189B5692}"/>
+              </a:ext>
+            </a:extLst>
+          </p:cNvPr>
+          <p:cNvCxnSpPr>
+            <a:cxnSpLocks/>
+            <a:stCxn id="16" idx="3"/>
+            <a:endCxn id="28" idx="1"/>
+          </p:cNvCxnSpPr>
+          <p:nvPr/>
+        </p:nvCxnSpPr>
+        <p:spPr>
+          <a:xfrm flipV="1">
+            <a:off x="4774699" y="234871"/>
+            <a:ext cx="972610" cy="393042"/>
+          </a:xfrm>
+          <a:prstGeom prst="bentConnector3">
+            <a:avLst/>
+          </a:prstGeom>
+          <a:ln w="28575">
             <a:solidFill>
               <a:schemeClr val="accent1">
-                <a:lumMod val="75000"/>
+                <a:lumMod val="40000"/>
+                <a:lumOff val="60000"/>
               </a:schemeClr>
             </a:solidFill>
-            <a:ln>
-              <a:noFill/>
-            </a:ln>
-          </p:spPr>
-          <p:style>
-            <a:lnRef idx="2">
+          </a:ln>
+        </p:spPr>
+        <p:style>
+          <a:lnRef idx="1">
+            <a:schemeClr val="accent1"/>
+          </a:lnRef>
+          <a:fillRef idx="0">
+            <a:schemeClr val="accent1"/>
+          </a:fillRef>
+          <a:effectRef idx="0">
+            <a:schemeClr val="accent1"/>
+          </a:effectRef>
+          <a:fontRef idx="minor">
+            <a:schemeClr val="tx1"/>
+          </a:fontRef>
+        </p:style>
+      </p:cxnSp>
+      <p:cxnSp>
+        <p:nvCxnSpPr>
+          <p:cNvPr id="66" name="연결선: 꺾임 65">
+            <a:extLst>
+              <a:ext uri="{FF2B5EF4-FFF2-40B4-BE49-F238E27FC236}">
+                <a16:creationId xmlns:a16="http://schemas.microsoft.com/office/drawing/2014/main" id="{C2754FC4-BDE4-4F10-8A75-E1945F818849}"/>
+              </a:ext>
+            </a:extLst>
+          </p:cNvPr>
+          <p:cNvCxnSpPr>
+            <a:cxnSpLocks/>
+            <a:stCxn id="16" idx="3"/>
+            <a:endCxn id="32" idx="1"/>
+          </p:cNvCxnSpPr>
+          <p:nvPr/>
+        </p:nvCxnSpPr>
+        <p:spPr>
+          <a:xfrm>
+            <a:off x="4774699" y="627914"/>
+            <a:ext cx="972610" cy="405479"/>
+          </a:xfrm>
+          <a:prstGeom prst="bentConnector3">
+            <a:avLst/>
+          </a:prstGeom>
+          <a:ln w="28575">
+            <a:solidFill>
               <a:schemeClr val="accent1">
-                <a:shade val="50000"/>
+                <a:lumMod val="40000"/>
+                <a:lumOff val="60000"/>
               </a:schemeClr>
-            </a:lnRef>
-            <a:fillRef idx="1">
-              <a:schemeClr val="accent1"/>
-            </a:fillRef>
-            <a:effectRef idx="0">
-              <a:schemeClr val="accent1"/>
-            </a:effectRef>
-            <a:fontRef idx="minor">
-              <a:schemeClr val="lt1"/>
-            </a:fontRef>
-          </p:style>
-          <p:txBody>
-            <a:bodyPr rtlCol="0" anchor="ctr"/>
-            <a:lstStyle/>
-            <a:p>
-              <a:pPr algn="ctr"/>
-              <a:r>
-                <a:rPr lang="ko-KR" altLang="en-US" sz="800" dirty="0">
-                  <a:latin typeface="에스코어 드림 7 ExtraBold" panose="020B0803030302020204" pitchFamily="34" charset="-127"/>
-                  <a:ea typeface="에스코어 드림 7 ExtraBold" panose="020B0803030302020204" pitchFamily="34" charset="-127"/>
-                </a:rPr>
-                <a:t>미스터 대박</a:t>
-              </a:r>
-              <a:endParaRPr lang="en-US" altLang="ko-KR" sz="800" dirty="0">
+            </a:solidFill>
+          </a:ln>
+        </p:spPr>
+        <p:style>
+          <a:lnRef idx="1">
+            <a:schemeClr val="accent1"/>
+          </a:lnRef>
+          <a:fillRef idx="0">
+            <a:schemeClr val="accent1"/>
+          </a:fillRef>
+          <a:effectRef idx="0">
+            <a:schemeClr val="accent1"/>
+          </a:effectRef>
+          <a:fontRef idx="minor">
+            <a:schemeClr val="tx1"/>
+          </a:fontRef>
+        </p:style>
+      </p:cxnSp>
+      <p:cxnSp>
+        <p:nvCxnSpPr>
+          <p:cNvPr id="69" name="연결선: 꺾임 68">
+            <a:extLst>
+              <a:ext uri="{FF2B5EF4-FFF2-40B4-BE49-F238E27FC236}">
+                <a16:creationId xmlns:a16="http://schemas.microsoft.com/office/drawing/2014/main" id="{5D2EB456-79F7-4442-A112-CEECBECC90C2}"/>
+              </a:ext>
+            </a:extLst>
+          </p:cNvPr>
+          <p:cNvCxnSpPr>
+            <a:cxnSpLocks/>
+            <a:stCxn id="16" idx="3"/>
+            <a:endCxn id="30" idx="1"/>
+          </p:cNvCxnSpPr>
+          <p:nvPr/>
+        </p:nvCxnSpPr>
+        <p:spPr>
+          <a:xfrm flipV="1">
+            <a:off x="4774699" y="624357"/>
+            <a:ext cx="972610" cy="3555"/>
+          </a:xfrm>
+          <a:prstGeom prst="bentConnector3">
+            <a:avLst/>
+          </a:prstGeom>
+          <a:ln w="28575">
+            <a:solidFill>
+              <a:schemeClr val="accent1">
+                <a:lumMod val="40000"/>
+                <a:lumOff val="60000"/>
+              </a:schemeClr>
+            </a:solidFill>
+          </a:ln>
+        </p:spPr>
+        <p:style>
+          <a:lnRef idx="1">
+            <a:schemeClr val="accent1"/>
+          </a:lnRef>
+          <a:fillRef idx="0">
+            <a:schemeClr val="accent1"/>
+          </a:fillRef>
+          <a:effectRef idx="0">
+            <a:schemeClr val="accent1"/>
+          </a:effectRef>
+          <a:fontRef idx="minor">
+            <a:schemeClr val="tx1"/>
+          </a:fontRef>
+        </p:style>
+      </p:cxnSp>
+      <p:cxnSp>
+        <p:nvCxnSpPr>
+          <p:cNvPr id="93" name="연결선: 꺾임 92">
+            <a:extLst>
+              <a:ext uri="{FF2B5EF4-FFF2-40B4-BE49-F238E27FC236}">
+                <a16:creationId xmlns:a16="http://schemas.microsoft.com/office/drawing/2014/main" id="{B9CA033E-0CDF-46E1-AC82-57E032B0C101}"/>
+              </a:ext>
+            </a:extLst>
+          </p:cNvPr>
+          <p:cNvCxnSpPr>
+            <a:cxnSpLocks/>
+            <a:stCxn id="55" idx="3"/>
+            <a:endCxn id="245" idx="1"/>
+          </p:cNvCxnSpPr>
+          <p:nvPr/>
+        </p:nvCxnSpPr>
+        <p:spPr>
+          <a:xfrm flipV="1">
+            <a:off x="4825499" y="4063588"/>
+            <a:ext cx="2317373" cy="404182"/>
+          </a:xfrm>
+          <a:prstGeom prst="bentConnector3">
+            <a:avLst>
+              <a:gd name="adj1" fmla="val 87266"/>
+            </a:avLst>
+          </a:prstGeom>
+          <a:ln w="28575">
+            <a:solidFill>
+              <a:schemeClr val="accent1">
+                <a:lumMod val="40000"/>
+                <a:lumOff val="60000"/>
+              </a:schemeClr>
+            </a:solidFill>
+          </a:ln>
+        </p:spPr>
+        <p:style>
+          <a:lnRef idx="1">
+            <a:schemeClr val="accent1"/>
+          </a:lnRef>
+          <a:fillRef idx="0">
+            <a:schemeClr val="accent1"/>
+          </a:fillRef>
+          <a:effectRef idx="0">
+            <a:schemeClr val="accent1"/>
+          </a:effectRef>
+          <a:fontRef idx="minor">
+            <a:schemeClr val="tx1"/>
+          </a:fontRef>
+        </p:style>
+      </p:cxnSp>
+      <p:cxnSp>
+        <p:nvCxnSpPr>
+          <p:cNvPr id="96" name="연결선: 꺾임 95">
+            <a:extLst>
+              <a:ext uri="{FF2B5EF4-FFF2-40B4-BE49-F238E27FC236}">
+                <a16:creationId xmlns:a16="http://schemas.microsoft.com/office/drawing/2014/main" id="{94EE4504-BCC9-460C-907F-6160E6A05038}"/>
+              </a:ext>
+            </a:extLst>
+          </p:cNvPr>
+          <p:cNvCxnSpPr>
+            <a:cxnSpLocks/>
+            <a:stCxn id="55" idx="3"/>
+            <a:endCxn id="57" idx="1"/>
+          </p:cNvCxnSpPr>
+          <p:nvPr/>
+        </p:nvCxnSpPr>
+        <p:spPr>
+          <a:xfrm>
+            <a:off x="4825499" y="4467770"/>
+            <a:ext cx="2317373" cy="389487"/>
+          </a:xfrm>
+          <a:prstGeom prst="bentConnector3">
+            <a:avLst>
+              <a:gd name="adj1" fmla="val 86992"/>
+            </a:avLst>
+          </a:prstGeom>
+          <a:ln w="28575">
+            <a:solidFill>
+              <a:schemeClr val="accent1">
+                <a:lumMod val="40000"/>
+                <a:lumOff val="60000"/>
+              </a:schemeClr>
+            </a:solidFill>
+          </a:ln>
+        </p:spPr>
+        <p:style>
+          <a:lnRef idx="1">
+            <a:schemeClr val="accent1"/>
+          </a:lnRef>
+          <a:fillRef idx="0">
+            <a:schemeClr val="accent1"/>
+          </a:fillRef>
+          <a:effectRef idx="0">
+            <a:schemeClr val="accent1"/>
+          </a:effectRef>
+          <a:fontRef idx="minor">
+            <a:schemeClr val="tx1"/>
+          </a:fontRef>
+        </p:style>
+      </p:cxnSp>
+      <p:cxnSp>
+        <p:nvCxnSpPr>
+          <p:cNvPr id="99" name="연결선: 꺾임 98">
+            <a:extLst>
+              <a:ext uri="{FF2B5EF4-FFF2-40B4-BE49-F238E27FC236}">
+                <a16:creationId xmlns:a16="http://schemas.microsoft.com/office/drawing/2014/main" id="{39A640D7-0F08-4006-BE65-3ABFFBBC832D}"/>
+              </a:ext>
+            </a:extLst>
+          </p:cNvPr>
+          <p:cNvCxnSpPr>
+            <a:cxnSpLocks/>
+            <a:stCxn id="16" idx="1"/>
+            <a:endCxn id="11" idx="3"/>
+          </p:cNvCxnSpPr>
+          <p:nvPr/>
+        </p:nvCxnSpPr>
+        <p:spPr>
+          <a:xfrm rot="10800000" flipV="1">
+            <a:off x="3016809" y="627912"/>
+            <a:ext cx="998506" cy="1985941"/>
+          </a:xfrm>
+          <a:prstGeom prst="bentConnector3">
+            <a:avLst>
+              <a:gd name="adj1" fmla="val 50000"/>
+            </a:avLst>
+          </a:prstGeom>
+          <a:ln w="28575">
+            <a:solidFill>
+              <a:schemeClr val="accent1">
+                <a:lumMod val="40000"/>
+                <a:lumOff val="60000"/>
+              </a:schemeClr>
+            </a:solidFill>
+          </a:ln>
+        </p:spPr>
+        <p:style>
+          <a:lnRef idx="1">
+            <a:schemeClr val="accent1"/>
+          </a:lnRef>
+          <a:fillRef idx="0">
+            <a:schemeClr val="accent1"/>
+          </a:fillRef>
+          <a:effectRef idx="0">
+            <a:schemeClr val="accent1"/>
+          </a:effectRef>
+          <a:fontRef idx="minor">
+            <a:schemeClr val="tx1"/>
+          </a:fontRef>
+        </p:style>
+      </p:cxnSp>
+      <p:cxnSp>
+        <p:nvCxnSpPr>
+          <p:cNvPr id="110" name="연결선: 꺾임 109">
+            <a:extLst>
+              <a:ext uri="{FF2B5EF4-FFF2-40B4-BE49-F238E27FC236}">
+                <a16:creationId xmlns:a16="http://schemas.microsoft.com/office/drawing/2014/main" id="{0152C2A7-31D9-4DB9-B8C9-A2B722B5E95A}"/>
+              </a:ext>
+            </a:extLst>
+          </p:cNvPr>
+          <p:cNvCxnSpPr>
+            <a:cxnSpLocks/>
+            <a:stCxn id="55" idx="1"/>
+            <a:endCxn id="11" idx="3"/>
+          </p:cNvCxnSpPr>
+          <p:nvPr/>
+        </p:nvCxnSpPr>
+        <p:spPr>
+          <a:xfrm rot="10800000">
+            <a:off x="3016809" y="2613854"/>
+            <a:ext cx="1049306" cy="1853916"/>
+          </a:xfrm>
+          <a:prstGeom prst="bentConnector3">
+            <a:avLst>
+              <a:gd name="adj1" fmla="val 52421"/>
+            </a:avLst>
+          </a:prstGeom>
+          <a:ln w="28575">
+            <a:solidFill>
+              <a:schemeClr val="accent1">
+                <a:lumMod val="40000"/>
+                <a:lumOff val="60000"/>
+              </a:schemeClr>
+            </a:solidFill>
+          </a:ln>
+        </p:spPr>
+        <p:style>
+          <a:lnRef idx="1">
+            <a:schemeClr val="accent1"/>
+          </a:lnRef>
+          <a:fillRef idx="0">
+            <a:schemeClr val="accent1"/>
+          </a:fillRef>
+          <a:effectRef idx="0">
+            <a:schemeClr val="accent1"/>
+          </a:effectRef>
+          <a:fontRef idx="minor">
+            <a:schemeClr val="tx1"/>
+          </a:fontRef>
+        </p:style>
+      </p:cxnSp>
+      <p:sp>
+        <p:nvSpPr>
+          <p:cNvPr id="129" name="사각형: 둥근 모서리 128">
+            <a:extLst>
+              <a:ext uri="{FF2B5EF4-FFF2-40B4-BE49-F238E27FC236}">
+                <a16:creationId xmlns:a16="http://schemas.microsoft.com/office/drawing/2014/main" id="{35AB0A4A-12E8-4436-853F-B9CDF03A1EC9}"/>
+              </a:ext>
+            </a:extLst>
+          </p:cNvPr>
+          <p:cNvSpPr/>
+          <p:nvPr/>
+        </p:nvSpPr>
+        <p:spPr>
+          <a:xfrm>
+            <a:off x="5747308" y="2726648"/>
+            <a:ext cx="759384" cy="341182"/>
+          </a:xfrm>
+          <a:prstGeom prst="roundRect">
+            <a:avLst/>
+          </a:prstGeom>
+          <a:solidFill>
+            <a:srgbClr val="B4C7E7"/>
+          </a:solidFill>
+          <a:ln>
+            <a:noFill/>
+          </a:ln>
+        </p:spPr>
+        <p:style>
+          <a:lnRef idx="2">
+            <a:schemeClr val="accent1">
+              <a:shade val="50000"/>
+            </a:schemeClr>
+          </a:lnRef>
+          <a:fillRef idx="1">
+            <a:schemeClr val="accent1"/>
+          </a:fillRef>
+          <a:effectRef idx="0">
+            <a:schemeClr val="accent1"/>
+          </a:effectRef>
+          <a:fontRef idx="minor">
+            <a:schemeClr val="lt1"/>
+          </a:fontRef>
+        </p:style>
+        <p:txBody>
+          <a:bodyPr rtlCol="0" anchor="ctr"/>
+          <a:lstStyle/>
+          <a:p>
+            <a:pPr algn="ctr"/>
+            <a:r>
+              <a:rPr lang="ko-KR" altLang="en-US" sz="800" dirty="0">
                 <a:latin typeface="에스코어 드림 7 ExtraBold" panose="020B0803030302020204" pitchFamily="34" charset="-127"/>
                 <a:ea typeface="에스코어 드림 7 ExtraBold" panose="020B0803030302020204" pitchFamily="34" charset="-127"/>
-              </a:endParaRPr>
-            </a:p>
-            <a:p>
-              <a:pPr algn="ctr"/>
-              <a:r>
-                <a:rPr lang="ko-KR" altLang="en-US" sz="800" dirty="0">
-                  <a:latin typeface="에스코어 드림 7 ExtraBold" panose="020B0803030302020204" pitchFamily="34" charset="-127"/>
-                  <a:ea typeface="에스코어 드림 7 ExtraBold" panose="020B0803030302020204" pitchFamily="34" charset="-127"/>
-                </a:rPr>
-                <a:t>디너 서비스</a:t>
-              </a:r>
-              <a:endParaRPr lang="en-US" altLang="ko-KR" sz="800" dirty="0">
+              </a:rPr>
+              <a:t>서비스 구현</a:t>
+            </a:r>
+            <a:endParaRPr lang="en-US" altLang="ko-KR" sz="800" dirty="0">
+              <a:latin typeface="에스코어 드림 7 ExtraBold" panose="020B0803030302020204" pitchFamily="34" charset="-127"/>
+              <a:ea typeface="에스코어 드림 7 ExtraBold" panose="020B0803030302020204" pitchFamily="34" charset="-127"/>
+            </a:endParaRPr>
+          </a:p>
+        </p:txBody>
+      </p:sp>
+      <p:sp>
+        <p:nvSpPr>
+          <p:cNvPr id="130" name="사각형: 둥근 모서리 129">
+            <a:extLst>
+              <a:ext uri="{FF2B5EF4-FFF2-40B4-BE49-F238E27FC236}">
+                <a16:creationId xmlns:a16="http://schemas.microsoft.com/office/drawing/2014/main" id="{806BDA8C-890D-4993-BC4C-C9551E8F9A8B}"/>
+              </a:ext>
+            </a:extLst>
+          </p:cNvPr>
+          <p:cNvSpPr/>
+          <p:nvPr/>
+        </p:nvSpPr>
+        <p:spPr>
+          <a:xfrm>
+            <a:off x="5747308" y="3097150"/>
+            <a:ext cx="759384" cy="341182"/>
+          </a:xfrm>
+          <a:prstGeom prst="roundRect">
+            <a:avLst/>
+          </a:prstGeom>
+          <a:solidFill>
+            <a:srgbClr val="B4C7E7"/>
+          </a:solidFill>
+          <a:ln>
+            <a:noFill/>
+          </a:ln>
+        </p:spPr>
+        <p:style>
+          <a:lnRef idx="2">
+            <a:schemeClr val="accent1">
+              <a:shade val="50000"/>
+            </a:schemeClr>
+          </a:lnRef>
+          <a:fillRef idx="1">
+            <a:schemeClr val="accent1"/>
+          </a:fillRef>
+          <a:effectRef idx="0">
+            <a:schemeClr val="accent1"/>
+          </a:effectRef>
+          <a:fontRef idx="minor">
+            <a:schemeClr val="lt1"/>
+          </a:fontRef>
+        </p:style>
+        <p:txBody>
+          <a:bodyPr rtlCol="0" anchor="ctr"/>
+          <a:lstStyle/>
+          <a:p>
+            <a:pPr algn="ctr"/>
+            <a:r>
+              <a:rPr lang="en-US" altLang="ko-KR" sz="800" dirty="0">
                 <a:latin typeface="에스코어 드림 7 ExtraBold" panose="020B0803030302020204" pitchFamily="34" charset="-127"/>
                 <a:ea typeface="에스코어 드림 7 ExtraBold" panose="020B0803030302020204" pitchFamily="34" charset="-127"/>
-              </a:endParaRPr>
-            </a:p>
-          </p:txBody>
-        </p:sp>
-        <p:sp>
-          <p:nvSpPr>
-            <p:cNvPr id="16" name="사각형: 둥근 모서리 15">
-              <a:extLst>
-                <a:ext uri="{FF2B5EF4-FFF2-40B4-BE49-F238E27FC236}">
-                  <a16:creationId xmlns:a16="http://schemas.microsoft.com/office/drawing/2014/main" id="{BD819213-CBF6-4513-8D57-D3F954759602}"/>
-                </a:ext>
-              </a:extLst>
-            </p:cNvPr>
-            <p:cNvSpPr/>
-            <p:nvPr/>
-          </p:nvSpPr>
-          <p:spPr>
-            <a:xfrm>
-              <a:off x="8040430" y="4537624"/>
-              <a:ext cx="793083" cy="391709"/>
-            </a:xfrm>
-            <a:prstGeom prst="roundRect">
-              <a:avLst/>
-            </a:prstGeom>
-            <a:solidFill>
-              <a:srgbClr val="8FAADC"/>
-            </a:solidFill>
-            <a:ln>
-              <a:noFill/>
-            </a:ln>
-          </p:spPr>
-          <p:style>
-            <a:lnRef idx="2">
-              <a:schemeClr val="accent1">
-                <a:shade val="50000"/>
-              </a:schemeClr>
-            </a:lnRef>
-            <a:fillRef idx="1">
-              <a:schemeClr val="accent1"/>
-            </a:fillRef>
-            <a:effectRef idx="0">
-              <a:schemeClr val="accent1"/>
-            </a:effectRef>
-            <a:fontRef idx="minor">
-              <a:schemeClr val="lt1"/>
-            </a:fontRef>
-          </p:style>
-          <p:txBody>
-            <a:bodyPr rtlCol="0" anchor="ctr"/>
-            <a:lstStyle/>
-            <a:p>
-              <a:pPr algn="ctr"/>
-              <a:r>
-                <a:rPr lang="ko-KR" altLang="en-US" sz="800" dirty="0">
-                  <a:latin typeface="에스코어 드림 7 ExtraBold" panose="020B0803030302020204" pitchFamily="34" charset="-127"/>
-                  <a:ea typeface="에스코어 드림 7 ExtraBold" panose="020B0803030302020204" pitchFamily="34" charset="-127"/>
-                </a:rPr>
-                <a:t>요구 분석</a:t>
-              </a:r>
-              <a:endParaRPr lang="en-US" altLang="ko-KR" sz="800" dirty="0">
+              </a:rPr>
+              <a:t>DB </a:t>
+            </a:r>
+            <a:r>
+              <a:rPr lang="ko-KR" altLang="en-US" sz="800" dirty="0">
                 <a:latin typeface="에스코어 드림 7 ExtraBold" panose="020B0803030302020204" pitchFamily="34" charset="-127"/>
                 <a:ea typeface="에스코어 드림 7 ExtraBold" panose="020B0803030302020204" pitchFamily="34" charset="-127"/>
-              </a:endParaRPr>
-            </a:p>
-          </p:txBody>
-        </p:sp>
-        <p:sp>
-          <p:nvSpPr>
-            <p:cNvPr id="28" name="사각형: 둥근 모서리 27">
-              <a:extLst>
-                <a:ext uri="{FF2B5EF4-FFF2-40B4-BE49-F238E27FC236}">
-                  <a16:creationId xmlns:a16="http://schemas.microsoft.com/office/drawing/2014/main" id="{2EAC30B5-0A54-499D-8062-544227A1A1E6}"/>
-                </a:ext>
-              </a:extLst>
-            </p:cNvPr>
-            <p:cNvSpPr/>
-            <p:nvPr/>
-          </p:nvSpPr>
-          <p:spPr>
-            <a:xfrm>
-              <a:off x="9849285" y="4086374"/>
-              <a:ext cx="793083" cy="391709"/>
-            </a:xfrm>
-            <a:prstGeom prst="roundRect">
-              <a:avLst/>
-            </a:prstGeom>
-            <a:solidFill>
-              <a:srgbClr val="B4C7E7"/>
-            </a:solidFill>
-            <a:ln>
-              <a:noFill/>
-            </a:ln>
-          </p:spPr>
-          <p:style>
-            <a:lnRef idx="2">
-              <a:schemeClr val="accent1">
-                <a:shade val="50000"/>
-              </a:schemeClr>
-            </a:lnRef>
-            <a:fillRef idx="1">
-              <a:schemeClr val="accent1"/>
-            </a:fillRef>
-            <a:effectRef idx="0">
-              <a:schemeClr val="accent1"/>
-            </a:effectRef>
-            <a:fontRef idx="minor">
-              <a:schemeClr val="lt1"/>
-            </a:fontRef>
-          </p:style>
-          <p:txBody>
-            <a:bodyPr rtlCol="0" anchor="ctr"/>
-            <a:lstStyle/>
-            <a:p>
-              <a:pPr algn="ctr"/>
-              <a:r>
-                <a:rPr lang="ko-KR" altLang="en-US" sz="800" dirty="0">
-                  <a:latin typeface="에스코어 드림 7 ExtraBold" panose="020B0803030302020204" pitchFamily="34" charset="-127"/>
-                  <a:ea typeface="에스코어 드림 7 ExtraBold" panose="020B0803030302020204" pitchFamily="34" charset="-127"/>
-                </a:rPr>
-                <a:t>요구 추출</a:t>
-              </a:r>
-              <a:endParaRPr lang="en-US" altLang="ko-KR" sz="800" dirty="0">
+              </a:rPr>
+              <a:t>구현</a:t>
+            </a:r>
+            <a:endParaRPr lang="en-US" altLang="ko-KR" sz="800" dirty="0">
+              <a:latin typeface="에스코어 드림 7 ExtraBold" panose="020B0803030302020204" pitchFamily="34" charset="-127"/>
+              <a:ea typeface="에스코어 드림 7 ExtraBold" panose="020B0803030302020204" pitchFamily="34" charset="-127"/>
+            </a:endParaRPr>
+          </a:p>
+        </p:txBody>
+      </p:sp>
+      <p:sp>
+        <p:nvSpPr>
+          <p:cNvPr id="131" name="사각형: 둥근 모서리 130">
+            <a:extLst>
+              <a:ext uri="{FF2B5EF4-FFF2-40B4-BE49-F238E27FC236}">
+                <a16:creationId xmlns:a16="http://schemas.microsoft.com/office/drawing/2014/main" id="{E634F8BE-493E-4D7A-BDFF-3EE71901DDB7}"/>
+              </a:ext>
+            </a:extLst>
+          </p:cNvPr>
+          <p:cNvSpPr/>
+          <p:nvPr/>
+        </p:nvSpPr>
+        <p:spPr>
+          <a:xfrm>
+            <a:off x="5747308" y="3486637"/>
+            <a:ext cx="759384" cy="341182"/>
+          </a:xfrm>
+          <a:prstGeom prst="roundRect">
+            <a:avLst/>
+          </a:prstGeom>
+          <a:solidFill>
+            <a:srgbClr val="B4C7E7"/>
+          </a:solidFill>
+          <a:ln>
+            <a:noFill/>
+          </a:ln>
+        </p:spPr>
+        <p:style>
+          <a:lnRef idx="2">
+            <a:schemeClr val="accent1">
+              <a:shade val="50000"/>
+            </a:schemeClr>
+          </a:lnRef>
+          <a:fillRef idx="1">
+            <a:schemeClr val="accent1"/>
+          </a:fillRef>
+          <a:effectRef idx="0">
+            <a:schemeClr val="accent1"/>
+          </a:effectRef>
+          <a:fontRef idx="minor">
+            <a:schemeClr val="lt1"/>
+          </a:fontRef>
+        </p:style>
+        <p:txBody>
+          <a:bodyPr rtlCol="0" anchor="ctr"/>
+          <a:lstStyle/>
+          <a:p>
+            <a:pPr algn="ctr"/>
+            <a:r>
+              <a:rPr lang="en-US" altLang="ko-KR" sz="800" dirty="0">
                 <a:latin typeface="에스코어 드림 7 ExtraBold" panose="020B0803030302020204" pitchFamily="34" charset="-127"/>
                 <a:ea typeface="에스코어 드림 7 ExtraBold" panose="020B0803030302020204" pitchFamily="34" charset="-127"/>
-              </a:endParaRPr>
-            </a:p>
-          </p:txBody>
-        </p:sp>
-        <p:sp>
-          <p:nvSpPr>
-            <p:cNvPr id="30" name="사각형: 둥근 모서리 29">
-              <a:extLst>
-                <a:ext uri="{FF2B5EF4-FFF2-40B4-BE49-F238E27FC236}">
-                  <a16:creationId xmlns:a16="http://schemas.microsoft.com/office/drawing/2014/main" id="{C8399C73-EEFF-4969-B0E0-A88C386F9E73}"/>
-                </a:ext>
-              </a:extLst>
-            </p:cNvPr>
-            <p:cNvSpPr/>
-            <p:nvPr/>
-          </p:nvSpPr>
-          <p:spPr>
-            <a:xfrm>
-              <a:off x="9849285" y="4533541"/>
-              <a:ext cx="793083" cy="391709"/>
-            </a:xfrm>
-            <a:prstGeom prst="roundRect">
-              <a:avLst/>
-            </a:prstGeom>
-            <a:solidFill>
-              <a:srgbClr val="B4C7E7"/>
-            </a:solidFill>
-            <a:ln>
-              <a:noFill/>
-            </a:ln>
-          </p:spPr>
-          <p:style>
-            <a:lnRef idx="2">
-              <a:schemeClr val="accent1">
-                <a:shade val="50000"/>
-              </a:schemeClr>
-            </a:lnRef>
-            <a:fillRef idx="1">
-              <a:schemeClr val="accent1"/>
-            </a:fillRef>
-            <a:effectRef idx="0">
-              <a:schemeClr val="accent1"/>
-            </a:effectRef>
-            <a:fontRef idx="minor">
-              <a:schemeClr val="lt1"/>
-            </a:fontRef>
-          </p:style>
-          <p:txBody>
-            <a:bodyPr rtlCol="0" anchor="ctr"/>
-            <a:lstStyle/>
-            <a:p>
-              <a:pPr algn="ctr"/>
-              <a:r>
-                <a:rPr lang="ko-KR" altLang="en-US" sz="800" dirty="0" err="1">
-                  <a:latin typeface="에스코어 드림 7 ExtraBold" panose="020B0803030302020204" pitchFamily="34" charset="-127"/>
-                  <a:ea typeface="에스코어 드림 7 ExtraBold" panose="020B0803030302020204" pitchFamily="34" charset="-127"/>
-                </a:rPr>
-                <a:t>유스케이스</a:t>
-              </a:r>
-              <a:r>
-                <a:rPr lang="ko-KR" altLang="en-US" sz="800" dirty="0">
-                  <a:latin typeface="에스코어 드림 7 ExtraBold" panose="020B0803030302020204" pitchFamily="34" charset="-127"/>
-                  <a:ea typeface="에스코어 드림 7 ExtraBold" panose="020B0803030302020204" pitchFamily="34" charset="-127"/>
-                </a:rPr>
-                <a:t> 명세</a:t>
-              </a:r>
-              <a:endParaRPr lang="en-US" altLang="ko-KR" sz="800" dirty="0">
+              </a:rPr>
+              <a:t>UI </a:t>
+            </a:r>
+            <a:r>
+              <a:rPr lang="ko-KR" altLang="en-US" sz="800" dirty="0">
                 <a:latin typeface="에스코어 드림 7 ExtraBold" panose="020B0803030302020204" pitchFamily="34" charset="-127"/>
                 <a:ea typeface="에스코어 드림 7 ExtraBold" panose="020B0803030302020204" pitchFamily="34" charset="-127"/>
-              </a:endParaRPr>
-            </a:p>
-          </p:txBody>
-        </p:sp>
-        <p:sp>
-          <p:nvSpPr>
-            <p:cNvPr id="32" name="사각형: 둥근 모서리 31">
-              <a:extLst>
-                <a:ext uri="{FF2B5EF4-FFF2-40B4-BE49-F238E27FC236}">
-                  <a16:creationId xmlns:a16="http://schemas.microsoft.com/office/drawing/2014/main" id="{BF1210BE-065F-4F07-B18C-D8D9B4A1641F}"/>
-                </a:ext>
-              </a:extLst>
-            </p:cNvPr>
-            <p:cNvSpPr/>
-            <p:nvPr/>
-          </p:nvSpPr>
-          <p:spPr>
-            <a:xfrm>
-              <a:off x="9849285" y="5003152"/>
-              <a:ext cx="793083" cy="391709"/>
-            </a:xfrm>
-            <a:prstGeom prst="roundRect">
-              <a:avLst/>
-            </a:prstGeom>
+              </a:rPr>
+              <a:t>구현</a:t>
+            </a:r>
+            <a:endParaRPr lang="en-US" altLang="ko-KR" sz="800" dirty="0">
+              <a:latin typeface="에스코어 드림 7 ExtraBold" panose="020B0803030302020204" pitchFamily="34" charset="-127"/>
+              <a:ea typeface="에스코어 드림 7 ExtraBold" panose="020B0803030302020204" pitchFamily="34" charset="-127"/>
+            </a:endParaRPr>
+          </a:p>
+        </p:txBody>
+      </p:sp>
+      <p:cxnSp>
+        <p:nvCxnSpPr>
+          <p:cNvPr id="132" name="연결선: 꺾임 131">
+            <a:extLst>
+              <a:ext uri="{FF2B5EF4-FFF2-40B4-BE49-F238E27FC236}">
+                <a16:creationId xmlns:a16="http://schemas.microsoft.com/office/drawing/2014/main" id="{5D6465F9-2154-4F0E-BEE0-0D099FD117A5}"/>
+              </a:ext>
+            </a:extLst>
+          </p:cNvPr>
+          <p:cNvCxnSpPr>
+            <a:cxnSpLocks/>
+            <a:stCxn id="24" idx="3"/>
+            <a:endCxn id="129" idx="1"/>
+          </p:cNvCxnSpPr>
+          <p:nvPr/>
+        </p:nvCxnSpPr>
+        <p:spPr>
+          <a:xfrm flipV="1">
+            <a:off x="4774699" y="2897239"/>
+            <a:ext cx="972609" cy="468436"/>
+          </a:xfrm>
+          <a:prstGeom prst="bentConnector3">
+            <a:avLst/>
+          </a:prstGeom>
+          <a:ln w="28575">
             <a:solidFill>
-              <a:srgbClr val="B4C7E7"/>
+              <a:schemeClr val="accent1">
+                <a:lumMod val="40000"/>
+                <a:lumOff val="60000"/>
+              </a:schemeClr>
             </a:solidFill>
-            <a:ln>
-              <a:noFill/>
-            </a:ln>
-          </p:spPr>
-          <p:style>
-            <a:lnRef idx="2">
+          </a:ln>
+        </p:spPr>
+        <p:style>
+          <a:lnRef idx="1">
+            <a:schemeClr val="accent1"/>
+          </a:lnRef>
+          <a:fillRef idx="0">
+            <a:schemeClr val="accent1"/>
+          </a:fillRef>
+          <a:effectRef idx="0">
+            <a:schemeClr val="accent1"/>
+          </a:effectRef>
+          <a:fontRef idx="minor">
+            <a:schemeClr val="tx1"/>
+          </a:fontRef>
+        </p:style>
+      </p:cxnSp>
+      <p:cxnSp>
+        <p:nvCxnSpPr>
+          <p:cNvPr id="133" name="연결선: 꺾임 132">
+            <a:extLst>
+              <a:ext uri="{FF2B5EF4-FFF2-40B4-BE49-F238E27FC236}">
+                <a16:creationId xmlns:a16="http://schemas.microsoft.com/office/drawing/2014/main" id="{83246131-EA87-4F6B-8A28-34FD146CDB8A}"/>
+              </a:ext>
+            </a:extLst>
+          </p:cNvPr>
+          <p:cNvCxnSpPr>
+            <a:cxnSpLocks/>
+            <a:stCxn id="24" idx="3"/>
+            <a:endCxn id="131" idx="1"/>
+          </p:cNvCxnSpPr>
+          <p:nvPr/>
+        </p:nvCxnSpPr>
+        <p:spPr>
+          <a:xfrm>
+            <a:off x="4774699" y="3365675"/>
+            <a:ext cx="972609" cy="291553"/>
+          </a:xfrm>
+          <a:prstGeom prst="bentConnector3">
+            <a:avLst/>
+          </a:prstGeom>
+          <a:ln w="28575">
+            <a:solidFill>
               <a:schemeClr val="accent1">
-                <a:shade val="50000"/>
+                <a:lumMod val="40000"/>
+                <a:lumOff val="60000"/>
               </a:schemeClr>
-            </a:lnRef>
-            <a:fillRef idx="1">
-              <a:schemeClr val="accent1"/>
-            </a:fillRef>
-            <a:effectRef idx="0">
-              <a:schemeClr val="accent1"/>
-            </a:effectRef>
-            <a:fontRef idx="minor">
-              <a:schemeClr val="lt1"/>
-            </a:fontRef>
-          </p:style>
-          <p:txBody>
-            <a:bodyPr rtlCol="0" anchor="ctr"/>
-            <a:lstStyle/>
-            <a:p>
-              <a:pPr algn="ctr"/>
-              <a:r>
-                <a:rPr lang="ko-KR" altLang="en-US" sz="800" dirty="0">
-                  <a:latin typeface="에스코어 드림 7 ExtraBold" panose="020B0803030302020204" pitchFamily="34" charset="-127"/>
-                  <a:ea typeface="에스코어 드림 7 ExtraBold" panose="020B0803030302020204" pitchFamily="34" charset="-127"/>
-                </a:rPr>
-                <a:t>요구 모델링</a:t>
-              </a:r>
-              <a:endParaRPr lang="en-US" altLang="ko-KR" sz="800" dirty="0">
+            </a:solidFill>
+          </a:ln>
+        </p:spPr>
+        <p:style>
+          <a:lnRef idx="1">
+            <a:schemeClr val="accent1"/>
+          </a:lnRef>
+          <a:fillRef idx="0">
+            <a:schemeClr val="accent1"/>
+          </a:fillRef>
+          <a:effectRef idx="0">
+            <a:schemeClr val="accent1"/>
+          </a:effectRef>
+          <a:fontRef idx="minor">
+            <a:schemeClr val="tx1"/>
+          </a:fontRef>
+        </p:style>
+      </p:cxnSp>
+      <p:cxnSp>
+        <p:nvCxnSpPr>
+          <p:cNvPr id="134" name="연결선: 꺾임 133">
+            <a:extLst>
+              <a:ext uri="{FF2B5EF4-FFF2-40B4-BE49-F238E27FC236}">
+                <a16:creationId xmlns:a16="http://schemas.microsoft.com/office/drawing/2014/main" id="{DCF39EB3-CBC7-40BB-AEC9-F3382835F1F2}"/>
+              </a:ext>
+            </a:extLst>
+          </p:cNvPr>
+          <p:cNvCxnSpPr>
+            <a:cxnSpLocks/>
+            <a:stCxn id="24" idx="3"/>
+            <a:endCxn id="130" idx="1"/>
+          </p:cNvCxnSpPr>
+          <p:nvPr/>
+        </p:nvCxnSpPr>
+        <p:spPr>
+          <a:xfrm flipV="1">
+            <a:off x="4774699" y="3267741"/>
+            <a:ext cx="972609" cy="97934"/>
+          </a:xfrm>
+          <a:prstGeom prst="bentConnector3">
+            <a:avLst/>
+          </a:prstGeom>
+          <a:ln w="28575">
+            <a:solidFill>
+              <a:schemeClr val="accent1">
+                <a:lumMod val="40000"/>
+                <a:lumOff val="60000"/>
+              </a:schemeClr>
+            </a:solidFill>
+          </a:ln>
+        </p:spPr>
+        <p:style>
+          <a:lnRef idx="1">
+            <a:schemeClr val="accent1"/>
+          </a:lnRef>
+          <a:fillRef idx="0">
+            <a:schemeClr val="accent1"/>
+          </a:fillRef>
+          <a:effectRef idx="0">
+            <a:schemeClr val="accent1"/>
+          </a:effectRef>
+          <a:fontRef idx="minor">
+            <a:schemeClr val="tx1"/>
+          </a:fontRef>
+        </p:style>
+      </p:cxnSp>
+      <p:sp>
+        <p:nvSpPr>
+          <p:cNvPr id="172" name="사각형: 둥근 모서리 171">
+            <a:extLst>
+              <a:ext uri="{FF2B5EF4-FFF2-40B4-BE49-F238E27FC236}">
+                <a16:creationId xmlns:a16="http://schemas.microsoft.com/office/drawing/2014/main" id="{4146287E-0762-4588-99BF-E6E00D9B0E40}"/>
+              </a:ext>
+            </a:extLst>
+          </p:cNvPr>
+          <p:cNvSpPr/>
+          <p:nvPr/>
+        </p:nvSpPr>
+        <p:spPr>
+          <a:xfrm>
+            <a:off x="4015315" y="1787767"/>
+            <a:ext cx="759384" cy="341182"/>
+          </a:xfrm>
+          <a:prstGeom prst="roundRect">
+            <a:avLst/>
+          </a:prstGeom>
+          <a:solidFill>
+            <a:srgbClr val="8FAADC"/>
+          </a:solidFill>
+          <a:ln>
+            <a:noFill/>
+          </a:ln>
+        </p:spPr>
+        <p:style>
+          <a:lnRef idx="2">
+            <a:schemeClr val="accent1">
+              <a:shade val="50000"/>
+            </a:schemeClr>
+          </a:lnRef>
+          <a:fillRef idx="1">
+            <a:schemeClr val="accent1"/>
+          </a:fillRef>
+          <a:effectRef idx="0">
+            <a:schemeClr val="accent1"/>
+          </a:effectRef>
+          <a:fontRef idx="minor">
+            <a:schemeClr val="lt1"/>
+          </a:fontRef>
+        </p:style>
+        <p:txBody>
+          <a:bodyPr rtlCol="0" anchor="ctr"/>
+          <a:lstStyle/>
+          <a:p>
+            <a:pPr algn="ctr"/>
+            <a:r>
+              <a:rPr lang="ko-KR" altLang="en-US" sz="800" dirty="0">
                 <a:latin typeface="에스코어 드림 7 ExtraBold" panose="020B0803030302020204" pitchFamily="34" charset="-127"/>
                 <a:ea typeface="에스코어 드림 7 ExtraBold" panose="020B0803030302020204" pitchFamily="34" charset="-127"/>
-              </a:endParaRPr>
-            </a:p>
-          </p:txBody>
-        </p:sp>
-        <p:sp>
-          <p:nvSpPr>
-            <p:cNvPr id="24" name="사각형: 둥근 모서리 23">
-              <a:extLst>
-                <a:ext uri="{FF2B5EF4-FFF2-40B4-BE49-F238E27FC236}">
-                  <a16:creationId xmlns:a16="http://schemas.microsoft.com/office/drawing/2014/main" id="{690149C1-3A76-4C7B-A3B8-66B96B7828B7}"/>
-                </a:ext>
-              </a:extLst>
-            </p:cNvPr>
-            <p:cNvSpPr/>
-            <p:nvPr/>
-          </p:nvSpPr>
-          <p:spPr>
-            <a:xfrm>
-              <a:off x="8040430" y="7520217"/>
-              <a:ext cx="793083" cy="391709"/>
-            </a:xfrm>
-            <a:prstGeom prst="roundRect">
-              <a:avLst/>
-            </a:prstGeom>
+              </a:rPr>
+              <a:t>설계</a:t>
+            </a:r>
+            <a:endParaRPr lang="en-US" altLang="ko-KR" sz="800" dirty="0">
+              <a:latin typeface="에스코어 드림 7 ExtraBold" panose="020B0803030302020204" pitchFamily="34" charset="-127"/>
+              <a:ea typeface="에스코어 드림 7 ExtraBold" panose="020B0803030302020204" pitchFamily="34" charset="-127"/>
+            </a:endParaRPr>
+          </a:p>
+        </p:txBody>
+      </p:sp>
+      <p:cxnSp>
+        <p:nvCxnSpPr>
+          <p:cNvPr id="173" name="연결선: 꺾임 172">
+            <a:extLst>
+              <a:ext uri="{FF2B5EF4-FFF2-40B4-BE49-F238E27FC236}">
+                <a16:creationId xmlns:a16="http://schemas.microsoft.com/office/drawing/2014/main" id="{7A046AAA-BFE4-4B88-919D-36CC8B55B1D0}"/>
+              </a:ext>
+            </a:extLst>
+          </p:cNvPr>
+          <p:cNvCxnSpPr>
+            <a:cxnSpLocks/>
+            <a:stCxn id="172" idx="1"/>
+            <a:endCxn id="11" idx="3"/>
+          </p:cNvCxnSpPr>
+          <p:nvPr/>
+        </p:nvCxnSpPr>
+        <p:spPr>
+          <a:xfrm rot="10800000" flipV="1">
+            <a:off x="3016809" y="1958358"/>
+            <a:ext cx="998506" cy="655496"/>
+          </a:xfrm>
+          <a:prstGeom prst="bentConnector3">
+            <a:avLst>
+              <a:gd name="adj1" fmla="val 50000"/>
+            </a:avLst>
+          </a:prstGeom>
+          <a:ln w="28575">
             <a:solidFill>
-              <a:srgbClr val="8FAADC"/>
+              <a:schemeClr val="accent1">
+                <a:lumMod val="40000"/>
+                <a:lumOff val="60000"/>
+              </a:schemeClr>
             </a:solidFill>
-            <a:ln>
-              <a:noFill/>
-            </a:ln>
-          </p:spPr>
-          <p:style>
-            <a:lnRef idx="2">
-              <a:schemeClr val="accent1">
-                <a:shade val="50000"/>
-              </a:schemeClr>
-            </a:lnRef>
-            <a:fillRef idx="1">
-              <a:schemeClr val="accent1"/>
-            </a:fillRef>
-            <a:effectRef idx="0">
-              <a:schemeClr val="accent1"/>
-            </a:effectRef>
-            <a:fontRef idx="minor">
-              <a:schemeClr val="lt1"/>
-            </a:fontRef>
-          </p:style>
-          <p:txBody>
-            <a:bodyPr rtlCol="0" anchor="ctr"/>
-            <a:lstStyle/>
-            <a:p>
-              <a:pPr algn="ctr"/>
-              <a:r>
-                <a:rPr lang="ko-KR" altLang="en-US" sz="800" dirty="0">
-                  <a:latin typeface="에스코어 드림 7 ExtraBold" panose="020B0803030302020204" pitchFamily="34" charset="-127"/>
-                  <a:ea typeface="에스코어 드림 7 ExtraBold" panose="020B0803030302020204" pitchFamily="34" charset="-127"/>
-                </a:rPr>
-                <a:t>코딩</a:t>
-              </a:r>
-              <a:endParaRPr lang="en-US" altLang="ko-KR" sz="800" dirty="0">
+          </a:ln>
+        </p:spPr>
+        <p:style>
+          <a:lnRef idx="1">
+            <a:schemeClr val="accent1"/>
+          </a:lnRef>
+          <a:fillRef idx="0">
+            <a:schemeClr val="accent1"/>
+          </a:fillRef>
+          <a:effectRef idx="0">
+            <a:schemeClr val="accent1"/>
+          </a:effectRef>
+          <a:fontRef idx="minor">
+            <a:schemeClr val="tx1"/>
+          </a:fontRef>
+        </p:style>
+      </p:cxnSp>
+      <p:sp>
+        <p:nvSpPr>
+          <p:cNvPr id="174" name="사각형: 둥근 모서리 173">
+            <a:extLst>
+              <a:ext uri="{FF2B5EF4-FFF2-40B4-BE49-F238E27FC236}">
+                <a16:creationId xmlns:a16="http://schemas.microsoft.com/office/drawing/2014/main" id="{195B4AD8-8E5F-4CAF-9D56-FA1E59BD2F1F}"/>
+              </a:ext>
+            </a:extLst>
+          </p:cNvPr>
+          <p:cNvSpPr/>
+          <p:nvPr/>
+        </p:nvSpPr>
+        <p:spPr>
+          <a:xfrm>
+            <a:off x="7142872" y="1249774"/>
+            <a:ext cx="759384" cy="341182"/>
+          </a:xfrm>
+          <a:prstGeom prst="roundRect">
+            <a:avLst/>
+          </a:prstGeom>
+          <a:solidFill>
+            <a:srgbClr val="B4C7E7"/>
+          </a:solidFill>
+          <a:ln>
+            <a:noFill/>
+          </a:ln>
+        </p:spPr>
+        <p:style>
+          <a:lnRef idx="2">
+            <a:schemeClr val="accent1">
+              <a:shade val="50000"/>
+            </a:schemeClr>
+          </a:lnRef>
+          <a:fillRef idx="1">
+            <a:schemeClr val="accent1"/>
+          </a:fillRef>
+          <a:effectRef idx="0">
+            <a:schemeClr val="accent1"/>
+          </a:effectRef>
+          <a:fontRef idx="minor">
+            <a:schemeClr val="lt1"/>
+          </a:fontRef>
+        </p:style>
+        <p:txBody>
+          <a:bodyPr rtlCol="0" anchor="ctr"/>
+          <a:lstStyle/>
+          <a:p>
+            <a:pPr algn="ctr"/>
+            <a:r>
+              <a:rPr lang="ko-KR" altLang="en-US" sz="800" dirty="0">
                 <a:latin typeface="에스코어 드림 7 ExtraBold" panose="020B0803030302020204" pitchFamily="34" charset="-127"/>
                 <a:ea typeface="에스코어 드림 7 ExtraBold" panose="020B0803030302020204" pitchFamily="34" charset="-127"/>
-              </a:endParaRPr>
-            </a:p>
-          </p:txBody>
-        </p:sp>
-        <p:sp>
-          <p:nvSpPr>
-            <p:cNvPr id="40" name="사각형: 둥근 모서리 39">
-              <a:extLst>
-                <a:ext uri="{FF2B5EF4-FFF2-40B4-BE49-F238E27FC236}">
-                  <a16:creationId xmlns:a16="http://schemas.microsoft.com/office/drawing/2014/main" id="{36741FD8-DDB4-4B1E-89B3-475573F7BAED}"/>
-                </a:ext>
-              </a:extLst>
-            </p:cNvPr>
-            <p:cNvSpPr/>
-            <p:nvPr/>
-          </p:nvSpPr>
-          <p:spPr>
-            <a:xfrm>
-              <a:off x="9849285" y="7332294"/>
-              <a:ext cx="793083" cy="391709"/>
-            </a:xfrm>
-            <a:prstGeom prst="roundRect">
-              <a:avLst/>
-            </a:prstGeom>
-            <a:solidFill>
-              <a:srgbClr val="B4C7E7"/>
-            </a:solidFill>
-            <a:ln>
-              <a:noFill/>
-            </a:ln>
-          </p:spPr>
-          <p:style>
-            <a:lnRef idx="2">
-              <a:schemeClr val="accent1">
-                <a:shade val="50000"/>
-              </a:schemeClr>
-            </a:lnRef>
-            <a:fillRef idx="1">
-              <a:schemeClr val="accent1"/>
-            </a:fillRef>
-            <a:effectRef idx="0">
-              <a:schemeClr val="accent1"/>
-            </a:effectRef>
-            <a:fontRef idx="minor">
-              <a:schemeClr val="lt1"/>
-            </a:fontRef>
-          </p:style>
-          <p:txBody>
-            <a:bodyPr rtlCol="0" anchor="ctr"/>
-            <a:lstStyle/>
-            <a:p>
-              <a:pPr algn="ctr"/>
-              <a:r>
-                <a:rPr lang="ko-KR" altLang="en-US" sz="800" dirty="0">
-                  <a:latin typeface="에스코어 드림 7 ExtraBold" panose="020B0803030302020204" pitchFamily="34" charset="-127"/>
-                  <a:ea typeface="에스코어 드림 7 ExtraBold" panose="020B0803030302020204" pitchFamily="34" charset="-127"/>
-                </a:rPr>
-                <a:t>단위 모듈 구현</a:t>
-              </a:r>
-              <a:endParaRPr lang="en-US" altLang="ko-KR" sz="800" dirty="0">
+              </a:rPr>
+              <a:t>서비스 설계</a:t>
+            </a:r>
+            <a:endParaRPr lang="en-US" altLang="ko-KR" sz="800" dirty="0">
+              <a:latin typeface="에스코어 드림 7 ExtraBold" panose="020B0803030302020204" pitchFamily="34" charset="-127"/>
+              <a:ea typeface="에스코어 드림 7 ExtraBold" panose="020B0803030302020204" pitchFamily="34" charset="-127"/>
+            </a:endParaRPr>
+          </a:p>
+        </p:txBody>
+      </p:sp>
+      <p:sp>
+        <p:nvSpPr>
+          <p:cNvPr id="175" name="사각형: 둥근 모서리 174">
+            <a:extLst>
+              <a:ext uri="{FF2B5EF4-FFF2-40B4-BE49-F238E27FC236}">
+                <a16:creationId xmlns:a16="http://schemas.microsoft.com/office/drawing/2014/main" id="{4684B1FB-5CCC-4D92-A47D-67EE469B26A2}"/>
+              </a:ext>
+            </a:extLst>
+          </p:cNvPr>
+          <p:cNvSpPr/>
+          <p:nvPr/>
+        </p:nvSpPr>
+        <p:spPr>
+          <a:xfrm>
+            <a:off x="7142872" y="1633862"/>
+            <a:ext cx="759384" cy="341182"/>
+          </a:xfrm>
+          <a:prstGeom prst="roundRect">
+            <a:avLst/>
+          </a:prstGeom>
+          <a:solidFill>
+            <a:srgbClr val="B4C7E7"/>
+          </a:solidFill>
+          <a:ln>
+            <a:noFill/>
+          </a:ln>
+        </p:spPr>
+        <p:style>
+          <a:lnRef idx="2">
+            <a:schemeClr val="accent1">
+              <a:shade val="50000"/>
+            </a:schemeClr>
+          </a:lnRef>
+          <a:fillRef idx="1">
+            <a:schemeClr val="accent1"/>
+          </a:fillRef>
+          <a:effectRef idx="0">
+            <a:schemeClr val="accent1"/>
+          </a:effectRef>
+          <a:fontRef idx="minor">
+            <a:schemeClr val="lt1"/>
+          </a:fontRef>
+        </p:style>
+        <p:txBody>
+          <a:bodyPr rtlCol="0" anchor="ctr"/>
+          <a:lstStyle/>
+          <a:p>
+            <a:pPr algn="ctr"/>
+            <a:r>
+              <a:rPr lang="en-US" altLang="ko-KR" sz="800" dirty="0">
                 <a:latin typeface="에스코어 드림 7 ExtraBold" panose="020B0803030302020204" pitchFamily="34" charset="-127"/>
                 <a:ea typeface="에스코어 드림 7 ExtraBold" panose="020B0803030302020204" pitchFamily="34" charset="-127"/>
-              </a:endParaRPr>
-            </a:p>
-          </p:txBody>
-        </p:sp>
-        <p:sp>
-          <p:nvSpPr>
-            <p:cNvPr id="42" name="사각형: 둥근 모서리 41">
-              <a:extLst>
-                <a:ext uri="{FF2B5EF4-FFF2-40B4-BE49-F238E27FC236}">
-                  <a16:creationId xmlns:a16="http://schemas.microsoft.com/office/drawing/2014/main" id="{5B7081AE-5189-4E94-8958-A41C7A321BB2}"/>
-                </a:ext>
-              </a:extLst>
-            </p:cNvPr>
-            <p:cNvSpPr/>
-            <p:nvPr/>
-          </p:nvSpPr>
-          <p:spPr>
-            <a:xfrm>
-              <a:off x="9849285" y="7779461"/>
-              <a:ext cx="793083" cy="391709"/>
-            </a:xfrm>
-            <a:prstGeom prst="roundRect">
-              <a:avLst/>
-            </a:prstGeom>
-            <a:solidFill>
-              <a:srgbClr val="B4C7E7"/>
-            </a:solidFill>
-            <a:ln>
-              <a:noFill/>
-            </a:ln>
-          </p:spPr>
-          <p:style>
-            <a:lnRef idx="2">
-              <a:schemeClr val="accent1">
-                <a:shade val="50000"/>
-              </a:schemeClr>
-            </a:lnRef>
-            <a:fillRef idx="1">
-              <a:schemeClr val="accent1"/>
-            </a:fillRef>
-            <a:effectRef idx="0">
-              <a:schemeClr val="accent1"/>
-            </a:effectRef>
-            <a:fontRef idx="minor">
-              <a:schemeClr val="lt1"/>
-            </a:fontRef>
-          </p:style>
-          <p:txBody>
-            <a:bodyPr rtlCol="0" anchor="ctr"/>
-            <a:lstStyle/>
-            <a:p>
-              <a:pPr algn="ctr"/>
-              <a:r>
-                <a:rPr lang="ko-KR" altLang="en-US" sz="800" dirty="0">
-                  <a:latin typeface="에스코어 드림 7 ExtraBold" panose="020B0803030302020204" pitchFamily="34" charset="-127"/>
-                  <a:ea typeface="에스코어 드림 7 ExtraBold" panose="020B0803030302020204" pitchFamily="34" charset="-127"/>
-                </a:rPr>
-                <a:t>모듈 통합</a:t>
-              </a:r>
-              <a:endParaRPr lang="en-US" altLang="ko-KR" sz="800" dirty="0">
+              </a:rPr>
+              <a:t>DB </a:t>
+            </a:r>
+            <a:r>
+              <a:rPr lang="ko-KR" altLang="en-US" sz="800" dirty="0">
                 <a:latin typeface="에스코어 드림 7 ExtraBold" panose="020B0803030302020204" pitchFamily="34" charset="-127"/>
                 <a:ea typeface="에스코어 드림 7 ExtraBold" panose="020B0803030302020204" pitchFamily="34" charset="-127"/>
-              </a:endParaRPr>
-            </a:p>
-          </p:txBody>
-        </p:sp>
-        <p:sp>
-          <p:nvSpPr>
-            <p:cNvPr id="49" name="사각형: 둥근 모서리 48">
-              <a:extLst>
-                <a:ext uri="{FF2B5EF4-FFF2-40B4-BE49-F238E27FC236}">
-                  <a16:creationId xmlns:a16="http://schemas.microsoft.com/office/drawing/2014/main" id="{07318628-1821-4872-93D8-852F3DADAF2B}"/>
-                </a:ext>
-              </a:extLst>
-            </p:cNvPr>
-            <p:cNvSpPr/>
-            <p:nvPr/>
-          </p:nvSpPr>
-          <p:spPr>
-            <a:xfrm>
-              <a:off x="8040430" y="6160584"/>
-              <a:ext cx="793083" cy="391709"/>
-            </a:xfrm>
-            <a:prstGeom prst="roundRect">
-              <a:avLst/>
-            </a:prstGeom>
-            <a:solidFill>
-              <a:srgbClr val="8FAADC"/>
-            </a:solidFill>
-            <a:ln>
-              <a:noFill/>
-            </a:ln>
-          </p:spPr>
-          <p:style>
-            <a:lnRef idx="2">
-              <a:schemeClr val="accent1">
-                <a:shade val="50000"/>
-              </a:schemeClr>
-            </a:lnRef>
-            <a:fillRef idx="1">
-              <a:schemeClr val="accent1"/>
-            </a:fillRef>
-            <a:effectRef idx="0">
-              <a:schemeClr val="accent1"/>
-            </a:effectRef>
-            <a:fontRef idx="minor">
-              <a:schemeClr val="lt1"/>
-            </a:fontRef>
-          </p:style>
-          <p:txBody>
-            <a:bodyPr rtlCol="0" anchor="ctr"/>
-            <a:lstStyle/>
-            <a:p>
-              <a:pPr algn="ctr"/>
-              <a:r>
-                <a:rPr lang="ko-KR" altLang="en-US" sz="800" dirty="0">
-                  <a:latin typeface="에스코어 드림 7 ExtraBold" panose="020B0803030302020204" pitchFamily="34" charset="-127"/>
-                  <a:ea typeface="에스코어 드림 7 ExtraBold" panose="020B0803030302020204" pitchFamily="34" charset="-127"/>
-                </a:rPr>
-                <a:t>설계</a:t>
-              </a:r>
-              <a:endParaRPr lang="en-US" altLang="ko-KR" sz="800" dirty="0">
+              </a:rPr>
+              <a:t>설계</a:t>
+            </a:r>
+            <a:endParaRPr lang="en-US" altLang="ko-KR" sz="800" dirty="0">
+              <a:latin typeface="에스코어 드림 7 ExtraBold" panose="020B0803030302020204" pitchFamily="34" charset="-127"/>
+              <a:ea typeface="에스코어 드림 7 ExtraBold" panose="020B0803030302020204" pitchFamily="34" charset="-127"/>
+            </a:endParaRPr>
+          </a:p>
+        </p:txBody>
+      </p:sp>
+      <p:sp>
+        <p:nvSpPr>
+          <p:cNvPr id="176" name="사각형: 둥근 모서리 175">
+            <a:extLst>
+              <a:ext uri="{FF2B5EF4-FFF2-40B4-BE49-F238E27FC236}">
+                <a16:creationId xmlns:a16="http://schemas.microsoft.com/office/drawing/2014/main" id="{7553F33C-8A25-4A9E-BFB8-0DDC76B4ED5A}"/>
+              </a:ext>
+            </a:extLst>
+          </p:cNvPr>
+          <p:cNvSpPr/>
+          <p:nvPr/>
+        </p:nvSpPr>
+        <p:spPr>
+          <a:xfrm>
+            <a:off x="7142872" y="2019702"/>
+            <a:ext cx="759384" cy="341182"/>
+          </a:xfrm>
+          <a:prstGeom prst="roundRect">
+            <a:avLst/>
+          </a:prstGeom>
+          <a:solidFill>
+            <a:srgbClr val="B4C7E7"/>
+          </a:solidFill>
+          <a:ln>
+            <a:noFill/>
+          </a:ln>
+        </p:spPr>
+        <p:style>
+          <a:lnRef idx="2">
+            <a:schemeClr val="accent1">
+              <a:shade val="50000"/>
+            </a:schemeClr>
+          </a:lnRef>
+          <a:fillRef idx="1">
+            <a:schemeClr val="accent1"/>
+          </a:fillRef>
+          <a:effectRef idx="0">
+            <a:schemeClr val="accent1"/>
+          </a:effectRef>
+          <a:fontRef idx="minor">
+            <a:schemeClr val="lt1"/>
+          </a:fontRef>
+        </p:style>
+        <p:txBody>
+          <a:bodyPr rtlCol="0" anchor="ctr"/>
+          <a:lstStyle/>
+          <a:p>
+            <a:pPr algn="ctr"/>
+            <a:r>
+              <a:rPr lang="en-US" altLang="ko-KR" sz="800" dirty="0">
                 <a:latin typeface="에스코어 드림 7 ExtraBold" panose="020B0803030302020204" pitchFamily="34" charset="-127"/>
                 <a:ea typeface="에스코어 드림 7 ExtraBold" panose="020B0803030302020204" pitchFamily="34" charset="-127"/>
-              </a:endParaRPr>
-            </a:p>
-          </p:txBody>
-        </p:sp>
-        <p:sp>
-          <p:nvSpPr>
-            <p:cNvPr id="50" name="사각형: 둥근 모서리 49">
-              <a:extLst>
-                <a:ext uri="{FF2B5EF4-FFF2-40B4-BE49-F238E27FC236}">
-                  <a16:creationId xmlns:a16="http://schemas.microsoft.com/office/drawing/2014/main" id="{576B4975-4E26-403D-BABD-EE5FE4ED7701}"/>
-                </a:ext>
-              </a:extLst>
-            </p:cNvPr>
-            <p:cNvSpPr/>
-            <p:nvPr/>
-          </p:nvSpPr>
-          <p:spPr>
-            <a:xfrm>
-              <a:off x="9849285" y="5709334"/>
-              <a:ext cx="793083" cy="391709"/>
-            </a:xfrm>
-            <a:prstGeom prst="roundRect">
-              <a:avLst/>
-            </a:prstGeom>
-            <a:solidFill>
-              <a:srgbClr val="B4C7E7"/>
-            </a:solidFill>
-            <a:ln>
-              <a:noFill/>
-            </a:ln>
-          </p:spPr>
-          <p:style>
-            <a:lnRef idx="2">
-              <a:schemeClr val="accent1">
-                <a:shade val="50000"/>
-              </a:schemeClr>
-            </a:lnRef>
-            <a:fillRef idx="1">
-              <a:schemeClr val="accent1"/>
-            </a:fillRef>
-            <a:effectRef idx="0">
-              <a:schemeClr val="accent1"/>
-            </a:effectRef>
-            <a:fontRef idx="minor">
-              <a:schemeClr val="lt1"/>
-            </a:fontRef>
-          </p:style>
-          <p:txBody>
-            <a:bodyPr rtlCol="0" anchor="ctr"/>
-            <a:lstStyle/>
-            <a:p>
-              <a:pPr algn="ctr"/>
-              <a:r>
-                <a:rPr lang="ko-KR" altLang="en-US" sz="800" dirty="0">
-                  <a:latin typeface="에스코어 드림 7 ExtraBold" panose="020B0803030302020204" pitchFamily="34" charset="-127"/>
-                  <a:ea typeface="에스코어 드림 7 ExtraBold" panose="020B0803030302020204" pitchFamily="34" charset="-127"/>
-                </a:rPr>
-                <a:t>서비스 설계</a:t>
-              </a:r>
-              <a:endParaRPr lang="en-US" altLang="ko-KR" sz="800" dirty="0">
+              </a:rPr>
+              <a:t>UI </a:t>
+            </a:r>
+            <a:r>
+              <a:rPr lang="ko-KR" altLang="en-US" sz="800" dirty="0">
                 <a:latin typeface="에스코어 드림 7 ExtraBold" panose="020B0803030302020204" pitchFamily="34" charset="-127"/>
                 <a:ea typeface="에스코어 드림 7 ExtraBold" panose="020B0803030302020204" pitchFamily="34" charset="-127"/>
-              </a:endParaRPr>
-            </a:p>
-          </p:txBody>
-        </p:sp>
-        <p:sp>
-          <p:nvSpPr>
-            <p:cNvPr id="51" name="사각형: 둥근 모서리 50">
-              <a:extLst>
-                <a:ext uri="{FF2B5EF4-FFF2-40B4-BE49-F238E27FC236}">
-                  <a16:creationId xmlns:a16="http://schemas.microsoft.com/office/drawing/2014/main" id="{E073AA56-CDBA-48F2-9FC0-9F55341BC20F}"/>
-                </a:ext>
-              </a:extLst>
-            </p:cNvPr>
-            <p:cNvSpPr/>
-            <p:nvPr/>
-          </p:nvSpPr>
-          <p:spPr>
-            <a:xfrm>
-              <a:off x="9849285" y="6156501"/>
-              <a:ext cx="793083" cy="391709"/>
-            </a:xfrm>
-            <a:prstGeom prst="roundRect">
-              <a:avLst/>
-            </a:prstGeom>
+              </a:rPr>
+              <a:t>설계</a:t>
+            </a:r>
+            <a:endParaRPr lang="en-US" altLang="ko-KR" sz="800" dirty="0">
+              <a:latin typeface="에스코어 드림 7 ExtraBold" panose="020B0803030302020204" pitchFamily="34" charset="-127"/>
+              <a:ea typeface="에스코어 드림 7 ExtraBold" panose="020B0803030302020204" pitchFamily="34" charset="-127"/>
+            </a:endParaRPr>
+          </a:p>
+        </p:txBody>
+      </p:sp>
+      <p:cxnSp>
+        <p:nvCxnSpPr>
+          <p:cNvPr id="177" name="연결선: 꺾임 176">
+            <a:extLst>
+              <a:ext uri="{FF2B5EF4-FFF2-40B4-BE49-F238E27FC236}">
+                <a16:creationId xmlns:a16="http://schemas.microsoft.com/office/drawing/2014/main" id="{2988459E-A35E-4DD8-A73E-9FC5044A3143}"/>
+              </a:ext>
+            </a:extLst>
+          </p:cNvPr>
+          <p:cNvCxnSpPr>
+            <a:cxnSpLocks/>
+            <a:stCxn id="172" idx="3"/>
+            <a:endCxn id="174" idx="1"/>
+          </p:cNvCxnSpPr>
+          <p:nvPr/>
+        </p:nvCxnSpPr>
+        <p:spPr>
+          <a:xfrm flipV="1">
+            <a:off x="4774699" y="1420365"/>
+            <a:ext cx="2368173" cy="537993"/>
+          </a:xfrm>
+          <a:prstGeom prst="bentConnector3">
+            <a:avLst/>
+          </a:prstGeom>
+          <a:ln w="28575">
             <a:solidFill>
-              <a:srgbClr val="B4C7E7"/>
+              <a:schemeClr val="accent1">
+                <a:lumMod val="40000"/>
+                <a:lumOff val="60000"/>
+              </a:schemeClr>
             </a:solidFill>
-            <a:ln>
-              <a:noFill/>
-            </a:ln>
-          </p:spPr>
-          <p:style>
-            <a:lnRef idx="2">
+          </a:ln>
+        </p:spPr>
+        <p:style>
+          <a:lnRef idx="1">
+            <a:schemeClr val="accent1"/>
+          </a:lnRef>
+          <a:fillRef idx="0">
+            <a:schemeClr val="accent1"/>
+          </a:fillRef>
+          <a:effectRef idx="0">
+            <a:schemeClr val="accent1"/>
+          </a:effectRef>
+          <a:fontRef idx="minor">
+            <a:schemeClr val="tx1"/>
+          </a:fontRef>
+        </p:style>
+      </p:cxnSp>
+      <p:cxnSp>
+        <p:nvCxnSpPr>
+          <p:cNvPr id="178" name="연결선: 꺾임 177">
+            <a:extLst>
+              <a:ext uri="{FF2B5EF4-FFF2-40B4-BE49-F238E27FC236}">
+                <a16:creationId xmlns:a16="http://schemas.microsoft.com/office/drawing/2014/main" id="{3F59E582-4A81-44BB-B891-3322C33CF928}"/>
+              </a:ext>
+            </a:extLst>
+          </p:cNvPr>
+          <p:cNvCxnSpPr>
+            <a:cxnSpLocks/>
+            <a:stCxn id="172" idx="3"/>
+            <a:endCxn id="176" idx="1"/>
+          </p:cNvCxnSpPr>
+          <p:nvPr/>
+        </p:nvCxnSpPr>
+        <p:spPr>
+          <a:xfrm>
+            <a:off x="4774699" y="1958358"/>
+            <a:ext cx="2368173" cy="231935"/>
+          </a:xfrm>
+          <a:prstGeom prst="bentConnector3">
+            <a:avLst/>
+          </a:prstGeom>
+          <a:ln w="28575">
+            <a:solidFill>
               <a:schemeClr val="accent1">
-                <a:shade val="50000"/>
+                <a:lumMod val="40000"/>
+                <a:lumOff val="60000"/>
               </a:schemeClr>
-            </a:lnRef>
-            <a:fillRef idx="1">
-              <a:schemeClr val="accent1"/>
-            </a:fillRef>
-            <a:effectRef idx="0">
-              <a:schemeClr val="accent1"/>
-            </a:effectRef>
-            <a:fontRef idx="minor">
-              <a:schemeClr val="lt1"/>
-            </a:fontRef>
-          </p:style>
-          <p:txBody>
-            <a:bodyPr rtlCol="0" anchor="ctr"/>
-            <a:lstStyle/>
-            <a:p>
-              <a:pPr algn="ctr"/>
-              <a:r>
-                <a:rPr lang="en-US" altLang="ko-KR" sz="800" dirty="0">
-                  <a:latin typeface="에스코어 드림 7 ExtraBold" panose="020B0803030302020204" pitchFamily="34" charset="-127"/>
-                  <a:ea typeface="에스코어 드림 7 ExtraBold" panose="020B0803030302020204" pitchFamily="34" charset="-127"/>
-                </a:rPr>
-                <a:t>DB </a:t>
-              </a:r>
-              <a:r>
-                <a:rPr lang="ko-KR" altLang="en-US" sz="800" dirty="0">
-                  <a:latin typeface="에스코어 드림 7 ExtraBold" panose="020B0803030302020204" pitchFamily="34" charset="-127"/>
-                  <a:ea typeface="에스코어 드림 7 ExtraBold" panose="020B0803030302020204" pitchFamily="34" charset="-127"/>
-                </a:rPr>
-                <a:t>설계</a:t>
-              </a:r>
-              <a:endParaRPr lang="en-US" altLang="ko-KR" sz="800" dirty="0">
+            </a:solidFill>
+          </a:ln>
+        </p:spPr>
+        <p:style>
+          <a:lnRef idx="1">
+            <a:schemeClr val="accent1"/>
+          </a:lnRef>
+          <a:fillRef idx="0">
+            <a:schemeClr val="accent1"/>
+          </a:fillRef>
+          <a:effectRef idx="0">
+            <a:schemeClr val="accent1"/>
+          </a:effectRef>
+          <a:fontRef idx="minor">
+            <a:schemeClr val="tx1"/>
+          </a:fontRef>
+        </p:style>
+      </p:cxnSp>
+      <p:cxnSp>
+        <p:nvCxnSpPr>
+          <p:cNvPr id="179" name="연결선: 꺾임 178">
+            <a:extLst>
+              <a:ext uri="{FF2B5EF4-FFF2-40B4-BE49-F238E27FC236}">
+                <a16:creationId xmlns:a16="http://schemas.microsoft.com/office/drawing/2014/main" id="{9737460A-7CAE-4834-87E4-59B01EDDEB76}"/>
+              </a:ext>
+            </a:extLst>
+          </p:cNvPr>
+          <p:cNvCxnSpPr>
+            <a:cxnSpLocks/>
+            <a:stCxn id="172" idx="3"/>
+            <a:endCxn id="175" idx="1"/>
+          </p:cNvCxnSpPr>
+          <p:nvPr/>
+        </p:nvCxnSpPr>
+        <p:spPr>
+          <a:xfrm flipV="1">
+            <a:off x="4774699" y="1804453"/>
+            <a:ext cx="2368173" cy="153905"/>
+          </a:xfrm>
+          <a:prstGeom prst="bentConnector3">
+            <a:avLst/>
+          </a:prstGeom>
+          <a:ln w="28575">
+            <a:solidFill>
+              <a:schemeClr val="accent1">
+                <a:lumMod val="40000"/>
+                <a:lumOff val="60000"/>
+              </a:schemeClr>
+            </a:solidFill>
+          </a:ln>
+        </p:spPr>
+        <p:style>
+          <a:lnRef idx="1">
+            <a:schemeClr val="accent1"/>
+          </a:lnRef>
+          <a:fillRef idx="0">
+            <a:schemeClr val="accent1"/>
+          </a:fillRef>
+          <a:effectRef idx="0">
+            <a:schemeClr val="accent1"/>
+          </a:effectRef>
+          <a:fontRef idx="minor">
+            <a:schemeClr val="tx1"/>
+          </a:fontRef>
+        </p:style>
+      </p:cxnSp>
+      <p:cxnSp>
+        <p:nvCxnSpPr>
+          <p:cNvPr id="193" name="연결선: 꺾임 192">
+            <a:extLst>
+              <a:ext uri="{FF2B5EF4-FFF2-40B4-BE49-F238E27FC236}">
+                <a16:creationId xmlns:a16="http://schemas.microsoft.com/office/drawing/2014/main" id="{4AB53173-ED17-41BA-BC6E-95E439BB5158}"/>
+              </a:ext>
+            </a:extLst>
+          </p:cNvPr>
+          <p:cNvCxnSpPr>
+            <a:cxnSpLocks/>
+            <a:stCxn id="172" idx="3"/>
+            <a:endCxn id="197" idx="1"/>
+          </p:cNvCxnSpPr>
+          <p:nvPr/>
+        </p:nvCxnSpPr>
+        <p:spPr>
+          <a:xfrm>
+            <a:off x="4774699" y="1958358"/>
+            <a:ext cx="2368173" cy="617775"/>
+          </a:xfrm>
+          <a:prstGeom prst="bentConnector3">
+            <a:avLst/>
+          </a:prstGeom>
+          <a:ln w="28575">
+            <a:solidFill>
+              <a:schemeClr val="accent1">
+                <a:lumMod val="40000"/>
+                <a:lumOff val="60000"/>
+              </a:schemeClr>
+            </a:solidFill>
+          </a:ln>
+        </p:spPr>
+        <p:style>
+          <a:lnRef idx="1">
+            <a:schemeClr val="accent1"/>
+          </a:lnRef>
+          <a:fillRef idx="0">
+            <a:schemeClr val="accent1"/>
+          </a:fillRef>
+          <a:effectRef idx="0">
+            <a:schemeClr val="accent1"/>
+          </a:effectRef>
+          <a:fontRef idx="minor">
+            <a:schemeClr val="tx1"/>
+          </a:fontRef>
+        </p:style>
+      </p:cxnSp>
+      <p:sp>
+        <p:nvSpPr>
+          <p:cNvPr id="197" name="사각형: 둥근 모서리 196">
+            <a:extLst>
+              <a:ext uri="{FF2B5EF4-FFF2-40B4-BE49-F238E27FC236}">
+                <a16:creationId xmlns:a16="http://schemas.microsoft.com/office/drawing/2014/main" id="{5DD54659-DB64-44AA-9DE5-BA21F146CDC0}"/>
+              </a:ext>
+            </a:extLst>
+          </p:cNvPr>
+          <p:cNvSpPr/>
+          <p:nvPr/>
+        </p:nvSpPr>
+        <p:spPr>
+          <a:xfrm>
+            <a:off x="7142872" y="2405542"/>
+            <a:ext cx="759384" cy="341182"/>
+          </a:xfrm>
+          <a:prstGeom prst="roundRect">
+            <a:avLst/>
+          </a:prstGeom>
+          <a:solidFill>
+            <a:srgbClr val="B4C7E7"/>
+          </a:solidFill>
+          <a:ln>
+            <a:noFill/>
+          </a:ln>
+        </p:spPr>
+        <p:style>
+          <a:lnRef idx="2">
+            <a:schemeClr val="accent1">
+              <a:shade val="50000"/>
+            </a:schemeClr>
+          </a:lnRef>
+          <a:fillRef idx="1">
+            <a:schemeClr val="accent1"/>
+          </a:fillRef>
+          <a:effectRef idx="0">
+            <a:schemeClr val="accent1"/>
+          </a:effectRef>
+          <a:fontRef idx="minor">
+            <a:schemeClr val="lt1"/>
+          </a:fontRef>
+        </p:style>
+        <p:txBody>
+          <a:bodyPr rtlCol="0" anchor="ctr"/>
+          <a:lstStyle/>
+          <a:p>
+            <a:pPr algn="ctr"/>
+            <a:r>
+              <a:rPr lang="ko-KR" altLang="en-US" sz="800" dirty="0">
                 <a:latin typeface="에스코어 드림 7 ExtraBold" panose="020B0803030302020204" pitchFamily="34" charset="-127"/>
                 <a:ea typeface="에스코어 드림 7 ExtraBold" panose="020B0803030302020204" pitchFamily="34" charset="-127"/>
-              </a:endParaRPr>
-            </a:p>
-          </p:txBody>
-        </p:sp>
-        <p:sp>
-          <p:nvSpPr>
-            <p:cNvPr id="52" name="사각형: 둥근 모서리 51">
-              <a:extLst>
-                <a:ext uri="{FF2B5EF4-FFF2-40B4-BE49-F238E27FC236}">
-                  <a16:creationId xmlns:a16="http://schemas.microsoft.com/office/drawing/2014/main" id="{283C4E91-5807-44CD-93AD-447A810454A4}"/>
-                </a:ext>
-              </a:extLst>
-            </p:cNvPr>
-            <p:cNvSpPr/>
-            <p:nvPr/>
-          </p:nvSpPr>
-          <p:spPr>
-            <a:xfrm>
-              <a:off x="9849285" y="6626112"/>
-              <a:ext cx="793083" cy="391709"/>
-            </a:xfrm>
-            <a:prstGeom prst="roundRect">
-              <a:avLst/>
-            </a:prstGeom>
-            <a:solidFill>
-              <a:srgbClr val="B4C7E7"/>
-            </a:solidFill>
-            <a:ln>
-              <a:noFill/>
-            </a:ln>
-          </p:spPr>
-          <p:style>
-            <a:lnRef idx="2">
-              <a:schemeClr val="accent1">
-                <a:shade val="50000"/>
-              </a:schemeClr>
-            </a:lnRef>
-            <a:fillRef idx="1">
-              <a:schemeClr val="accent1"/>
-            </a:fillRef>
-            <a:effectRef idx="0">
-              <a:schemeClr val="accent1"/>
-            </a:effectRef>
-            <a:fontRef idx="minor">
-              <a:schemeClr val="lt1"/>
-            </a:fontRef>
-          </p:style>
-          <p:txBody>
-            <a:bodyPr rtlCol="0" anchor="ctr"/>
-            <a:lstStyle/>
-            <a:p>
-              <a:pPr algn="ctr"/>
-              <a:r>
-                <a:rPr lang="en-US" altLang="ko-KR" sz="800" dirty="0">
-                  <a:latin typeface="에스코어 드림 7 ExtraBold" panose="020B0803030302020204" pitchFamily="34" charset="-127"/>
-                  <a:ea typeface="에스코어 드림 7 ExtraBold" panose="020B0803030302020204" pitchFamily="34" charset="-127"/>
-                </a:rPr>
-                <a:t>UI </a:t>
-              </a:r>
-              <a:r>
-                <a:rPr lang="ko-KR" altLang="en-US" sz="800" dirty="0">
-                  <a:latin typeface="에스코어 드림 7 ExtraBold" panose="020B0803030302020204" pitchFamily="34" charset="-127"/>
-                  <a:ea typeface="에스코어 드림 7 ExtraBold" panose="020B0803030302020204" pitchFamily="34" charset="-127"/>
-                </a:rPr>
-                <a:t>설계</a:t>
-              </a:r>
-              <a:endParaRPr lang="en-US" altLang="ko-KR" sz="800" dirty="0">
+              </a:rPr>
+              <a:t>설계 통합</a:t>
+            </a:r>
+            <a:endParaRPr lang="en-US" altLang="ko-KR" sz="800" dirty="0">
+              <a:latin typeface="에스코어 드림 7 ExtraBold" panose="020B0803030302020204" pitchFamily="34" charset="-127"/>
+              <a:ea typeface="에스코어 드림 7 ExtraBold" panose="020B0803030302020204" pitchFamily="34" charset="-127"/>
+            </a:endParaRPr>
+          </a:p>
+        </p:txBody>
+      </p:sp>
+      <p:sp>
+        <p:nvSpPr>
+          <p:cNvPr id="233" name="사각형: 둥근 모서리 232">
+            <a:extLst>
+              <a:ext uri="{FF2B5EF4-FFF2-40B4-BE49-F238E27FC236}">
+                <a16:creationId xmlns:a16="http://schemas.microsoft.com/office/drawing/2014/main" id="{9382D025-1258-4D6B-8A7C-FE01A8F7B12F}"/>
+              </a:ext>
+            </a:extLst>
+          </p:cNvPr>
+          <p:cNvSpPr/>
+          <p:nvPr/>
+        </p:nvSpPr>
+        <p:spPr>
+          <a:xfrm>
+            <a:off x="5747308" y="3892997"/>
+            <a:ext cx="759384" cy="341182"/>
+          </a:xfrm>
+          <a:prstGeom prst="roundRect">
+            <a:avLst/>
+          </a:prstGeom>
+          <a:solidFill>
+            <a:srgbClr val="B4C7E7"/>
+          </a:solidFill>
+          <a:ln>
+            <a:noFill/>
+          </a:ln>
+        </p:spPr>
+        <p:style>
+          <a:lnRef idx="2">
+            <a:schemeClr val="accent1">
+              <a:shade val="50000"/>
+            </a:schemeClr>
+          </a:lnRef>
+          <a:fillRef idx="1">
+            <a:schemeClr val="accent1"/>
+          </a:fillRef>
+          <a:effectRef idx="0">
+            <a:schemeClr val="accent1"/>
+          </a:effectRef>
+          <a:fontRef idx="minor">
+            <a:schemeClr val="lt1"/>
+          </a:fontRef>
+        </p:style>
+        <p:txBody>
+          <a:bodyPr rtlCol="0" anchor="ctr"/>
+          <a:lstStyle/>
+          <a:p>
+            <a:pPr algn="ctr"/>
+            <a:r>
+              <a:rPr lang="ko-KR" altLang="en-US" sz="800" dirty="0">
                 <a:latin typeface="에스코어 드림 7 ExtraBold" panose="020B0803030302020204" pitchFamily="34" charset="-127"/>
                 <a:ea typeface="에스코어 드림 7 ExtraBold" panose="020B0803030302020204" pitchFamily="34" charset="-127"/>
-              </a:endParaRPr>
-            </a:p>
-          </p:txBody>
-        </p:sp>
-        <p:sp>
-          <p:nvSpPr>
-            <p:cNvPr id="55" name="사각형: 둥근 모서리 54">
-              <a:extLst>
-                <a:ext uri="{FF2B5EF4-FFF2-40B4-BE49-F238E27FC236}">
-                  <a16:creationId xmlns:a16="http://schemas.microsoft.com/office/drawing/2014/main" id="{6CCBA695-02E2-4170-B8F7-77BA361218DE}"/>
-                </a:ext>
-              </a:extLst>
-            </p:cNvPr>
-            <p:cNvSpPr/>
-            <p:nvPr/>
-          </p:nvSpPr>
-          <p:spPr>
-            <a:xfrm>
-              <a:off x="8040430" y="8673566"/>
-              <a:ext cx="793083" cy="391709"/>
-            </a:xfrm>
-            <a:prstGeom prst="roundRect">
-              <a:avLst/>
-            </a:prstGeom>
+              </a:rPr>
+              <a:t>구현 통합</a:t>
+            </a:r>
+            <a:endParaRPr lang="en-US" altLang="ko-KR" sz="800" dirty="0">
+              <a:latin typeface="에스코어 드림 7 ExtraBold" panose="020B0803030302020204" pitchFamily="34" charset="-127"/>
+              <a:ea typeface="에스코어 드림 7 ExtraBold" panose="020B0803030302020204" pitchFamily="34" charset="-127"/>
+            </a:endParaRPr>
+          </a:p>
+        </p:txBody>
+      </p:sp>
+      <p:cxnSp>
+        <p:nvCxnSpPr>
+          <p:cNvPr id="234" name="연결선: 꺾임 233">
+            <a:extLst>
+              <a:ext uri="{FF2B5EF4-FFF2-40B4-BE49-F238E27FC236}">
+                <a16:creationId xmlns:a16="http://schemas.microsoft.com/office/drawing/2014/main" id="{C06E90C3-3B10-4820-83E1-5C755879F9A5}"/>
+              </a:ext>
+            </a:extLst>
+          </p:cNvPr>
+          <p:cNvCxnSpPr>
+            <a:cxnSpLocks/>
+            <a:stCxn id="24" idx="3"/>
+            <a:endCxn id="233" idx="1"/>
+          </p:cNvCxnSpPr>
+          <p:nvPr/>
+        </p:nvCxnSpPr>
+        <p:spPr>
+          <a:xfrm>
+            <a:off x="4774699" y="3365675"/>
+            <a:ext cx="972609" cy="697913"/>
+          </a:xfrm>
+          <a:prstGeom prst="bentConnector3">
+            <a:avLst/>
+          </a:prstGeom>
+          <a:ln w="28575">
             <a:solidFill>
-              <a:srgbClr val="8FAADC"/>
+              <a:schemeClr val="accent1">
+                <a:lumMod val="40000"/>
+                <a:lumOff val="60000"/>
+              </a:schemeClr>
             </a:solidFill>
-            <a:ln>
-              <a:noFill/>
-            </a:ln>
-          </p:spPr>
-          <p:style>
-            <a:lnRef idx="2">
-              <a:schemeClr val="accent1">
-                <a:shade val="50000"/>
-              </a:schemeClr>
-            </a:lnRef>
-            <a:fillRef idx="1">
-              <a:schemeClr val="accent1"/>
-            </a:fillRef>
-            <a:effectRef idx="0">
-              <a:schemeClr val="accent1"/>
-            </a:effectRef>
-            <a:fontRef idx="minor">
-              <a:schemeClr val="lt1"/>
-            </a:fontRef>
-          </p:style>
-          <p:txBody>
-            <a:bodyPr rtlCol="0" anchor="ctr"/>
-            <a:lstStyle/>
-            <a:p>
-              <a:pPr algn="ctr"/>
-              <a:r>
-                <a:rPr lang="ko-KR" altLang="en-US" sz="800" dirty="0">
-                  <a:latin typeface="에스코어 드림 7 ExtraBold" panose="020B0803030302020204" pitchFamily="34" charset="-127"/>
-                  <a:ea typeface="에스코어 드림 7 ExtraBold" panose="020B0803030302020204" pitchFamily="34" charset="-127"/>
-                </a:rPr>
-                <a:t>테스트</a:t>
-              </a:r>
-              <a:endParaRPr lang="en-US" altLang="ko-KR" sz="800" dirty="0">
+          </a:ln>
+        </p:spPr>
+        <p:style>
+          <a:lnRef idx="1">
+            <a:schemeClr val="accent1"/>
+          </a:lnRef>
+          <a:fillRef idx="0">
+            <a:schemeClr val="accent1"/>
+          </a:fillRef>
+          <a:effectRef idx="0">
+            <a:schemeClr val="accent1"/>
+          </a:effectRef>
+          <a:fontRef idx="minor">
+            <a:schemeClr val="tx1"/>
+          </a:fontRef>
+        </p:style>
+      </p:cxnSp>
+      <p:sp>
+        <p:nvSpPr>
+          <p:cNvPr id="245" name="사각형: 둥근 모서리 244">
+            <a:extLst>
+              <a:ext uri="{FF2B5EF4-FFF2-40B4-BE49-F238E27FC236}">
+                <a16:creationId xmlns:a16="http://schemas.microsoft.com/office/drawing/2014/main" id="{B0EA8B94-C67E-4404-ADBE-BE4E32C6874D}"/>
+              </a:ext>
+            </a:extLst>
+          </p:cNvPr>
+          <p:cNvSpPr/>
+          <p:nvPr/>
+        </p:nvSpPr>
+        <p:spPr>
+          <a:xfrm>
+            <a:off x="7142872" y="3892997"/>
+            <a:ext cx="759384" cy="341182"/>
+          </a:xfrm>
+          <a:prstGeom prst="roundRect">
+            <a:avLst/>
+          </a:prstGeom>
+          <a:solidFill>
+            <a:srgbClr val="B4C7E7"/>
+          </a:solidFill>
+          <a:ln>
+            <a:noFill/>
+          </a:ln>
+        </p:spPr>
+        <p:style>
+          <a:lnRef idx="2">
+            <a:schemeClr val="accent1">
+              <a:shade val="50000"/>
+            </a:schemeClr>
+          </a:lnRef>
+          <a:fillRef idx="1">
+            <a:schemeClr val="accent1"/>
+          </a:fillRef>
+          <a:effectRef idx="0">
+            <a:schemeClr val="accent1"/>
+          </a:effectRef>
+          <a:fontRef idx="minor">
+            <a:schemeClr val="lt1"/>
+          </a:fontRef>
+        </p:style>
+        <p:txBody>
+          <a:bodyPr rtlCol="0" anchor="ctr"/>
+          <a:lstStyle/>
+          <a:p>
+            <a:pPr algn="ctr"/>
+            <a:r>
+              <a:rPr lang="en-US" altLang="ko-KR" sz="800" dirty="0">
                 <a:latin typeface="에스코어 드림 7 ExtraBold" panose="020B0803030302020204" pitchFamily="34" charset="-127"/>
                 <a:ea typeface="에스코어 드림 7 ExtraBold" panose="020B0803030302020204" pitchFamily="34" charset="-127"/>
-              </a:endParaRPr>
-            </a:p>
-          </p:txBody>
-        </p:sp>
-        <p:sp>
-          <p:nvSpPr>
-            <p:cNvPr id="56" name="사각형: 둥근 모서리 55">
-              <a:extLst>
-                <a:ext uri="{FF2B5EF4-FFF2-40B4-BE49-F238E27FC236}">
-                  <a16:creationId xmlns:a16="http://schemas.microsoft.com/office/drawing/2014/main" id="{56DBFAAD-36C6-40E1-AF7A-C5165914B8CF}"/>
-                </a:ext>
-              </a:extLst>
-            </p:cNvPr>
-            <p:cNvSpPr/>
-            <p:nvPr/>
-          </p:nvSpPr>
-          <p:spPr>
-            <a:xfrm>
-              <a:off x="9849285" y="8485643"/>
-              <a:ext cx="793083" cy="391709"/>
-            </a:xfrm>
-            <a:prstGeom prst="roundRect">
-              <a:avLst/>
-            </a:prstGeom>
-            <a:solidFill>
-              <a:srgbClr val="B4C7E7"/>
-            </a:solidFill>
-            <a:ln>
-              <a:noFill/>
-            </a:ln>
-          </p:spPr>
-          <p:style>
-            <a:lnRef idx="2">
-              <a:schemeClr val="accent1">
-                <a:shade val="50000"/>
-              </a:schemeClr>
-            </a:lnRef>
-            <a:fillRef idx="1">
-              <a:schemeClr val="accent1"/>
-            </a:fillRef>
-            <a:effectRef idx="0">
-              <a:schemeClr val="accent1"/>
-            </a:effectRef>
-            <a:fontRef idx="minor">
-              <a:schemeClr val="lt1"/>
-            </a:fontRef>
-          </p:style>
-          <p:txBody>
-            <a:bodyPr rtlCol="0" anchor="ctr"/>
-            <a:lstStyle/>
-            <a:p>
-              <a:pPr algn="ctr"/>
-              <a:r>
-                <a:rPr lang="ko-KR" altLang="en-US" sz="800" dirty="0">
-                  <a:latin typeface="에스코어 드림 7 ExtraBold" panose="020B0803030302020204" pitchFamily="34" charset="-127"/>
-                  <a:ea typeface="에스코어 드림 7 ExtraBold" panose="020B0803030302020204" pitchFamily="34" charset="-127"/>
-                </a:rPr>
-                <a:t>시스템 테스트</a:t>
-              </a:r>
-              <a:endParaRPr lang="en-US" altLang="ko-KR" sz="800" dirty="0">
+              </a:rPr>
+              <a:t>UI </a:t>
+            </a:r>
+            <a:r>
+              <a:rPr lang="ko-KR" altLang="en-US" sz="800" dirty="0">
                 <a:latin typeface="에스코어 드림 7 ExtraBold" panose="020B0803030302020204" pitchFamily="34" charset="-127"/>
                 <a:ea typeface="에스코어 드림 7 ExtraBold" panose="020B0803030302020204" pitchFamily="34" charset="-127"/>
-              </a:endParaRPr>
-            </a:p>
-          </p:txBody>
-        </p:sp>
-        <p:sp>
-          <p:nvSpPr>
-            <p:cNvPr id="57" name="사각형: 둥근 모서리 56">
-              <a:extLst>
-                <a:ext uri="{FF2B5EF4-FFF2-40B4-BE49-F238E27FC236}">
-                  <a16:creationId xmlns:a16="http://schemas.microsoft.com/office/drawing/2014/main" id="{DCC9F8C1-A58F-43BA-ACE9-867DA68085A9}"/>
-                </a:ext>
-              </a:extLst>
-            </p:cNvPr>
-            <p:cNvSpPr/>
-            <p:nvPr/>
-          </p:nvSpPr>
-          <p:spPr>
-            <a:xfrm>
-              <a:off x="9849285" y="8932810"/>
-              <a:ext cx="793083" cy="391709"/>
-            </a:xfrm>
-            <a:prstGeom prst="roundRect">
-              <a:avLst/>
-            </a:prstGeom>
+              </a:rPr>
+              <a:t>테스트</a:t>
+            </a:r>
+            <a:endParaRPr lang="en-US" altLang="ko-KR" sz="800" dirty="0">
+              <a:latin typeface="에스코어 드림 7 ExtraBold" panose="020B0803030302020204" pitchFamily="34" charset="-127"/>
+              <a:ea typeface="에스코어 드림 7 ExtraBold" panose="020B0803030302020204" pitchFamily="34" charset="-127"/>
+            </a:endParaRPr>
+          </a:p>
+        </p:txBody>
+      </p:sp>
+      <p:cxnSp>
+        <p:nvCxnSpPr>
+          <p:cNvPr id="247" name="연결선: 꺾임 246">
+            <a:extLst>
+              <a:ext uri="{FF2B5EF4-FFF2-40B4-BE49-F238E27FC236}">
+                <a16:creationId xmlns:a16="http://schemas.microsoft.com/office/drawing/2014/main" id="{BFEAC2AB-863A-40D4-9757-DFCEDEE0D43A}"/>
+              </a:ext>
+            </a:extLst>
+          </p:cNvPr>
+          <p:cNvCxnSpPr>
+            <a:cxnSpLocks/>
+            <a:stCxn id="55" idx="3"/>
+            <a:endCxn id="56" idx="1"/>
+          </p:cNvCxnSpPr>
+          <p:nvPr/>
+        </p:nvCxnSpPr>
+        <p:spPr>
+          <a:xfrm>
+            <a:off x="4825499" y="4467770"/>
+            <a:ext cx="2317373" cy="12700"/>
+          </a:xfrm>
+          <a:prstGeom prst="bentConnector3">
+            <a:avLst>
+              <a:gd name="adj1" fmla="val 87266"/>
+            </a:avLst>
+          </a:prstGeom>
+          <a:ln w="28575">
             <a:solidFill>
-              <a:srgbClr val="B4C7E7"/>
+              <a:schemeClr val="accent1">
+                <a:lumMod val="40000"/>
+                <a:lumOff val="60000"/>
+              </a:schemeClr>
             </a:solidFill>
-            <a:ln>
-              <a:noFill/>
-            </a:ln>
-          </p:spPr>
-          <p:style>
-            <a:lnRef idx="2">
+          </a:ln>
+        </p:spPr>
+        <p:style>
+          <a:lnRef idx="1">
+            <a:schemeClr val="accent1"/>
+          </a:lnRef>
+          <a:fillRef idx="0">
+            <a:schemeClr val="accent1"/>
+          </a:fillRef>
+          <a:effectRef idx="0">
+            <a:schemeClr val="accent1"/>
+          </a:effectRef>
+          <a:fontRef idx="minor">
+            <a:schemeClr val="tx1"/>
+          </a:fontRef>
+        </p:style>
+      </p:cxnSp>
+      <p:cxnSp>
+        <p:nvCxnSpPr>
+          <p:cNvPr id="271" name="연결선: 꺾임 270">
+            <a:extLst>
+              <a:ext uri="{FF2B5EF4-FFF2-40B4-BE49-F238E27FC236}">
+                <a16:creationId xmlns:a16="http://schemas.microsoft.com/office/drawing/2014/main" id="{EDB31E5A-BB34-4C26-96B2-6FC02903C809}"/>
+              </a:ext>
+            </a:extLst>
+          </p:cNvPr>
+          <p:cNvCxnSpPr>
+            <a:cxnSpLocks/>
+            <a:stCxn id="24" idx="1"/>
+            <a:endCxn id="11" idx="3"/>
+          </p:cNvCxnSpPr>
+          <p:nvPr/>
+        </p:nvCxnSpPr>
+        <p:spPr>
+          <a:xfrm rot="10800000">
+            <a:off x="3016809" y="2613855"/>
+            <a:ext cx="998506" cy="751821"/>
+          </a:xfrm>
+          <a:prstGeom prst="bentConnector3">
+            <a:avLst>
+              <a:gd name="adj1" fmla="val 50000"/>
+            </a:avLst>
+          </a:prstGeom>
+          <a:ln w="28575">
+            <a:solidFill>
               <a:schemeClr val="accent1">
-                <a:shade val="50000"/>
+                <a:lumMod val="40000"/>
+                <a:lumOff val="60000"/>
               </a:schemeClr>
-            </a:lnRef>
-            <a:fillRef idx="1">
-              <a:schemeClr val="accent1"/>
-            </a:fillRef>
-            <a:effectRef idx="0">
-              <a:schemeClr val="accent1"/>
-            </a:effectRef>
-            <a:fontRef idx="minor">
-              <a:schemeClr val="lt1"/>
-            </a:fontRef>
-          </p:style>
-          <p:txBody>
-            <a:bodyPr rtlCol="0" anchor="ctr"/>
-            <a:lstStyle/>
-            <a:p>
-              <a:pPr algn="ctr"/>
-              <a:r>
-                <a:rPr lang="ko-KR" altLang="en-US" sz="800" dirty="0">
-                  <a:latin typeface="에스코어 드림 7 ExtraBold" panose="020B0803030302020204" pitchFamily="34" charset="-127"/>
-                  <a:ea typeface="에스코어 드림 7 ExtraBold" panose="020B0803030302020204" pitchFamily="34" charset="-127"/>
-                </a:rPr>
-                <a:t>인수 테스트</a:t>
-              </a:r>
-              <a:endParaRPr lang="en-US" altLang="ko-KR" sz="800" dirty="0">
-                <a:latin typeface="에스코어 드림 7 ExtraBold" panose="020B0803030302020204" pitchFamily="34" charset="-127"/>
-                <a:ea typeface="에스코어 드림 7 ExtraBold" panose="020B0803030302020204" pitchFamily="34" charset="-127"/>
-              </a:endParaRPr>
-            </a:p>
-          </p:txBody>
-        </p:sp>
-        <p:cxnSp>
-          <p:nvCxnSpPr>
-            <p:cNvPr id="64" name="연결선: 꺾임 63">
-              <a:extLst>
-                <a:ext uri="{FF2B5EF4-FFF2-40B4-BE49-F238E27FC236}">
-                  <a16:creationId xmlns:a16="http://schemas.microsoft.com/office/drawing/2014/main" id="{093CB8E0-0E1E-4BBD-997C-406F189B5692}"/>
-                </a:ext>
-              </a:extLst>
-            </p:cNvPr>
-            <p:cNvCxnSpPr>
-              <a:cxnSpLocks/>
-              <a:stCxn id="16" idx="3"/>
-              <a:endCxn id="28" idx="1"/>
-            </p:cNvCxnSpPr>
-            <p:nvPr/>
-          </p:nvCxnSpPr>
-          <p:spPr>
-            <a:xfrm flipV="1">
-              <a:off x="8833514" y="4282229"/>
-              <a:ext cx="1015772" cy="451249"/>
-            </a:xfrm>
-            <a:prstGeom prst="bentConnector3">
-              <a:avLst/>
-            </a:prstGeom>
-            <a:ln w="28575">
-              <a:solidFill>
-                <a:schemeClr val="accent1">
-                  <a:lumMod val="40000"/>
-                  <a:lumOff val="60000"/>
-                </a:schemeClr>
-              </a:solidFill>
-            </a:ln>
-          </p:spPr>
-          <p:style>
-            <a:lnRef idx="1">
-              <a:schemeClr val="accent1"/>
-            </a:lnRef>
-            <a:fillRef idx="0">
-              <a:schemeClr val="accent1"/>
-            </a:fillRef>
-            <a:effectRef idx="0">
-              <a:schemeClr val="accent1"/>
-            </a:effectRef>
-            <a:fontRef idx="minor">
-              <a:schemeClr val="tx1"/>
-            </a:fontRef>
-          </p:style>
-        </p:cxnSp>
-        <p:cxnSp>
-          <p:nvCxnSpPr>
-            <p:cNvPr id="66" name="연결선: 꺾임 65">
-              <a:extLst>
-                <a:ext uri="{FF2B5EF4-FFF2-40B4-BE49-F238E27FC236}">
-                  <a16:creationId xmlns:a16="http://schemas.microsoft.com/office/drawing/2014/main" id="{C2754FC4-BDE4-4F10-8A75-E1945F818849}"/>
-                </a:ext>
-              </a:extLst>
-            </p:cNvPr>
-            <p:cNvCxnSpPr>
-              <a:cxnSpLocks/>
-              <a:stCxn id="16" idx="3"/>
-              <a:endCxn id="32" idx="1"/>
-            </p:cNvCxnSpPr>
-            <p:nvPr/>
-          </p:nvCxnSpPr>
-          <p:spPr>
-            <a:xfrm>
-              <a:off x="8833514" y="4733479"/>
-              <a:ext cx="1015772" cy="465528"/>
-            </a:xfrm>
-            <a:prstGeom prst="bentConnector3">
-              <a:avLst/>
-            </a:prstGeom>
-            <a:ln w="28575">
-              <a:solidFill>
-                <a:schemeClr val="accent1">
-                  <a:lumMod val="40000"/>
-                  <a:lumOff val="60000"/>
-                </a:schemeClr>
-              </a:solidFill>
-            </a:ln>
-          </p:spPr>
-          <p:style>
-            <a:lnRef idx="1">
-              <a:schemeClr val="accent1"/>
-            </a:lnRef>
-            <a:fillRef idx="0">
-              <a:schemeClr val="accent1"/>
-            </a:fillRef>
-            <a:effectRef idx="0">
-              <a:schemeClr val="accent1"/>
-            </a:effectRef>
-            <a:fontRef idx="minor">
-              <a:schemeClr val="tx1"/>
-            </a:fontRef>
-          </p:style>
-        </p:cxnSp>
-        <p:cxnSp>
-          <p:nvCxnSpPr>
-            <p:cNvPr id="69" name="연결선: 꺾임 68">
-              <a:extLst>
-                <a:ext uri="{FF2B5EF4-FFF2-40B4-BE49-F238E27FC236}">
-                  <a16:creationId xmlns:a16="http://schemas.microsoft.com/office/drawing/2014/main" id="{5D2EB456-79F7-4442-A112-CEECBECC90C2}"/>
-                </a:ext>
-              </a:extLst>
-            </p:cNvPr>
-            <p:cNvCxnSpPr>
-              <a:cxnSpLocks/>
-              <a:stCxn id="16" idx="3"/>
-              <a:endCxn id="30" idx="1"/>
-            </p:cNvCxnSpPr>
-            <p:nvPr/>
-          </p:nvCxnSpPr>
-          <p:spPr>
-            <a:xfrm flipV="1">
-              <a:off x="8833514" y="4729396"/>
-              <a:ext cx="1015772" cy="4082"/>
-            </a:xfrm>
-            <a:prstGeom prst="bentConnector3">
-              <a:avLst/>
-            </a:prstGeom>
-            <a:ln w="28575">
-              <a:solidFill>
-                <a:schemeClr val="accent1">
-                  <a:lumMod val="40000"/>
-                  <a:lumOff val="60000"/>
-                </a:schemeClr>
-              </a:solidFill>
-            </a:ln>
-          </p:spPr>
-          <p:style>
-            <a:lnRef idx="1">
-              <a:schemeClr val="accent1"/>
-            </a:lnRef>
-            <a:fillRef idx="0">
-              <a:schemeClr val="accent1"/>
-            </a:fillRef>
-            <a:effectRef idx="0">
-              <a:schemeClr val="accent1"/>
-            </a:effectRef>
-            <a:fontRef idx="minor">
-              <a:schemeClr val="tx1"/>
-            </a:fontRef>
-          </p:style>
-        </p:cxnSp>
-        <p:cxnSp>
-          <p:nvCxnSpPr>
-            <p:cNvPr id="72" name="연결선: 꺾임 71">
-              <a:extLst>
-                <a:ext uri="{FF2B5EF4-FFF2-40B4-BE49-F238E27FC236}">
-                  <a16:creationId xmlns:a16="http://schemas.microsoft.com/office/drawing/2014/main" id="{E9783447-F300-4F62-AD2F-74402C0D78AC}"/>
-                </a:ext>
-              </a:extLst>
-            </p:cNvPr>
-            <p:cNvCxnSpPr>
-              <a:cxnSpLocks/>
-              <a:stCxn id="49" idx="3"/>
-              <a:endCxn id="50" idx="1"/>
-            </p:cNvCxnSpPr>
-            <p:nvPr/>
-          </p:nvCxnSpPr>
-          <p:spPr>
-            <a:xfrm flipV="1">
-              <a:off x="8833514" y="5905189"/>
-              <a:ext cx="1015772" cy="451249"/>
-            </a:xfrm>
-            <a:prstGeom prst="bentConnector3">
-              <a:avLst/>
-            </a:prstGeom>
-            <a:ln w="28575">
-              <a:solidFill>
-                <a:schemeClr val="accent1">
-                  <a:lumMod val="40000"/>
-                  <a:lumOff val="60000"/>
-                </a:schemeClr>
-              </a:solidFill>
-            </a:ln>
-          </p:spPr>
-          <p:style>
-            <a:lnRef idx="1">
-              <a:schemeClr val="accent1"/>
-            </a:lnRef>
-            <a:fillRef idx="0">
-              <a:schemeClr val="accent1"/>
-            </a:fillRef>
-            <a:effectRef idx="0">
-              <a:schemeClr val="accent1"/>
-            </a:effectRef>
-            <a:fontRef idx="minor">
-              <a:schemeClr val="tx1"/>
-            </a:fontRef>
-          </p:style>
-        </p:cxnSp>
-        <p:cxnSp>
-          <p:nvCxnSpPr>
-            <p:cNvPr id="73" name="연결선: 꺾임 72">
-              <a:extLst>
-                <a:ext uri="{FF2B5EF4-FFF2-40B4-BE49-F238E27FC236}">
-                  <a16:creationId xmlns:a16="http://schemas.microsoft.com/office/drawing/2014/main" id="{30F4C41E-D8E7-4FD4-830F-976DEF90DA5B}"/>
-                </a:ext>
-              </a:extLst>
-            </p:cNvPr>
-            <p:cNvCxnSpPr>
-              <a:cxnSpLocks/>
-              <a:stCxn id="49" idx="3"/>
-              <a:endCxn id="52" idx="1"/>
-            </p:cNvCxnSpPr>
-            <p:nvPr/>
-          </p:nvCxnSpPr>
-          <p:spPr>
-            <a:xfrm>
-              <a:off x="8833514" y="6356439"/>
-              <a:ext cx="1015772" cy="465528"/>
-            </a:xfrm>
-            <a:prstGeom prst="bentConnector3">
-              <a:avLst/>
-            </a:prstGeom>
-            <a:ln w="28575">
-              <a:solidFill>
-                <a:schemeClr val="accent1">
-                  <a:lumMod val="40000"/>
-                  <a:lumOff val="60000"/>
-                </a:schemeClr>
-              </a:solidFill>
-            </a:ln>
-          </p:spPr>
-          <p:style>
-            <a:lnRef idx="1">
-              <a:schemeClr val="accent1"/>
-            </a:lnRef>
-            <a:fillRef idx="0">
-              <a:schemeClr val="accent1"/>
-            </a:fillRef>
-            <a:effectRef idx="0">
-              <a:schemeClr val="accent1"/>
-            </a:effectRef>
-            <a:fontRef idx="minor">
-              <a:schemeClr val="tx1"/>
-            </a:fontRef>
-          </p:style>
-        </p:cxnSp>
-        <p:cxnSp>
-          <p:nvCxnSpPr>
-            <p:cNvPr id="74" name="연결선: 꺾임 73">
-              <a:extLst>
-                <a:ext uri="{FF2B5EF4-FFF2-40B4-BE49-F238E27FC236}">
-                  <a16:creationId xmlns:a16="http://schemas.microsoft.com/office/drawing/2014/main" id="{F0AFA1E1-A100-47BD-B9F2-A365CC3389A9}"/>
-                </a:ext>
-              </a:extLst>
-            </p:cNvPr>
-            <p:cNvCxnSpPr>
-              <a:cxnSpLocks/>
-              <a:stCxn id="49" idx="3"/>
-              <a:endCxn id="51" idx="1"/>
-            </p:cNvCxnSpPr>
-            <p:nvPr/>
-          </p:nvCxnSpPr>
-          <p:spPr>
-            <a:xfrm flipV="1">
-              <a:off x="8833514" y="6352356"/>
-              <a:ext cx="1015772" cy="4082"/>
-            </a:xfrm>
-            <a:prstGeom prst="bentConnector3">
-              <a:avLst/>
-            </a:prstGeom>
-            <a:ln w="28575">
-              <a:solidFill>
-                <a:schemeClr val="accent1">
-                  <a:lumMod val="40000"/>
-                  <a:lumOff val="60000"/>
-                </a:schemeClr>
-              </a:solidFill>
-            </a:ln>
-          </p:spPr>
-          <p:style>
-            <a:lnRef idx="1">
-              <a:schemeClr val="accent1"/>
-            </a:lnRef>
-            <a:fillRef idx="0">
-              <a:schemeClr val="accent1"/>
-            </a:fillRef>
-            <a:effectRef idx="0">
-              <a:schemeClr val="accent1"/>
-            </a:effectRef>
-            <a:fontRef idx="minor">
-              <a:schemeClr val="tx1"/>
-            </a:fontRef>
-          </p:style>
-        </p:cxnSp>
-        <p:cxnSp>
-          <p:nvCxnSpPr>
-            <p:cNvPr id="86" name="연결선: 꺾임 85">
-              <a:extLst>
-                <a:ext uri="{FF2B5EF4-FFF2-40B4-BE49-F238E27FC236}">
-                  <a16:creationId xmlns:a16="http://schemas.microsoft.com/office/drawing/2014/main" id="{6EDF445F-9818-4A89-B842-D5142CC7458F}"/>
-                </a:ext>
-              </a:extLst>
-            </p:cNvPr>
-            <p:cNvCxnSpPr>
-              <a:cxnSpLocks/>
-              <a:stCxn id="24" idx="3"/>
-              <a:endCxn id="40" idx="1"/>
-            </p:cNvCxnSpPr>
-            <p:nvPr/>
-          </p:nvCxnSpPr>
-          <p:spPr>
-            <a:xfrm flipV="1">
-              <a:off x="8833514" y="7528148"/>
-              <a:ext cx="1015772" cy="187923"/>
-            </a:xfrm>
-            <a:prstGeom prst="bentConnector3">
-              <a:avLst>
-                <a:gd name="adj1" fmla="val 50000"/>
-              </a:avLst>
-            </a:prstGeom>
-            <a:ln w="28575">
-              <a:solidFill>
-                <a:schemeClr val="accent1">
-                  <a:lumMod val="40000"/>
-                  <a:lumOff val="60000"/>
-                </a:schemeClr>
-              </a:solidFill>
-            </a:ln>
-          </p:spPr>
-          <p:style>
-            <a:lnRef idx="1">
-              <a:schemeClr val="accent1"/>
-            </a:lnRef>
-            <a:fillRef idx="0">
-              <a:schemeClr val="accent1"/>
-            </a:fillRef>
-            <a:effectRef idx="0">
-              <a:schemeClr val="accent1"/>
-            </a:effectRef>
-            <a:fontRef idx="minor">
-              <a:schemeClr val="tx1"/>
-            </a:fontRef>
-          </p:style>
-        </p:cxnSp>
-        <p:cxnSp>
-          <p:nvCxnSpPr>
-            <p:cNvPr id="89" name="연결선: 꺾임 88">
-              <a:extLst>
-                <a:ext uri="{FF2B5EF4-FFF2-40B4-BE49-F238E27FC236}">
-                  <a16:creationId xmlns:a16="http://schemas.microsoft.com/office/drawing/2014/main" id="{B4F9D92A-EF19-4D5D-9B15-3AB1E5A7BE22}"/>
-                </a:ext>
-              </a:extLst>
-            </p:cNvPr>
-            <p:cNvCxnSpPr>
-              <a:cxnSpLocks/>
-              <a:stCxn id="24" idx="3"/>
-              <a:endCxn id="42" idx="1"/>
-            </p:cNvCxnSpPr>
-            <p:nvPr/>
-          </p:nvCxnSpPr>
-          <p:spPr>
-            <a:xfrm>
-              <a:off x="8833514" y="7716071"/>
-              <a:ext cx="1015772" cy="259244"/>
-            </a:xfrm>
-            <a:prstGeom prst="bentConnector3">
-              <a:avLst>
-                <a:gd name="adj1" fmla="val 50000"/>
-              </a:avLst>
-            </a:prstGeom>
-            <a:ln w="28575">
-              <a:solidFill>
-                <a:schemeClr val="accent1">
-                  <a:lumMod val="40000"/>
-                  <a:lumOff val="60000"/>
-                </a:schemeClr>
-              </a:solidFill>
-            </a:ln>
-          </p:spPr>
-          <p:style>
-            <a:lnRef idx="1">
-              <a:schemeClr val="accent1"/>
-            </a:lnRef>
-            <a:fillRef idx="0">
-              <a:schemeClr val="accent1"/>
-            </a:fillRef>
-            <a:effectRef idx="0">
-              <a:schemeClr val="accent1"/>
-            </a:effectRef>
-            <a:fontRef idx="minor">
-              <a:schemeClr val="tx1"/>
-            </a:fontRef>
-          </p:style>
-        </p:cxnSp>
-        <p:cxnSp>
-          <p:nvCxnSpPr>
-            <p:cNvPr id="93" name="연결선: 꺾임 92">
-              <a:extLst>
-                <a:ext uri="{FF2B5EF4-FFF2-40B4-BE49-F238E27FC236}">
-                  <a16:creationId xmlns:a16="http://schemas.microsoft.com/office/drawing/2014/main" id="{B9CA033E-0CDF-46E1-AC82-57E032B0C101}"/>
-                </a:ext>
-              </a:extLst>
-            </p:cNvPr>
-            <p:cNvCxnSpPr>
-              <a:cxnSpLocks/>
-              <a:stCxn id="55" idx="3"/>
-              <a:endCxn id="56" idx="1"/>
-            </p:cNvCxnSpPr>
-            <p:nvPr/>
-          </p:nvCxnSpPr>
-          <p:spPr>
-            <a:xfrm flipV="1">
-              <a:off x="8833514" y="8681497"/>
-              <a:ext cx="1015772" cy="187923"/>
-            </a:xfrm>
-            <a:prstGeom prst="bentConnector3">
-              <a:avLst>
-                <a:gd name="adj1" fmla="val 50000"/>
-              </a:avLst>
-            </a:prstGeom>
-            <a:ln w="28575">
-              <a:solidFill>
-                <a:schemeClr val="accent1">
-                  <a:lumMod val="40000"/>
-                  <a:lumOff val="60000"/>
-                </a:schemeClr>
-              </a:solidFill>
-            </a:ln>
-          </p:spPr>
-          <p:style>
-            <a:lnRef idx="1">
-              <a:schemeClr val="accent1"/>
-            </a:lnRef>
-            <a:fillRef idx="0">
-              <a:schemeClr val="accent1"/>
-            </a:fillRef>
-            <a:effectRef idx="0">
-              <a:schemeClr val="accent1"/>
-            </a:effectRef>
-            <a:fontRef idx="minor">
-              <a:schemeClr val="tx1"/>
-            </a:fontRef>
-          </p:style>
-        </p:cxnSp>
-        <p:cxnSp>
-          <p:nvCxnSpPr>
-            <p:cNvPr id="96" name="연결선: 꺾임 95">
-              <a:extLst>
-                <a:ext uri="{FF2B5EF4-FFF2-40B4-BE49-F238E27FC236}">
-                  <a16:creationId xmlns:a16="http://schemas.microsoft.com/office/drawing/2014/main" id="{94EE4504-BCC9-460C-907F-6160E6A05038}"/>
-                </a:ext>
-              </a:extLst>
-            </p:cNvPr>
-            <p:cNvCxnSpPr>
-              <a:cxnSpLocks/>
-              <a:stCxn id="55" idx="3"/>
-              <a:endCxn id="57" idx="1"/>
-            </p:cNvCxnSpPr>
-            <p:nvPr/>
-          </p:nvCxnSpPr>
-          <p:spPr>
-            <a:xfrm>
-              <a:off x="8833514" y="8869420"/>
-              <a:ext cx="1015772" cy="259244"/>
-            </a:xfrm>
-            <a:prstGeom prst="bentConnector3">
-              <a:avLst>
-                <a:gd name="adj1" fmla="val 50000"/>
-              </a:avLst>
-            </a:prstGeom>
-            <a:ln w="28575">
-              <a:solidFill>
-                <a:schemeClr val="accent1">
-                  <a:lumMod val="40000"/>
-                  <a:lumOff val="60000"/>
-                </a:schemeClr>
-              </a:solidFill>
-            </a:ln>
-          </p:spPr>
-          <p:style>
-            <a:lnRef idx="1">
-              <a:schemeClr val="accent1"/>
-            </a:lnRef>
-            <a:fillRef idx="0">
-              <a:schemeClr val="accent1"/>
-            </a:fillRef>
-            <a:effectRef idx="0">
-              <a:schemeClr val="accent1"/>
-            </a:effectRef>
-            <a:fontRef idx="minor">
-              <a:schemeClr val="tx1"/>
-            </a:fontRef>
-          </p:style>
-        </p:cxnSp>
-        <p:cxnSp>
-          <p:nvCxnSpPr>
-            <p:cNvPr id="99" name="연결선: 꺾임 98">
-              <a:extLst>
-                <a:ext uri="{FF2B5EF4-FFF2-40B4-BE49-F238E27FC236}">
-                  <a16:creationId xmlns:a16="http://schemas.microsoft.com/office/drawing/2014/main" id="{39A640D7-0F08-4006-BE65-3ABFFBBC832D}"/>
-                </a:ext>
-              </a:extLst>
-            </p:cNvPr>
-            <p:cNvCxnSpPr>
-              <a:cxnSpLocks/>
-              <a:stCxn id="16" idx="1"/>
-              <a:endCxn id="11" idx="3"/>
-            </p:cNvCxnSpPr>
-            <p:nvPr/>
-          </p:nvCxnSpPr>
-          <p:spPr>
-            <a:xfrm rot="10800000" flipV="1">
-              <a:off x="7724961" y="4733478"/>
-              <a:ext cx="315469" cy="2284342"/>
-            </a:xfrm>
-            <a:prstGeom prst="bentConnector3">
-              <a:avLst>
-                <a:gd name="adj1" fmla="val 50000"/>
-              </a:avLst>
-            </a:prstGeom>
-            <a:ln w="28575">
-              <a:solidFill>
-                <a:schemeClr val="accent1">
-                  <a:lumMod val="40000"/>
-                  <a:lumOff val="60000"/>
-                </a:schemeClr>
-              </a:solidFill>
-            </a:ln>
-          </p:spPr>
-          <p:style>
-            <a:lnRef idx="1">
-              <a:schemeClr val="accent1"/>
-            </a:lnRef>
-            <a:fillRef idx="0">
-              <a:schemeClr val="accent1"/>
-            </a:fillRef>
-            <a:effectRef idx="0">
-              <a:schemeClr val="accent1"/>
-            </a:effectRef>
-            <a:fontRef idx="minor">
-              <a:schemeClr val="tx1"/>
-            </a:fontRef>
-          </p:style>
-        </p:cxnSp>
-        <p:cxnSp>
-          <p:nvCxnSpPr>
-            <p:cNvPr id="102" name="연결선: 꺾임 101">
-              <a:extLst>
-                <a:ext uri="{FF2B5EF4-FFF2-40B4-BE49-F238E27FC236}">
-                  <a16:creationId xmlns:a16="http://schemas.microsoft.com/office/drawing/2014/main" id="{5D0BAD11-6395-4C45-8DEA-2D498F8EB9DF}"/>
-                </a:ext>
-              </a:extLst>
-            </p:cNvPr>
-            <p:cNvCxnSpPr>
-              <a:cxnSpLocks/>
-              <a:stCxn id="24" idx="1"/>
-              <a:endCxn id="11" idx="3"/>
-            </p:cNvCxnSpPr>
-            <p:nvPr/>
-          </p:nvCxnSpPr>
-          <p:spPr>
-            <a:xfrm rot="10800000">
-              <a:off x="7724961" y="7017822"/>
-              <a:ext cx="315469" cy="698251"/>
-            </a:xfrm>
-            <a:prstGeom prst="bentConnector3">
-              <a:avLst>
-                <a:gd name="adj1" fmla="val 50000"/>
-              </a:avLst>
-            </a:prstGeom>
-            <a:ln w="28575">
-              <a:solidFill>
-                <a:schemeClr val="accent1">
-                  <a:lumMod val="40000"/>
-                  <a:lumOff val="60000"/>
-                </a:schemeClr>
-              </a:solidFill>
-            </a:ln>
-          </p:spPr>
-          <p:style>
-            <a:lnRef idx="1">
-              <a:schemeClr val="accent1"/>
-            </a:lnRef>
-            <a:fillRef idx="0">
-              <a:schemeClr val="accent1"/>
-            </a:fillRef>
-            <a:effectRef idx="0">
-              <a:schemeClr val="accent1"/>
-            </a:effectRef>
-            <a:fontRef idx="minor">
-              <a:schemeClr val="tx1"/>
-            </a:fontRef>
-          </p:style>
-        </p:cxnSp>
-        <p:cxnSp>
-          <p:nvCxnSpPr>
-            <p:cNvPr id="105" name="연결선: 꺾임 104">
-              <a:extLst>
-                <a:ext uri="{FF2B5EF4-FFF2-40B4-BE49-F238E27FC236}">
-                  <a16:creationId xmlns:a16="http://schemas.microsoft.com/office/drawing/2014/main" id="{C479A0EE-5689-4B52-A512-5E57A1D12C09}"/>
-                </a:ext>
-              </a:extLst>
-            </p:cNvPr>
-            <p:cNvCxnSpPr>
-              <a:cxnSpLocks/>
-              <a:stCxn id="11" idx="3"/>
-              <a:endCxn id="49" idx="1"/>
-            </p:cNvCxnSpPr>
-            <p:nvPr/>
-          </p:nvCxnSpPr>
-          <p:spPr>
-            <a:xfrm flipV="1">
-              <a:off x="7724961" y="6356438"/>
-              <a:ext cx="315469" cy="661383"/>
-            </a:xfrm>
-            <a:prstGeom prst="bentConnector3">
-              <a:avLst>
-                <a:gd name="adj1" fmla="val 50000"/>
-              </a:avLst>
-            </a:prstGeom>
-            <a:ln w="28575">
-              <a:solidFill>
-                <a:schemeClr val="accent1">
-                  <a:lumMod val="40000"/>
-                  <a:lumOff val="60000"/>
-                </a:schemeClr>
-              </a:solidFill>
-            </a:ln>
-          </p:spPr>
-          <p:style>
-            <a:lnRef idx="1">
-              <a:schemeClr val="accent1"/>
-            </a:lnRef>
-            <a:fillRef idx="0">
-              <a:schemeClr val="accent1"/>
-            </a:fillRef>
-            <a:effectRef idx="0">
-              <a:schemeClr val="accent1"/>
-            </a:effectRef>
-            <a:fontRef idx="minor">
-              <a:schemeClr val="tx1"/>
-            </a:fontRef>
-          </p:style>
-        </p:cxnSp>
-        <p:cxnSp>
-          <p:nvCxnSpPr>
-            <p:cNvPr id="110" name="연결선: 꺾임 109">
-              <a:extLst>
-                <a:ext uri="{FF2B5EF4-FFF2-40B4-BE49-F238E27FC236}">
-                  <a16:creationId xmlns:a16="http://schemas.microsoft.com/office/drawing/2014/main" id="{0152C2A7-31D9-4DB9-B8C9-A2B722B5E95A}"/>
-                </a:ext>
-              </a:extLst>
-            </p:cNvPr>
-            <p:cNvCxnSpPr>
-              <a:cxnSpLocks/>
-              <a:stCxn id="55" idx="1"/>
-              <a:endCxn id="11" idx="3"/>
-            </p:cNvCxnSpPr>
-            <p:nvPr/>
-          </p:nvCxnSpPr>
-          <p:spPr>
-            <a:xfrm rot="10800000">
-              <a:off x="7724961" y="7017820"/>
-              <a:ext cx="315469" cy="1851600"/>
-            </a:xfrm>
-            <a:prstGeom prst="bentConnector3">
-              <a:avLst>
-                <a:gd name="adj1" fmla="val 50000"/>
-              </a:avLst>
-            </a:prstGeom>
-            <a:ln w="28575">
-              <a:solidFill>
-                <a:schemeClr val="accent1">
-                  <a:lumMod val="40000"/>
-                  <a:lumOff val="60000"/>
-                </a:schemeClr>
-              </a:solidFill>
-            </a:ln>
-          </p:spPr>
-          <p:style>
-            <a:lnRef idx="1">
-              <a:schemeClr val="accent1"/>
-            </a:lnRef>
-            <a:fillRef idx="0">
-              <a:schemeClr val="accent1"/>
-            </a:fillRef>
-            <a:effectRef idx="0">
-              <a:schemeClr val="accent1"/>
-            </a:effectRef>
-            <a:fontRef idx="minor">
-              <a:schemeClr val="tx1"/>
-            </a:fontRef>
-          </p:style>
-        </p:cxnSp>
-      </p:grpSp>
+            </a:solidFill>
+          </a:ln>
+        </p:spPr>
+        <p:style>
+          <a:lnRef idx="1">
+            <a:schemeClr val="accent1"/>
+          </a:lnRef>
+          <a:fillRef idx="0">
+            <a:schemeClr val="accent1"/>
+          </a:fillRef>
+          <a:effectRef idx="0">
+            <a:schemeClr val="accent1"/>
+          </a:effectRef>
+          <a:fontRef idx="minor">
+            <a:schemeClr val="tx1"/>
+          </a:fontRef>
+        </p:style>
+      </p:cxnSp>
     </p:spTree>
     <p:extLst>
       <p:ext uri="{BB962C8B-B14F-4D97-AF65-F5344CB8AC3E}">
@@ -5765,14 +6203,14 @@
           <p:nvPr>
             <p:extLst>
               <p:ext uri="{D42A27DB-BD31-4B8C-83A1-F6EECF244321}">
-                <p14:modId xmlns:p14="http://schemas.microsoft.com/office/powerpoint/2010/main" val="1710337598"/>
+                <p14:modId xmlns:p14="http://schemas.microsoft.com/office/powerpoint/2010/main" val="1075911810"/>
               </p:ext>
             </p:extLst>
           </p:nvPr>
         </p:nvGraphicFramePr>
         <p:xfrm>
           <a:off x="1219200" y="812154"/>
-          <a:ext cx="6086476" cy="3081273"/>
+          <a:ext cx="6086476" cy="3317245"/>
         </p:xfrm>
         <a:graphic>
           <a:graphicData uri="http://schemas.openxmlformats.org/drawingml/2006/table">
@@ -6288,7 +6726,7 @@
                           <a:latin typeface="에스코어 드림 6 Bold" panose="020B0703030302020204" pitchFamily="34" charset="-127"/>
                           <a:ea typeface="에스코어 드림 6 Bold" panose="020B0703030302020204" pitchFamily="34" charset="-127"/>
                         </a:rPr>
-                        <a:t>통합 서비스 설계</a:t>
+                        <a:t>설계 통합</a:t>
                       </a:r>
                     </a:p>
                   </a:txBody>
@@ -6411,7 +6849,7 @@
                           <a:latin typeface="에스코어 드림 6 Bold" panose="020B0703030302020204" pitchFamily="34" charset="-127"/>
                           <a:ea typeface="에스코어 드림 6 Bold" panose="020B0703030302020204" pitchFamily="34" charset="-127"/>
                         </a:rPr>
-                        <a:t>통합 설계</a:t>
+                        <a:t>설계 통합</a:t>
                       </a:r>
                     </a:p>
                   </a:txBody>
@@ -6480,7 +6918,7 @@
                           <a:latin typeface="에스코어 드림 6 Bold" panose="020B0703030302020204" pitchFamily="34" charset="-127"/>
                           <a:ea typeface="에스코어 드림 6 Bold" panose="020B0703030302020204" pitchFamily="34" charset="-127"/>
                         </a:rPr>
-                        <a:t>통합 설계</a:t>
+                        <a:t>설계 통합</a:t>
                       </a:r>
                     </a:p>
                   </a:txBody>
@@ -6549,7 +6987,7 @@
                           <a:latin typeface="에스코어 드림 6 Bold" panose="020B0703030302020204" pitchFamily="34" charset="-127"/>
                           <a:ea typeface="에스코어 드림 6 Bold" panose="020B0703030302020204" pitchFamily="34" charset="-127"/>
                         </a:rPr>
-                        <a:t>통합 설계</a:t>
+                        <a:t>설계 통합</a:t>
                       </a:r>
                     </a:p>
                   </a:txBody>
@@ -6594,7 +7032,7 @@
                           <a:latin typeface="에스코어 드림 6 Bold" panose="020B0703030302020204" pitchFamily="34" charset="-127"/>
                           <a:ea typeface="에스코어 드림 6 Bold" panose="020B0703030302020204" pitchFamily="34" charset="-127"/>
                         </a:rPr>
-                        <a:t>통합 서비스 구현</a:t>
+                        <a:t>구현 통합</a:t>
                       </a:r>
                     </a:p>
                   </a:txBody>
@@ -6680,11 +7118,18 @@
                     <a:p>
                       <a:pPr algn="ctr" latinLnBrk="1"/>
                       <a:r>
+                        <a:rPr lang="en-US" altLang="ko-KR" sz="1400" dirty="0">
+                          <a:latin typeface="에스코어 드림 6 Bold" panose="020B0703030302020204" pitchFamily="34" charset="-127"/>
+                          <a:ea typeface="에스코어 드림 6 Bold" panose="020B0703030302020204" pitchFamily="34" charset="-127"/>
+                        </a:rPr>
+                        <a:t>UI </a:t>
+                      </a:r>
+                      <a:r>
                         <a:rPr lang="ko-KR" altLang="en-US" sz="1400" dirty="0">
                           <a:latin typeface="에스코어 드림 6 Bold" panose="020B0703030302020204" pitchFamily="34" charset="-127"/>
                           <a:ea typeface="에스코어 드림 6 Bold" panose="020B0703030302020204" pitchFamily="34" charset="-127"/>
                         </a:rPr>
-                        <a:t>시스템 테스트</a:t>
+                        <a:t>테스트</a:t>
                       </a:r>
                     </a:p>
                   </a:txBody>
@@ -6701,7 +7146,7 @@
                           <a:latin typeface="에스코어 드림 6 Bold" panose="020B0703030302020204" pitchFamily="34" charset="-127"/>
                           <a:ea typeface="에스코어 드림 6 Bold" panose="020B0703030302020204" pitchFamily="34" charset="-127"/>
                         </a:rPr>
-                        <a:t>통합 서비스 구현</a:t>
+                        <a:t>구현 통합</a:t>
                       </a:r>
                     </a:p>
                   </a:txBody>
@@ -6746,7 +7191,69 @@
                           <a:latin typeface="에스코어 드림 6 Bold" panose="020B0703030302020204" pitchFamily="34" charset="-127"/>
                           <a:ea typeface="에스코어 드림 6 Bold" panose="020B0703030302020204" pitchFamily="34" charset="-127"/>
                         </a:rPr>
-                        <a:t>알파 테스트</a:t>
+                        <a:t>기능 테스트</a:t>
+                      </a:r>
+                    </a:p>
+                  </a:txBody>
+                  <a:tcPr marL="22612" marR="22612" marT="11306" marB="11306"/>
+                </a:tc>
+                <a:tc>
+                  <a:txBody>
+                    <a:bodyPr/>
+                    <a:lstStyle/>
+                    <a:p>
+                      <a:pPr algn="ctr" latinLnBrk="1"/>
+                      <a:r>
+                        <a:rPr lang="ko-KR" altLang="en-US" sz="1400" dirty="0">
+                          <a:latin typeface="에스코어 드림 6 Bold" panose="020B0703030302020204" pitchFamily="34" charset="-127"/>
+                          <a:ea typeface="에스코어 드림 6 Bold" panose="020B0703030302020204" pitchFamily="34" charset="-127"/>
+                        </a:rPr>
+                        <a:t>구현 통합</a:t>
+                      </a:r>
+                    </a:p>
+                  </a:txBody>
+                  <a:tcPr marL="22612" marR="22612" marT="11306" marB="11306"/>
+                </a:tc>
+                <a:tc>
+                  <a:txBody>
+                    <a:bodyPr/>
+                    <a:lstStyle/>
+                    <a:p>
+                      <a:pPr algn="ctr" latinLnBrk="1"/>
+                      <a:r>
+                        <a:rPr lang="en-US" altLang="ko-KR" sz="1400" dirty="0">
+                          <a:latin typeface="에스코어 드림 6 Bold" panose="020B0703030302020204" pitchFamily="34" charset="-127"/>
+                          <a:ea typeface="에스코어 드림 6 Bold" panose="020B0703030302020204" pitchFamily="34" charset="-127"/>
+                        </a:rPr>
+                        <a:t>5</a:t>
+                      </a:r>
+                      <a:endParaRPr lang="ko-KR" altLang="en-US" sz="1400" dirty="0">
+                        <a:latin typeface="에스코어 드림 6 Bold" panose="020B0703030302020204" pitchFamily="34" charset="-127"/>
+                        <a:ea typeface="에스코어 드림 6 Bold" panose="020B0703030302020204" pitchFamily="34" charset="-127"/>
+                      </a:endParaRPr>
+                    </a:p>
+                  </a:txBody>
+                  <a:tcPr marL="22612" marR="22612" marT="11306" marB="11306"/>
+                </a:tc>
+                <a:extLst>
+                  <a:ext uri="{0D108BD9-81ED-4DB2-BD59-A6C34878D82A}">
+                    <a16:rowId xmlns:a16="http://schemas.microsoft.com/office/drawing/2014/main" val="3271354693"/>
+                  </a:ext>
+                </a:extLst>
+              </a:tr>
+              <a:tr h="224591">
+                <a:tc>
+                  <a:txBody>
+                    <a:bodyPr/>
+                    <a:lstStyle/>
+                    <a:p>
+                      <a:pPr algn="ctr" latinLnBrk="1"/>
+                      <a:r>
+                        <a:rPr lang="ko-KR" altLang="en-US" sz="1400" dirty="0">
+                          <a:latin typeface="에스코어 드림 6 Bold" panose="020B0703030302020204" pitchFamily="34" charset="-127"/>
+                          <a:ea typeface="에스코어 드림 6 Bold" panose="020B0703030302020204" pitchFamily="34" charset="-127"/>
+                        </a:rPr>
+                        <a:t>인수 테스트</a:t>
                       </a:r>
                     </a:p>
                   </a:txBody>
@@ -7167,14 +7674,14 @@
           <p:nvPr>
             <p:extLst>
               <p:ext uri="{D42A27DB-BD31-4B8C-83A1-F6EECF244321}">
-                <p14:modId xmlns:p14="http://schemas.microsoft.com/office/powerpoint/2010/main" val="4150944991"/>
+                <p14:modId xmlns:p14="http://schemas.microsoft.com/office/powerpoint/2010/main" val="546381385"/>
               </p:ext>
             </p:extLst>
           </p:nvPr>
         </p:nvGraphicFramePr>
         <p:xfrm>
-          <a:off x="403574" y="1796830"/>
-          <a:ext cx="2998555" cy="3067636"/>
+          <a:off x="255578" y="1570154"/>
+          <a:ext cx="2998555" cy="3303608"/>
         </p:xfrm>
         <a:graphic>
           <a:graphicData uri="http://schemas.openxmlformats.org/drawingml/2006/table">
@@ -7515,7 +8022,7 @@
                           <a:latin typeface="에스코어 드림 6 Bold" panose="020B0703030302020204" pitchFamily="34" charset="-127"/>
                           <a:ea typeface="에스코어 드림 6 Bold" panose="020B0703030302020204" pitchFamily="34" charset="-127"/>
                         </a:rPr>
-                        <a:t>통합 서비스 설계</a:t>
+                        <a:t>설계 통합</a:t>
                       </a:r>
                     </a:p>
                   </a:txBody>
@@ -7709,7 +8216,7 @@
                           <a:latin typeface="에스코어 드림 6 Bold" panose="020B0703030302020204" pitchFamily="34" charset="-127"/>
                           <a:ea typeface="에스코어 드림 6 Bold" panose="020B0703030302020204" pitchFamily="34" charset="-127"/>
                         </a:rPr>
-                        <a:t>통합 서비스 구현</a:t>
+                        <a:t>구현 통합</a:t>
                       </a:r>
                     </a:p>
                   </a:txBody>
@@ -7750,11 +8257,18 @@
                     <a:p>
                       <a:pPr algn="ctr" latinLnBrk="1"/>
                       <a:r>
+                        <a:rPr lang="en-US" altLang="ko-KR" sz="1400" dirty="0">
+                          <a:latin typeface="에스코어 드림 6 Bold" panose="020B0703030302020204" pitchFamily="34" charset="-127"/>
+                          <a:ea typeface="에스코어 드림 6 Bold" panose="020B0703030302020204" pitchFamily="34" charset="-127"/>
+                        </a:rPr>
+                        <a:t>UI </a:t>
+                      </a:r>
+                      <a:r>
                         <a:rPr lang="ko-KR" altLang="en-US" sz="1400" dirty="0">
                           <a:latin typeface="에스코어 드림 6 Bold" panose="020B0703030302020204" pitchFamily="34" charset="-127"/>
                           <a:ea typeface="에스코어 드림 6 Bold" panose="020B0703030302020204" pitchFamily="34" charset="-127"/>
                         </a:rPr>
-                        <a:t>시스템 테스트</a:t>
+                        <a:t>테스트</a:t>
                       </a:r>
                     </a:p>
                   </a:txBody>
@@ -7771,7 +8285,7 @@
                           <a:latin typeface="에스코어 드림 6 Bold" panose="020B0703030302020204" pitchFamily="34" charset="-127"/>
                           <a:ea typeface="에스코어 드림 6 Bold" panose="020B0703030302020204" pitchFamily="34" charset="-127"/>
                         </a:rPr>
-                        <a:t>G</a:t>
+                        <a:t>G1</a:t>
                       </a:r>
                       <a:endParaRPr lang="ko-KR" altLang="en-US" sz="1400" dirty="0">
                         <a:latin typeface="에스코어 드림 6 Bold" panose="020B0703030302020204" pitchFamily="34" charset="-127"/>
@@ -7799,7 +8313,52 @@
                           <a:latin typeface="에스코어 드림 6 Bold" panose="020B0703030302020204" pitchFamily="34" charset="-127"/>
                           <a:ea typeface="에스코어 드림 6 Bold" panose="020B0703030302020204" pitchFamily="34" charset="-127"/>
                         </a:rPr>
-                        <a:t>알파 테스트</a:t>
+                        <a:t>기능 테스트</a:t>
+                      </a:r>
+                    </a:p>
+                  </a:txBody>
+                  <a:tcPr marL="22612" marR="22612" marT="11306" marB="11306"/>
+                </a:tc>
+                <a:tc>
+                  <a:txBody>
+                    <a:bodyPr/>
+                    <a:lstStyle/>
+                    <a:p>
+                      <a:pPr algn="ctr" latinLnBrk="1"/>
+                      <a:r>
+                        <a:rPr lang="en-US" altLang="ko-KR" sz="1400" dirty="0">
+                          <a:latin typeface="에스코어 드림 6 Bold" panose="020B0703030302020204" pitchFamily="34" charset="-127"/>
+                          <a:ea typeface="에스코어 드림 6 Bold" panose="020B0703030302020204" pitchFamily="34" charset="-127"/>
+                        </a:rPr>
+                        <a:t>G2</a:t>
+                      </a:r>
+                      <a:endParaRPr lang="ko-KR" altLang="en-US" sz="1400" dirty="0">
+                        <a:latin typeface="에스코어 드림 6 Bold" panose="020B0703030302020204" pitchFamily="34" charset="-127"/>
+                        <a:ea typeface="에스코어 드림 6 Bold" panose="020B0703030302020204" pitchFamily="34" charset="-127"/>
+                      </a:endParaRPr>
+                    </a:p>
+                  </a:txBody>
+                  <a:tcPr marL="22612" marR="22612" marT="11306" marB="11306"/>
+                </a:tc>
+                <a:extLst>
+                  <a:ext uri="{0D108BD9-81ED-4DB2-BD59-A6C34878D82A}">
+                    <a16:rowId xmlns:a16="http://schemas.microsoft.com/office/drawing/2014/main" val="4040922633"/>
+                  </a:ext>
+                </a:extLst>
+              </a:tr>
+              <a:tr h="102621">
+                <a:tc>
+                  <a:txBody>
+                    <a:bodyPr/>
+                    <a:lstStyle/>
+                    <a:p>
+                      <a:pPr algn="ctr" latinLnBrk="1"/>
+                      <a:r>
+                        <a:rPr lang="ko-KR" altLang="en-US" sz="1400" dirty="0">
+                          <a:latin typeface="에스코어 드림 6 Bold" panose="020B0703030302020204" pitchFamily="34" charset="-127"/>
+                          <a:ea typeface="에스코어 드림 6 Bold" panose="020B0703030302020204" pitchFamily="34" charset="-127"/>
+                        </a:rPr>
+                        <a:t>인수 테스트</a:t>
                       </a:r>
                     </a:p>
                   </a:txBody>
@@ -7851,14 +8410,14 @@
           <p:nvPr>
             <p:extLst>
               <p:ext uri="{D42A27DB-BD31-4B8C-83A1-F6EECF244321}">
-                <p14:modId xmlns:p14="http://schemas.microsoft.com/office/powerpoint/2010/main" val="1935023114"/>
+                <p14:modId xmlns:p14="http://schemas.microsoft.com/office/powerpoint/2010/main" val="1608407731"/>
               </p:ext>
             </p:extLst>
           </p:nvPr>
         </p:nvGraphicFramePr>
         <p:xfrm>
           <a:off x="3595606" y="3641455"/>
-          <a:ext cx="4915368" cy="1200426"/>
+          <a:ext cx="5173748" cy="1200426"/>
         </p:xfrm>
         <a:graphic>
           <a:graphicData uri="http://schemas.openxmlformats.org/drawingml/2006/table">
@@ -7867,97 +8426,104 @@
                 <a:tableStyleId>{5C22544A-7EE6-4342-B048-85BDC9FD1C3A}</a:tableStyleId>
               </a:tblPr>
               <a:tblGrid>
-                <a:gridCol w="1041420">
+                <a:gridCol w="1028607">
                   <a:extLst>
                     <a:ext uri="{9D8B030D-6E8A-4147-A177-3AD203B41FA5}">
                       <a16:colId xmlns:a16="http://schemas.microsoft.com/office/drawing/2014/main" val="4216355540"/>
                     </a:ext>
                   </a:extLst>
                 </a:gridCol>
-                <a:gridCol w="322829">
+                <a:gridCol w="318857">
                   <a:extLst>
                     <a:ext uri="{9D8B030D-6E8A-4147-A177-3AD203B41FA5}">
                       <a16:colId xmlns:a16="http://schemas.microsoft.com/office/drawing/2014/main" val="456482793"/>
                     </a:ext>
                   </a:extLst>
                 </a:gridCol>
-                <a:gridCol w="322829">
+                <a:gridCol w="318857">
                   <a:extLst>
                     <a:ext uri="{9D8B030D-6E8A-4147-A177-3AD203B41FA5}">
                       <a16:colId xmlns:a16="http://schemas.microsoft.com/office/drawing/2014/main" val="2934366909"/>
                     </a:ext>
                   </a:extLst>
                 </a:gridCol>
-                <a:gridCol w="322829">
+                <a:gridCol w="318857">
                   <a:extLst>
                     <a:ext uri="{9D8B030D-6E8A-4147-A177-3AD203B41FA5}">
                       <a16:colId xmlns:a16="http://schemas.microsoft.com/office/drawing/2014/main" val="412540030"/>
                     </a:ext>
                   </a:extLst>
                 </a:gridCol>
-                <a:gridCol w="322829">
+                <a:gridCol w="318857">
                   <a:extLst>
                     <a:ext uri="{9D8B030D-6E8A-4147-A177-3AD203B41FA5}">
                       <a16:colId xmlns:a16="http://schemas.microsoft.com/office/drawing/2014/main" val="1634408824"/>
                     </a:ext>
                   </a:extLst>
                 </a:gridCol>
-                <a:gridCol w="322829">
+                <a:gridCol w="318857">
                   <a:extLst>
                     <a:ext uri="{9D8B030D-6E8A-4147-A177-3AD203B41FA5}">
                       <a16:colId xmlns:a16="http://schemas.microsoft.com/office/drawing/2014/main" val="156094854"/>
                     </a:ext>
                   </a:extLst>
                 </a:gridCol>
-                <a:gridCol w="322829">
+                <a:gridCol w="318857">
                   <a:extLst>
                     <a:ext uri="{9D8B030D-6E8A-4147-A177-3AD203B41FA5}">
                       <a16:colId xmlns:a16="http://schemas.microsoft.com/office/drawing/2014/main" val="1737990369"/>
                     </a:ext>
                   </a:extLst>
                 </a:gridCol>
-                <a:gridCol w="322829">
+                <a:gridCol w="318857">
                   <a:extLst>
                     <a:ext uri="{9D8B030D-6E8A-4147-A177-3AD203B41FA5}">
                       <a16:colId xmlns:a16="http://schemas.microsoft.com/office/drawing/2014/main" val="2965070052"/>
                     </a:ext>
                   </a:extLst>
                 </a:gridCol>
-                <a:gridCol w="322829">
+                <a:gridCol w="318857">
                   <a:extLst>
                     <a:ext uri="{9D8B030D-6E8A-4147-A177-3AD203B41FA5}">
                       <a16:colId xmlns:a16="http://schemas.microsoft.com/office/drawing/2014/main" val="2571508947"/>
                     </a:ext>
                   </a:extLst>
                 </a:gridCol>
-                <a:gridCol w="322829">
+                <a:gridCol w="318857">
                   <a:extLst>
                     <a:ext uri="{9D8B030D-6E8A-4147-A177-3AD203B41FA5}">
                       <a16:colId xmlns:a16="http://schemas.microsoft.com/office/drawing/2014/main" val="439589201"/>
                     </a:ext>
                   </a:extLst>
                 </a:gridCol>
-                <a:gridCol w="322829">
+                <a:gridCol w="318857">
                   <a:extLst>
                     <a:ext uri="{9D8B030D-6E8A-4147-A177-3AD203B41FA5}">
                       <a16:colId xmlns:a16="http://schemas.microsoft.com/office/drawing/2014/main" val="488520184"/>
                     </a:ext>
                   </a:extLst>
                 </a:gridCol>
-                <a:gridCol w="322829">
+                <a:gridCol w="318857">
                   <a:extLst>
                     <a:ext uri="{9D8B030D-6E8A-4147-A177-3AD203B41FA5}">
                       <a16:colId xmlns:a16="http://schemas.microsoft.com/office/drawing/2014/main" val="226790359"/>
                     </a:ext>
                   </a:extLst>
                 </a:gridCol>
-                <a:gridCol w="322829">
+                <a:gridCol w="318857">
                   <a:extLst>
                     <a:ext uri="{9D8B030D-6E8A-4147-A177-3AD203B41FA5}">
                       <a16:colId xmlns:a16="http://schemas.microsoft.com/office/drawing/2014/main" val="2241892250"/>
                     </a:ext>
                   </a:extLst>
                 </a:gridCol>
+                <a:gridCol w="318857">
+                  <a:extLst>
+                    <a:ext uri="{9D8B030D-6E8A-4147-A177-3AD203B41FA5}">
+                      <a16:colId xmlns:a16="http://schemas.microsoft.com/office/drawing/2014/main" val="675741055"/>
+                    </a:ext>
+                  </a:extLst>
+                </a:gridCol>
               </a:tblGrid>
               <a:tr h="256538">
                 <a:tc>
@@ -8198,7 +8764,7 @@
                           <a:latin typeface="에스코어 드림 6 Bold" panose="020B0703030302020204" pitchFamily="34" charset="-127"/>
                           <a:ea typeface="에스코어 드림 6 Bold" panose="020B0703030302020204" pitchFamily="34" charset="-127"/>
                         </a:rPr>
-                        <a:t>G</a:t>
+                        <a:t>G1</a:t>
                       </a:r>
                       <a:endParaRPr lang="ko-KR" altLang="en-US" sz="1400" dirty="0">
                         <a:latin typeface="에스코어 드림 6 Bold" panose="020B0703030302020204" pitchFamily="34" charset="-127"/>
@@ -8214,6 +8780,43 @@
                     <a:lstStyle/>
                     <a:p>
                       <a:pPr algn="ctr" latinLnBrk="1"/>
+                      <a:r>
+                        <a:rPr lang="en-US" altLang="ko-KR" sz="1400" dirty="0">
+                          <a:latin typeface="에스코어 드림 6 Bold" panose="020B0703030302020204" pitchFamily="34" charset="-127"/>
+                          <a:ea typeface="에스코어 드림 6 Bold" panose="020B0703030302020204" pitchFamily="34" charset="-127"/>
+                        </a:rPr>
+                        <a:t>G2</a:t>
+                      </a:r>
+                      <a:endParaRPr lang="ko-KR" altLang="en-US" sz="1400" dirty="0">
+                        <a:latin typeface="에스코어 드림 6 Bold" panose="020B0703030302020204" pitchFamily="34" charset="-127"/>
+                        <a:ea typeface="에스코어 드림 6 Bold" panose="020B0703030302020204" pitchFamily="34" charset="-127"/>
+                      </a:endParaRPr>
+                    </a:p>
+                  </a:txBody>
+                  <a:tcPr marL="22612" marR="22612" marT="11306" marB="11306"/>
+                </a:tc>
+                <a:tc>
+                  <a:txBody>
+                    <a:bodyPr/>
+                    <a:lstStyle/>
+                    <a:p>
+                      <a:pPr marL="0" marR="0" lvl="0" indent="0" algn="ctr" defTabSz="685800" rtl="0" eaLnBrk="1" fontAlgn="auto" latinLnBrk="1" hangingPunct="1">
+                        <a:lnSpc>
+                          <a:spcPct val="100000"/>
+                        </a:lnSpc>
+                        <a:spcBef>
+                          <a:spcPts val="0"/>
+                        </a:spcBef>
+                        <a:spcAft>
+                          <a:spcPts val="0"/>
+                        </a:spcAft>
+                        <a:buClrTx/>
+                        <a:buSzTx/>
+                        <a:buFontTx/>
+                        <a:buNone/>
+                        <a:tabLst/>
+                        <a:defRPr/>
+                      </a:pPr>
                       <a:r>
                         <a:rPr lang="en-US" altLang="ko-KR" sz="1400" dirty="0">
                           <a:latin typeface="에스코어 드림 6 Bold" panose="020B0703030302020204" pitchFamily="34" charset="-127"/>
@@ -8495,6 +9098,27 @@
                           <a:latin typeface="에스코어 드림 6 Bold" panose="020B0703030302020204" pitchFamily="34" charset="-127"/>
                           <a:ea typeface="에스코어 드림 6 Bold" panose="020B0703030302020204" pitchFamily="34" charset="-127"/>
                         </a:rPr>
+                        <a:t>31</a:t>
+                      </a:r>
+                      <a:endParaRPr lang="ko-KR" altLang="en-US" sz="1400" dirty="0">
+                        <a:latin typeface="에스코어 드림 6 Bold" panose="020B0703030302020204" pitchFamily="34" charset="-127"/>
+                        <a:ea typeface="에스코어 드림 6 Bold" panose="020B0703030302020204" pitchFamily="34" charset="-127"/>
+                      </a:endParaRPr>
+                    </a:p>
+                  </a:txBody>
+                  <a:tcPr marL="22612" marR="22612" marT="11306" marB="11306"/>
+                </a:tc>
+                <a:tc>
+                  <a:txBody>
+                    <a:bodyPr/>
+                    <a:lstStyle/>
+                    <a:p>
+                      <a:pPr algn="ctr" latinLnBrk="1"/>
+                      <a:r>
+                        <a:rPr lang="en-US" altLang="ko-KR" sz="1400" dirty="0">
+                          <a:latin typeface="에스코어 드림 6 Bold" panose="020B0703030302020204" pitchFamily="34" charset="-127"/>
+                          <a:ea typeface="에스코어 드림 6 Bold" panose="020B0703030302020204" pitchFamily="34" charset="-127"/>
+                        </a:rPr>
                         <a:t>36</a:t>
                       </a:r>
                       <a:endParaRPr lang="ko-KR" altLang="en-US" sz="1400" dirty="0">
@@ -8771,6 +9395,27 @@
                           <a:latin typeface="에스코어 드림 6 Bold" panose="020B0703030302020204" pitchFamily="34" charset="-127"/>
                           <a:ea typeface="에스코어 드림 6 Bold" panose="020B0703030302020204" pitchFamily="34" charset="-127"/>
                         </a:rPr>
+                        <a:t>5</a:t>
+                      </a:r>
+                      <a:endParaRPr lang="ko-KR" altLang="en-US" sz="1400" dirty="0">
+                        <a:latin typeface="에스코어 드림 6 Bold" panose="020B0703030302020204" pitchFamily="34" charset="-127"/>
+                        <a:ea typeface="에스코어 드림 6 Bold" panose="020B0703030302020204" pitchFamily="34" charset="-127"/>
+                      </a:endParaRPr>
+                    </a:p>
+                  </a:txBody>
+                  <a:tcPr marL="22612" marR="22612" marT="11306" marB="11306"/>
+                </a:tc>
+                <a:tc>
+                  <a:txBody>
+                    <a:bodyPr/>
+                    <a:lstStyle/>
+                    <a:p>
+                      <a:pPr algn="ctr" latinLnBrk="1"/>
+                      <a:r>
+                        <a:rPr lang="en-US" altLang="ko-KR" sz="1400" dirty="0">
+                          <a:latin typeface="에스코어 드림 6 Bold" panose="020B0703030302020204" pitchFamily="34" charset="-127"/>
+                          <a:ea typeface="에스코어 드림 6 Bold" panose="020B0703030302020204" pitchFamily="34" charset="-127"/>
+                        </a:rPr>
                         <a:t>2</a:t>
                       </a:r>
                       <a:endParaRPr lang="ko-KR" altLang="en-US" sz="1400" dirty="0">
@@ -9057,6 +9702,27 @@
                   </a:txBody>
                   <a:tcPr marL="22612" marR="22612" marT="11306" marB="11306"/>
                 </a:tc>
+                <a:tc>
+                  <a:txBody>
+                    <a:bodyPr/>
+                    <a:lstStyle/>
+                    <a:p>
+                      <a:pPr algn="ctr" latinLnBrk="1"/>
+                      <a:r>
+                        <a:rPr lang="en-US" altLang="ko-KR" sz="1400" dirty="0">
+                          <a:latin typeface="에스코어 드림 6 Bold" panose="020B0703030302020204" pitchFamily="34" charset="-127"/>
+                          <a:ea typeface="에스코어 드림 6 Bold" panose="020B0703030302020204" pitchFamily="34" charset="-127"/>
+                        </a:rPr>
+                        <a:t>-</a:t>
+                      </a:r>
+                      <a:endParaRPr lang="ko-KR" altLang="en-US" sz="1400" dirty="0">
+                        <a:latin typeface="에스코어 드림 6 Bold" panose="020B0703030302020204" pitchFamily="34" charset="-127"/>
+                        <a:ea typeface="에스코어 드림 6 Bold" panose="020B0703030302020204" pitchFamily="34" charset="-127"/>
+                      </a:endParaRPr>
+                    </a:p>
+                  </a:txBody>
+                  <a:tcPr marL="22612" marR="22612" marT="11306" marB="11306"/>
+                </a:tc>
                 <a:extLst>
                   <a:ext uri="{0D108BD9-81ED-4DB2-BD59-A6C34878D82A}">
                     <a16:rowId xmlns:a16="http://schemas.microsoft.com/office/drawing/2014/main" val="2625562510"/>
@@ -9092,7 +9758,7 @@
                           <a:latin typeface="에스코어 드림 6 Bold" panose="020B0703030302020204" pitchFamily="34" charset="-127"/>
                           <a:ea typeface="에스코어 드림 6 Bold" panose="020B0703030302020204" pitchFamily="34" charset="-127"/>
                         </a:rPr>
-                        <a:t>A-B-C1-D-E1-F-G-H</a:t>
+                        <a:t>A-B-C1-D-E1-F-G1-H</a:t>
                       </a:r>
                       <a:endParaRPr lang="ko-KR" altLang="en-US" sz="1400" dirty="0">
                         <a:latin typeface="에스코어 드림 6 Bold" panose="020B0703030302020204" pitchFamily="34" charset="-127"/>
@@ -9186,7 +9852,7 @@
                   </a:txBody>
                   <a:tcPr/>
                 </a:tc>
-                <a:tc gridSpan="4">
+                <a:tc gridSpan="5">
                   <a:txBody>
                     <a:bodyPr/>
                     <a:lstStyle/>
@@ -9244,6 +9910,20 @@
                     </a:p>
                   </a:txBody>
                   <a:tcPr/>
+                </a:tc>
+                <a:tc hMerge="1">
+                  <a:txBody>
+                    <a:bodyPr/>
+                    <a:lstStyle/>
+                    <a:p>
+                      <a:pPr algn="ctr" latinLnBrk="1"/>
+                      <a:endParaRPr lang="ko-KR" altLang="en-US" sz="1400" dirty="0">
+                        <a:latin typeface="에스코어 드림 6 Bold" panose="020B0703030302020204" pitchFamily="34" charset="-127"/>
+                        <a:ea typeface="에스코어 드림 6 Bold" panose="020B0703030302020204" pitchFamily="34" charset="-127"/>
+                      </a:endParaRPr>
+                    </a:p>
+                  </a:txBody>
+                  <a:tcPr marL="22612" marR="22612" marT="11306" marB="11306"/>
                 </a:tc>
                 <a:tc>
                   <a:txBody>
@@ -10578,7 +11258,7 @@
         </p:nvSpPr>
         <p:spPr>
           <a:xfrm>
-            <a:off x="5147746" y="2510836"/>
+            <a:off x="6445103" y="2426462"/>
             <a:ext cx="553782" cy="518936"/>
           </a:xfrm>
           <a:prstGeom prst="ellipse">
@@ -10617,7 +11297,7 @@
                 <a:latin typeface="에스코어 드림 7 ExtraBold" panose="020B0803030302020204" pitchFamily="34" charset="-127"/>
                 <a:ea typeface="에스코어 드림 7 ExtraBold" panose="020B0803030302020204" pitchFamily="34" charset="-127"/>
               </a:rPr>
-              <a:t>G</a:t>
+              <a:t>G2</a:t>
             </a:r>
           </a:p>
         </p:txBody>
@@ -10636,7 +11316,7 @@
         </p:nvSpPr>
         <p:spPr>
           <a:xfrm>
-            <a:off x="6268392" y="2959976"/>
+            <a:off x="5573695" y="3122519"/>
             <a:ext cx="553782" cy="518936"/>
           </a:xfrm>
           <a:prstGeom prst="ellipse">
@@ -10835,15 +11515,15 @@
           </p:cNvPr>
           <p:cNvCxnSpPr>
             <a:cxnSpLocks/>
-            <a:stCxn id="205" idx="4"/>
+            <a:stCxn id="205" idx="5"/>
             <a:endCxn id="209" idx="7"/>
           </p:cNvCxnSpPr>
           <p:nvPr/>
         </p:nvCxnSpPr>
         <p:spPr>
           <a:xfrm rot="5400000">
-            <a:off x="6337648" y="1300857"/>
-            <a:ext cx="568756" cy="2003194"/>
+            <a:off x="7088412" y="1771455"/>
+            <a:ext cx="560378" cy="901629"/>
           </a:xfrm>
           <a:prstGeom prst="curvedConnector3">
             <a:avLst>
@@ -10883,18 +11563,21 @@
           </p:cNvPr>
           <p:cNvCxnSpPr>
             <a:cxnSpLocks/>
-            <a:stCxn id="209" idx="5"/>
+            <a:stCxn id="209" idx="3"/>
             <a:endCxn id="211" idx="2"/>
           </p:cNvCxnSpPr>
           <p:nvPr/>
         </p:nvCxnSpPr>
         <p:spPr>
-          <a:xfrm rot="16200000" flipH="1">
-            <a:off x="5811576" y="2762628"/>
-            <a:ext cx="265668" cy="647963"/>
+          <a:xfrm rot="5400000">
+            <a:off x="5793657" y="2649441"/>
+            <a:ext cx="512585" cy="952507"/>
           </a:xfrm>
-          <a:prstGeom prst="curvedConnector2">
-            <a:avLst/>
+          <a:prstGeom prst="curvedConnector4">
+            <a:avLst>
+              <a:gd name="adj1" fmla="val 17277"/>
+              <a:gd name="adj2" fmla="val 124000"/>
+            </a:avLst>
           </a:prstGeom>
           <a:ln w="38100">
             <a:solidFill>
@@ -10935,9 +11618,9 @@
           <p:nvPr/>
         </p:nvCxnSpPr>
         <p:spPr>
-          <a:xfrm>
-            <a:off x="6822174" y="3219444"/>
-            <a:ext cx="710493" cy="1"/>
+          <a:xfrm flipV="1">
+            <a:off x="6127477" y="3219445"/>
+            <a:ext cx="1405190" cy="162542"/>
           </a:xfrm>
           <a:prstGeom prst="curvedConnector3">
             <a:avLst>
@@ -11216,7 +11899,7 @@
         </p:nvSpPr>
         <p:spPr>
           <a:xfrm>
-            <a:off x="5264236" y="2177290"/>
+            <a:off x="6165301" y="2381550"/>
             <a:ext cx="309459" cy="333546"/>
           </a:xfrm>
           <a:prstGeom prst="roundRect">
@@ -11275,7 +11958,7 @@
         </p:nvSpPr>
         <p:spPr>
           <a:xfrm>
-            <a:off x="6412535" y="2657217"/>
+            <a:off x="5956906" y="2930332"/>
             <a:ext cx="309459" cy="333546"/>
           </a:xfrm>
           <a:prstGeom prst="roundRect">
@@ -11316,6 +11999,217 @@
                 <a:ea typeface="에스코어 드림 7 ExtraBold" panose="020B0803030302020204" pitchFamily="34" charset="-127"/>
               </a:rPr>
               <a:t>2</a:t>
+            </a:r>
+          </a:p>
+        </p:txBody>
+      </p:sp>
+      <p:sp>
+        <p:nvSpPr>
+          <p:cNvPr id="2" name="타원 1">
+            <a:extLst>
+              <a:ext uri="{FF2B5EF4-FFF2-40B4-BE49-F238E27FC236}">
+                <a16:creationId xmlns:a16="http://schemas.microsoft.com/office/drawing/2014/main" id="{4AB56DDB-0E0A-4397-9906-C905083FB009}"/>
+              </a:ext>
+            </a:extLst>
+          </p:cNvPr>
+          <p:cNvSpPr/>
+          <p:nvPr/>
+        </p:nvSpPr>
+        <p:spPr>
+          <a:xfrm>
+            <a:off x="4465519" y="2550979"/>
+            <a:ext cx="553782" cy="518936"/>
+          </a:xfrm>
+          <a:prstGeom prst="ellipse">
+            <a:avLst/>
+          </a:prstGeom>
+          <a:solidFill>
+            <a:srgbClr val="8FAADC"/>
+          </a:solidFill>
+          <a:ln>
+            <a:noFill/>
+          </a:ln>
+        </p:spPr>
+        <p:style>
+          <a:lnRef idx="2">
+            <a:schemeClr val="accent1">
+              <a:shade val="50000"/>
+            </a:schemeClr>
+          </a:lnRef>
+          <a:fillRef idx="1">
+            <a:schemeClr val="accent1"/>
+          </a:fillRef>
+          <a:effectRef idx="0">
+            <a:schemeClr val="accent1"/>
+          </a:effectRef>
+          <a:fontRef idx="minor">
+            <a:schemeClr val="lt1"/>
+          </a:fontRef>
+        </p:style>
+        <p:txBody>
+          <a:bodyPr rtlCol="0" anchor="ctr"/>
+          <a:lstStyle/>
+          <a:p>
+            <a:pPr algn="ctr"/>
+            <a:r>
+              <a:rPr lang="en-US" altLang="ko-KR" sz="1200" b="1" dirty="0">
+                <a:latin typeface="에스코어 드림 7 ExtraBold" panose="020B0803030302020204" pitchFamily="34" charset="-127"/>
+                <a:ea typeface="에스코어 드림 7 ExtraBold" panose="020B0803030302020204" pitchFamily="34" charset="-127"/>
+              </a:rPr>
+              <a:t>G1</a:t>
+            </a:r>
+          </a:p>
+        </p:txBody>
+      </p:sp>
+      <p:cxnSp>
+        <p:nvCxnSpPr>
+          <p:cNvPr id="51" name="연결선: 구부러짐 50">
+            <a:extLst>
+              <a:ext uri="{FF2B5EF4-FFF2-40B4-BE49-F238E27FC236}">
+                <a16:creationId xmlns:a16="http://schemas.microsoft.com/office/drawing/2014/main" id="{F2526A5C-7D14-45C5-8BF3-03EC48AA555F}"/>
+              </a:ext>
+            </a:extLst>
+          </p:cNvPr>
+          <p:cNvCxnSpPr>
+            <a:cxnSpLocks/>
+            <a:stCxn id="205" idx="3"/>
+            <a:endCxn id="2" idx="7"/>
+          </p:cNvCxnSpPr>
+          <p:nvPr/>
+        </p:nvCxnSpPr>
+        <p:spPr>
+          <a:xfrm rot="5400000">
+            <a:off x="5840570" y="1039713"/>
+            <a:ext cx="684895" cy="2489629"/>
+          </a:xfrm>
+          <a:prstGeom prst="curvedConnector3">
+            <a:avLst>
+              <a:gd name="adj1" fmla="val 50000"/>
+            </a:avLst>
+          </a:prstGeom>
+          <a:ln w="38100">
+            <a:solidFill>
+              <a:srgbClr val="2F5597"/>
+            </a:solidFill>
+            <a:tailEnd type="triangle"/>
+          </a:ln>
+        </p:spPr>
+        <p:style>
+          <a:lnRef idx="1">
+            <a:schemeClr val="accent1"/>
+          </a:lnRef>
+          <a:fillRef idx="0">
+            <a:schemeClr val="accent1"/>
+          </a:fillRef>
+          <a:effectRef idx="0">
+            <a:schemeClr val="accent1"/>
+          </a:effectRef>
+          <a:fontRef idx="minor">
+            <a:schemeClr val="tx1"/>
+          </a:fontRef>
+        </p:style>
+      </p:cxnSp>
+      <p:cxnSp>
+        <p:nvCxnSpPr>
+          <p:cNvPr id="62" name="연결선: 구부러짐 61">
+            <a:extLst>
+              <a:ext uri="{FF2B5EF4-FFF2-40B4-BE49-F238E27FC236}">
+                <a16:creationId xmlns:a16="http://schemas.microsoft.com/office/drawing/2014/main" id="{E32180D0-BEA7-4229-BB37-34825761E803}"/>
+              </a:ext>
+            </a:extLst>
+          </p:cNvPr>
+          <p:cNvCxnSpPr>
+            <a:cxnSpLocks/>
+            <a:stCxn id="2" idx="5"/>
+            <a:endCxn id="211" idx="2"/>
+          </p:cNvCxnSpPr>
+          <p:nvPr/>
+        </p:nvCxnSpPr>
+        <p:spPr>
+          <a:xfrm rot="16200000" flipH="1">
+            <a:off x="5061914" y="2870206"/>
+            <a:ext cx="388068" cy="635493"/>
+          </a:xfrm>
+          <a:prstGeom prst="curvedConnector2">
+            <a:avLst/>
+          </a:prstGeom>
+          <a:ln w="38100">
+            <a:solidFill>
+              <a:srgbClr val="2F5597"/>
+            </a:solidFill>
+            <a:tailEnd type="triangle"/>
+          </a:ln>
+        </p:spPr>
+        <p:style>
+          <a:lnRef idx="1">
+            <a:schemeClr val="accent1"/>
+          </a:lnRef>
+          <a:fillRef idx="0">
+            <a:schemeClr val="accent1"/>
+          </a:fillRef>
+          <a:effectRef idx="0">
+            <a:schemeClr val="accent1"/>
+          </a:effectRef>
+          <a:fontRef idx="minor">
+            <a:schemeClr val="tx1"/>
+          </a:fontRef>
+        </p:style>
+      </p:cxnSp>
+      <p:sp>
+        <p:nvSpPr>
+          <p:cNvPr id="17" name="사각형: 둥근 모서리 16">
+            <a:extLst>
+              <a:ext uri="{FF2B5EF4-FFF2-40B4-BE49-F238E27FC236}">
+                <a16:creationId xmlns:a16="http://schemas.microsoft.com/office/drawing/2014/main" id="{38A0F8E9-2E4B-4A89-BC5F-B1226E509E5F}"/>
+              </a:ext>
+            </a:extLst>
+          </p:cNvPr>
+          <p:cNvSpPr/>
+          <p:nvPr/>
+        </p:nvSpPr>
+        <p:spPr>
+          <a:xfrm>
+            <a:off x="4539860" y="2273972"/>
+            <a:ext cx="309459" cy="333546"/>
+          </a:xfrm>
+          <a:prstGeom prst="roundRect">
+            <a:avLst/>
+          </a:prstGeom>
+          <a:noFill/>
+          <a:ln>
+            <a:noFill/>
+          </a:ln>
+        </p:spPr>
+        <p:style>
+          <a:lnRef idx="2">
+            <a:schemeClr val="accent1">
+              <a:shade val="50000"/>
+            </a:schemeClr>
+          </a:lnRef>
+          <a:fillRef idx="1">
+            <a:schemeClr val="accent1"/>
+          </a:fillRef>
+          <a:effectRef idx="0">
+            <a:schemeClr val="accent1"/>
+          </a:effectRef>
+          <a:fontRef idx="minor">
+            <a:schemeClr val="lt1"/>
+          </a:fontRef>
+        </p:style>
+        <p:txBody>
+          <a:bodyPr rtlCol="0" anchor="ctr"/>
+          <a:lstStyle/>
+          <a:p>
+            <a:pPr algn="ctr"/>
+            <a:r>
+              <a:rPr lang="en-US" altLang="ko-KR" sz="1400" dirty="0">
+                <a:solidFill>
+                  <a:sysClr val="windowText" lastClr="000000"/>
+                </a:solidFill>
+                <a:latin typeface="에스코어 드림 7 ExtraBold" panose="020B0803030302020204" pitchFamily="34" charset="-127"/>
+                <a:ea typeface="에스코어 드림 7 ExtraBold" panose="020B0803030302020204" pitchFamily="34" charset="-127"/>
+              </a:rPr>
+              <a:t>5</a:t>
             </a:r>
           </a:p>
         </p:txBody>

--- a/계획서/WBS,CPM.pptx
+++ b/계획서/WBS,CPM.pptx
@@ -248,7 +248,7 @@
           <a:p>
             <a:fld id="{9D02E618-62E5-4B7D-A1BE-0387DA28F371}" type="datetimeFigureOut">
               <a:rPr lang="ko-KR" altLang="en-US" smtClean="0"/>
-              <a:t>2020-10-16</a:t>
+              <a:t>2020-11-29</a:t>
             </a:fld>
             <a:endParaRPr lang="ko-KR" altLang="en-US"/>
           </a:p>
@@ -418,7 +418,7 @@
           <a:p>
             <a:fld id="{9D02E618-62E5-4B7D-A1BE-0387DA28F371}" type="datetimeFigureOut">
               <a:rPr lang="ko-KR" altLang="en-US" smtClean="0"/>
-              <a:t>2020-10-16</a:t>
+              <a:t>2020-11-29</a:t>
             </a:fld>
             <a:endParaRPr lang="ko-KR" altLang="en-US"/>
           </a:p>
@@ -598,7 +598,7 @@
           <a:p>
             <a:fld id="{9D02E618-62E5-4B7D-A1BE-0387DA28F371}" type="datetimeFigureOut">
               <a:rPr lang="ko-KR" altLang="en-US" smtClean="0"/>
-              <a:t>2020-10-16</a:t>
+              <a:t>2020-11-29</a:t>
             </a:fld>
             <a:endParaRPr lang="ko-KR" altLang="en-US"/>
           </a:p>
@@ -768,7 +768,7 @@
           <a:p>
             <a:fld id="{9D02E618-62E5-4B7D-A1BE-0387DA28F371}" type="datetimeFigureOut">
               <a:rPr lang="ko-KR" altLang="en-US" smtClean="0"/>
-              <a:t>2020-10-16</a:t>
+              <a:t>2020-11-29</a:t>
             </a:fld>
             <a:endParaRPr lang="ko-KR" altLang="en-US"/>
           </a:p>
@@ -1014,7 +1014,7 @@
           <a:p>
             <a:fld id="{9D02E618-62E5-4B7D-A1BE-0387DA28F371}" type="datetimeFigureOut">
               <a:rPr lang="ko-KR" altLang="en-US" smtClean="0"/>
-              <a:t>2020-10-16</a:t>
+              <a:t>2020-11-29</a:t>
             </a:fld>
             <a:endParaRPr lang="ko-KR" altLang="en-US"/>
           </a:p>
@@ -1246,7 +1246,7 @@
           <a:p>
             <a:fld id="{9D02E618-62E5-4B7D-A1BE-0387DA28F371}" type="datetimeFigureOut">
               <a:rPr lang="ko-KR" altLang="en-US" smtClean="0"/>
-              <a:t>2020-10-16</a:t>
+              <a:t>2020-11-29</a:t>
             </a:fld>
             <a:endParaRPr lang="ko-KR" altLang="en-US"/>
           </a:p>
@@ -1613,7 +1613,7 @@
           <a:p>
             <a:fld id="{9D02E618-62E5-4B7D-A1BE-0387DA28F371}" type="datetimeFigureOut">
               <a:rPr lang="ko-KR" altLang="en-US" smtClean="0"/>
-              <a:t>2020-10-16</a:t>
+              <a:t>2020-11-29</a:t>
             </a:fld>
             <a:endParaRPr lang="ko-KR" altLang="en-US"/>
           </a:p>
@@ -1731,7 +1731,7 @@
           <a:p>
             <a:fld id="{9D02E618-62E5-4B7D-A1BE-0387DA28F371}" type="datetimeFigureOut">
               <a:rPr lang="ko-KR" altLang="en-US" smtClean="0"/>
-              <a:t>2020-10-16</a:t>
+              <a:t>2020-11-29</a:t>
             </a:fld>
             <a:endParaRPr lang="ko-KR" altLang="en-US"/>
           </a:p>
@@ -1826,7 +1826,7 @@
           <a:p>
             <a:fld id="{9D02E618-62E5-4B7D-A1BE-0387DA28F371}" type="datetimeFigureOut">
               <a:rPr lang="ko-KR" altLang="en-US" smtClean="0"/>
-              <a:t>2020-10-16</a:t>
+              <a:t>2020-11-29</a:t>
             </a:fld>
             <a:endParaRPr lang="ko-KR" altLang="en-US"/>
           </a:p>
@@ -2103,7 +2103,7 @@
           <a:p>
             <a:fld id="{9D02E618-62E5-4B7D-A1BE-0387DA28F371}" type="datetimeFigureOut">
               <a:rPr lang="ko-KR" altLang="en-US" smtClean="0"/>
-              <a:t>2020-10-16</a:t>
+              <a:t>2020-11-29</a:t>
             </a:fld>
             <a:endParaRPr lang="ko-KR" altLang="en-US"/>
           </a:p>
@@ -2360,7 +2360,7 @@
           <a:p>
             <a:fld id="{9D02E618-62E5-4B7D-A1BE-0387DA28F371}" type="datetimeFigureOut">
               <a:rPr lang="ko-KR" altLang="en-US" smtClean="0"/>
-              <a:t>2020-10-16</a:t>
+              <a:t>2020-11-29</a:t>
             </a:fld>
             <a:endParaRPr lang="ko-KR" altLang="en-US"/>
           </a:p>
@@ -2573,7 +2573,7 @@
           <a:p>
             <a:fld id="{9D02E618-62E5-4B7D-A1BE-0387DA28F371}" type="datetimeFigureOut">
               <a:rPr lang="ko-KR" altLang="en-US" smtClean="0"/>
-              <a:t>2020-10-16</a:t>
+              <a:t>2020-11-29</a:t>
             </a:fld>
             <a:endParaRPr lang="ko-KR" altLang="en-US"/>
           </a:p>
@@ -3229,18 +3229,11 @@
           <a:p>
             <a:pPr algn="ctr"/>
             <a:r>
-              <a:rPr lang="ko-KR" altLang="en-US" sz="800" dirty="0" err="1">
-                <a:latin typeface="에스코어 드림 7 ExtraBold" panose="020B0803030302020204" pitchFamily="34" charset="-127"/>
-                <a:ea typeface="에스코어 드림 7 ExtraBold" panose="020B0803030302020204" pitchFamily="34" charset="-127"/>
-              </a:rPr>
-              <a:t>유스케이스</a:t>
-            </a:r>
-            <a:r>
               <a:rPr lang="ko-KR" altLang="en-US" sz="800" dirty="0">
                 <a:latin typeface="에스코어 드림 7 ExtraBold" panose="020B0803030302020204" pitchFamily="34" charset="-127"/>
                 <a:ea typeface="에스코어 드림 7 ExtraBold" panose="020B0803030302020204" pitchFamily="34" charset="-127"/>
               </a:rPr>
-              <a:t> 명세</a:t>
+              <a:t>유스케이스 명세</a:t>
             </a:r>
             <a:endParaRPr lang="en-US" altLang="ko-KR" sz="800" dirty="0">
               <a:latin typeface="에스코어 드림 7 ExtraBold" panose="020B0803030302020204" pitchFamily="34" charset="-127"/>
@@ -3449,7 +3442,7 @@
         </p:nvSpPr>
         <p:spPr>
           <a:xfrm>
-            <a:off x="7142872" y="4297179"/>
+            <a:off x="7142872" y="3997989"/>
             <a:ext cx="759384" cy="341182"/>
           </a:xfrm>
           <a:prstGeom prst="roundRect">
@@ -3511,7 +3504,7 @@
         </p:nvSpPr>
         <p:spPr>
           <a:xfrm>
-            <a:off x="7142872" y="4686666"/>
+            <a:off x="7142872" y="4384796"/>
             <a:ext cx="759384" cy="341182"/>
           </a:xfrm>
           <a:prstGeom prst="roundRect">
@@ -3714,19 +3707,17 @@
           </p:cNvPr>
           <p:cNvCxnSpPr>
             <a:cxnSpLocks/>
-            <a:stCxn id="55" idx="3"/>
-            <a:endCxn id="245" idx="1"/>
           </p:cNvCxnSpPr>
           <p:nvPr/>
         </p:nvCxnSpPr>
         <p:spPr>
           <a:xfrm flipV="1">
-            <a:off x="4825499" y="4063588"/>
-            <a:ext cx="2317373" cy="404182"/>
+            <a:off x="5537469" y="3847202"/>
+            <a:ext cx="2364786" cy="620568"/>
           </a:xfrm>
           <a:prstGeom prst="bentConnector3">
             <a:avLst>
-              <a:gd name="adj1" fmla="val 87266"/>
+              <a:gd name="adj1" fmla="val 54869"/>
             </a:avLst>
           </a:prstGeom>
           <a:ln w="28575">
@@ -3764,19 +3755,17 @@
           </p:cNvPr>
           <p:cNvCxnSpPr>
             <a:cxnSpLocks/>
-            <a:stCxn id="55" idx="3"/>
-            <a:endCxn id="57" idx="1"/>
           </p:cNvCxnSpPr>
           <p:nvPr/>
         </p:nvCxnSpPr>
         <p:spPr>
           <a:xfrm>
-            <a:off x="4825499" y="4467770"/>
-            <a:ext cx="2317373" cy="389487"/>
+            <a:off x="4825498" y="4467770"/>
+            <a:ext cx="2317373" cy="87617"/>
           </a:xfrm>
           <a:prstGeom prst="bentConnector3">
             <a:avLst>
-              <a:gd name="adj1" fmla="val 86992"/>
+              <a:gd name="adj1" fmla="val 87120"/>
             </a:avLst>
           </a:prstGeom>
           <a:ln w="28575">
@@ -4937,7 +4926,7 @@
         </p:nvSpPr>
         <p:spPr>
           <a:xfrm>
-            <a:off x="7142872" y="3892997"/>
+            <a:off x="7142872" y="3610350"/>
             <a:ext cx="759384" cy="341182"/>
           </a:xfrm>
           <a:prstGeom prst="roundRect">
@@ -5009,13 +4998,13 @@
           <p:nvPr/>
         </p:nvCxnSpPr>
         <p:spPr>
-          <a:xfrm>
-            <a:off x="4825499" y="4467770"/>
-            <a:ext cx="2317373" cy="12700"/>
+          <a:xfrm flipV="1">
+            <a:off x="4825499" y="4168580"/>
+            <a:ext cx="2317373" cy="299190"/>
           </a:xfrm>
           <a:prstGeom prst="bentConnector3">
             <a:avLst>
-              <a:gd name="adj1" fmla="val 87266"/>
+              <a:gd name="adj1" fmla="val 87120"/>
             </a:avLst>
           </a:prstGeom>
           <a:ln w="28575">
@@ -5086,6 +5075,114 @@
           </a:fillRef>
           <a:effectRef idx="0">
             <a:schemeClr val="accent1"/>
+          </a:effectRef>
+          <a:fontRef idx="minor">
+            <a:schemeClr val="tx1"/>
+          </a:fontRef>
+        </p:style>
+      </p:cxnSp>
+      <p:sp>
+        <p:nvSpPr>
+          <p:cNvPr id="39" name="사각형: 둥근 모서리 38">
+            <a:extLst>
+              <a:ext uri="{FF2B5EF4-FFF2-40B4-BE49-F238E27FC236}">
+                <a16:creationId xmlns:a16="http://schemas.microsoft.com/office/drawing/2014/main" id="{FCCFE6DA-A85B-4568-8D81-70F48DF35265}"/>
+              </a:ext>
+            </a:extLst>
+          </p:cNvPr>
+          <p:cNvSpPr/>
+          <p:nvPr/>
+        </p:nvSpPr>
+        <p:spPr>
+          <a:xfrm>
+            <a:off x="7142872" y="4766960"/>
+            <a:ext cx="759384" cy="341182"/>
+          </a:xfrm>
+          <a:prstGeom prst="roundRect">
+            <a:avLst/>
+          </a:prstGeom>
+          <a:solidFill>
+            <a:srgbClr val="B4C7E7"/>
+          </a:solidFill>
+          <a:ln>
+            <a:noFill/>
+          </a:ln>
+        </p:spPr>
+        <p:style>
+          <a:lnRef idx="2">
+            <a:schemeClr val="accent1">
+              <a:shade val="50000"/>
+            </a:schemeClr>
+          </a:lnRef>
+          <a:fillRef idx="1">
+            <a:schemeClr val="accent1"/>
+          </a:fillRef>
+          <a:effectRef idx="0">
+            <a:schemeClr val="accent1"/>
+          </a:effectRef>
+          <a:fontRef idx="minor">
+            <a:schemeClr val="lt1"/>
+          </a:fontRef>
+        </p:style>
+        <p:txBody>
+          <a:bodyPr rtlCol="0" anchor="ctr"/>
+          <a:lstStyle/>
+          <a:p>
+            <a:pPr algn="ctr"/>
+            <a:r>
+              <a:rPr lang="ko-KR" altLang="en-US" sz="800" dirty="0">
+                <a:latin typeface="에스코어 드림 7 ExtraBold" panose="020B0803030302020204" pitchFamily="34" charset="-127"/>
+                <a:ea typeface="에스코어 드림 7 ExtraBold" panose="020B0803030302020204" pitchFamily="34" charset="-127"/>
+              </a:rPr>
+              <a:t>인수 테스트</a:t>
+            </a:r>
+            <a:endParaRPr lang="en-US" altLang="ko-KR" sz="800" dirty="0">
+              <a:latin typeface="에스코어 드림 7 ExtraBold" panose="020B0803030302020204" pitchFamily="34" charset="-127"/>
+              <a:ea typeface="에스코어 드림 7 ExtraBold" panose="020B0803030302020204" pitchFamily="34" charset="-127"/>
+            </a:endParaRPr>
+          </a:p>
+        </p:txBody>
+      </p:sp>
+      <p:cxnSp>
+        <p:nvCxnSpPr>
+          <p:cNvPr id="22" name="연결선: 꺾임 21">
+            <a:extLst>
+              <a:ext uri="{FF2B5EF4-FFF2-40B4-BE49-F238E27FC236}">
+                <a16:creationId xmlns:a16="http://schemas.microsoft.com/office/drawing/2014/main" id="{D8353A3E-8563-45E7-9F1F-3DD2E1CDAFB6}"/>
+              </a:ext>
+            </a:extLst>
+          </p:cNvPr>
+          <p:cNvCxnSpPr>
+            <a:stCxn id="55" idx="3"/>
+            <a:endCxn id="39" idx="1"/>
+          </p:cNvCxnSpPr>
+          <p:nvPr/>
+        </p:nvCxnSpPr>
+        <p:spPr>
+          <a:xfrm>
+            <a:off x="4825499" y="4467770"/>
+            <a:ext cx="2317373" cy="469781"/>
+          </a:xfrm>
+          <a:prstGeom prst="bentConnector3">
+            <a:avLst>
+              <a:gd name="adj1" fmla="val 87120"/>
+            </a:avLst>
+          </a:prstGeom>
+          <a:ln>
+            <a:solidFill>
+              <a:srgbClr val="B4C7E7"/>
+            </a:solidFill>
+          </a:ln>
+        </p:spPr>
+        <p:style>
+          <a:lnRef idx="3">
+            <a:schemeClr val="accent5"/>
+          </a:lnRef>
+          <a:fillRef idx="0">
+            <a:schemeClr val="accent5"/>
+          </a:fillRef>
+          <a:effectRef idx="2">
+            <a:schemeClr val="accent5"/>
           </a:effectRef>
           <a:fontRef idx="minor">
             <a:schemeClr val="tx1"/>
@@ -6203,14 +6300,14 @@
           <p:nvPr>
             <p:extLst>
               <p:ext uri="{D42A27DB-BD31-4B8C-83A1-F6EECF244321}">
-                <p14:modId xmlns:p14="http://schemas.microsoft.com/office/powerpoint/2010/main" val="1075911810"/>
+                <p14:modId xmlns:p14="http://schemas.microsoft.com/office/powerpoint/2010/main" val="2608554830"/>
               </p:ext>
             </p:extLst>
           </p:nvPr>
         </p:nvGraphicFramePr>
         <p:xfrm>
           <a:off x="1219200" y="812154"/>
-          <a:ext cx="6086476" cy="3317245"/>
+          <a:ext cx="6086476" cy="3766577"/>
         </p:xfrm>
         <a:graphic>
           <a:graphicData uri="http://schemas.openxmlformats.org/drawingml/2006/table">
@@ -6346,18 +6443,11 @@
                         <a:t>, </a:t>
                       </a:r>
                       <a:r>
-                        <a:rPr lang="ko-KR" altLang="en-US" sz="1400" dirty="0" err="1">
-                          <a:latin typeface="에스코어 드림 6 Bold" panose="020B0703030302020204" pitchFamily="34" charset="-127"/>
-                          <a:ea typeface="에스코어 드림 6 Bold" panose="020B0703030302020204" pitchFamily="34" charset="-127"/>
-                        </a:rPr>
-                        <a:t>유스케이스</a:t>
-                      </a:r>
-                      <a:r>
                         <a:rPr lang="ko-KR" altLang="en-US" sz="1400" dirty="0">
                           <a:latin typeface="에스코어 드림 6 Bold" panose="020B0703030302020204" pitchFamily="34" charset="-127"/>
                           <a:ea typeface="에스코어 드림 6 Bold" panose="020B0703030302020204" pitchFamily="34" charset="-127"/>
                         </a:rPr>
-                        <a:t> 명세</a:t>
+                        <a:t>유스케이스 명세</a:t>
                       </a:r>
                     </a:p>
                   </a:txBody>
@@ -6466,18 +6556,11 @@
                         <a:t>, </a:t>
                       </a:r>
                       <a:r>
-                        <a:rPr lang="ko-KR" altLang="en-US" sz="1400" dirty="0" err="1">
-                          <a:latin typeface="에스코어 드림 6 Bold" panose="020B0703030302020204" pitchFamily="34" charset="-127"/>
-                          <a:ea typeface="에스코어 드림 6 Bold" panose="020B0703030302020204" pitchFamily="34" charset="-127"/>
-                        </a:rPr>
-                        <a:t>유스케이스</a:t>
-                      </a:r>
-                      <a:r>
                         <a:rPr lang="ko-KR" altLang="en-US" sz="1400" dirty="0">
                           <a:latin typeface="에스코어 드림 6 Bold" panose="020B0703030302020204" pitchFamily="34" charset="-127"/>
                           <a:ea typeface="에스코어 드림 6 Bold" panose="020B0703030302020204" pitchFamily="34" charset="-127"/>
                         </a:rPr>
-                        <a:t> 명세</a:t>
+                        <a:t>유스케이스 명세</a:t>
                       </a:r>
                     </a:p>
                   </a:txBody>
@@ -6804,7 +6887,7 @@
                           <a:latin typeface="에스코어 드림 6 Bold" panose="020B0703030302020204" pitchFamily="34" charset="-127"/>
                           <a:ea typeface="에스코어 드림 6 Bold" panose="020B0703030302020204" pitchFamily="34" charset="-127"/>
                         </a:rPr>
-                        <a:t>2</a:t>
+                        <a:t>5</a:t>
                       </a:r>
                       <a:endParaRPr lang="ko-KR" altLang="en-US" sz="1400" dirty="0">
                         <a:latin typeface="에스코어 드림 6 Bold" panose="020B0703030302020204" pitchFamily="34" charset="-127"/>
@@ -6935,7 +7018,7 @@
                           <a:latin typeface="에스코어 드림 6 Bold" panose="020B0703030302020204" pitchFamily="34" charset="-127"/>
                           <a:ea typeface="에스코어 드림 6 Bold" panose="020B0703030302020204" pitchFamily="34" charset="-127"/>
                         </a:rPr>
-                        <a:t>3</a:t>
+                        <a:t>6</a:t>
                       </a:r>
                       <a:endParaRPr lang="ko-KR" altLang="en-US" sz="1400" dirty="0">
                         <a:latin typeface="에스코어 드림 6 Bold" panose="020B0703030302020204" pitchFamily="34" charset="-127"/>
@@ -7004,7 +7087,7 @@
                           <a:latin typeface="에스코어 드림 6 Bold" panose="020B0703030302020204" pitchFamily="34" charset="-127"/>
                           <a:ea typeface="에스코어 드림 6 Bold" panose="020B0703030302020204" pitchFamily="34" charset="-127"/>
                         </a:rPr>
-                        <a:t>3</a:t>
+                        <a:t>6</a:t>
                       </a:r>
                       <a:endParaRPr lang="ko-KR" altLang="en-US" sz="1400" dirty="0">
                         <a:latin typeface="에스코어 드림 6 Bold" panose="020B0703030302020204" pitchFamily="34" charset="-127"/>
@@ -7163,7 +7246,7 @@
                           <a:latin typeface="에스코어 드림 6 Bold" panose="020B0703030302020204" pitchFamily="34" charset="-127"/>
                           <a:ea typeface="에스코어 드림 6 Bold" panose="020B0703030302020204" pitchFamily="34" charset="-127"/>
                         </a:rPr>
-                        <a:t>5</a:t>
+                        <a:t>3</a:t>
                       </a:r>
                       <a:endParaRPr lang="ko-KR" altLang="en-US" sz="1400" dirty="0">
                         <a:latin typeface="에스코어 드림 6 Bold" panose="020B0703030302020204" pitchFamily="34" charset="-127"/>
@@ -7225,7 +7308,7 @@
                           <a:latin typeface="에스코어 드림 6 Bold" panose="020B0703030302020204" pitchFamily="34" charset="-127"/>
                           <a:ea typeface="에스코어 드림 6 Bold" panose="020B0703030302020204" pitchFamily="34" charset="-127"/>
                         </a:rPr>
-                        <a:t>5</a:t>
+                        <a:t>3</a:t>
                       </a:r>
                       <a:endParaRPr lang="ko-KR" altLang="en-US" sz="1400" dirty="0">
                         <a:latin typeface="에스코어 드림 6 Bold" panose="020B0703030302020204" pitchFamily="34" charset="-127"/>
@@ -7300,6 +7383,68 @@
                 <a:extLst>
                   <a:ext uri="{0D108BD9-81ED-4DB2-BD59-A6C34878D82A}">
                     <a16:rowId xmlns:a16="http://schemas.microsoft.com/office/drawing/2014/main" val="3958313783"/>
+                  </a:ext>
+                </a:extLst>
+              </a:tr>
+              <a:tr h="224591">
+                <a:tc>
+                  <a:txBody>
+                    <a:bodyPr/>
+                    <a:lstStyle/>
+                    <a:p>
+                      <a:pPr algn="ctr" latinLnBrk="1"/>
+                      <a:r>
+                        <a:rPr lang="ko-KR" altLang="en-US" sz="1400" dirty="0">
+                          <a:latin typeface="에스코어 드림 6 Bold" panose="020B0703030302020204" pitchFamily="34" charset="-127"/>
+                          <a:ea typeface="에스코어 드림 6 Bold" panose="020B0703030302020204" pitchFamily="34" charset="-127"/>
+                        </a:rPr>
+                        <a:t>최종 검수 및 배포</a:t>
+                      </a:r>
+                    </a:p>
+                  </a:txBody>
+                  <a:tcPr marL="22612" marR="22612" marT="11306" marB="11306"/>
+                </a:tc>
+                <a:tc>
+                  <a:txBody>
+                    <a:bodyPr/>
+                    <a:lstStyle/>
+                    <a:p>
+                      <a:pPr algn="ctr" latinLnBrk="1"/>
+                      <a:r>
+                        <a:rPr lang="ko-KR" altLang="en-US" sz="1400" dirty="0">
+                          <a:latin typeface="에스코어 드림 6 Bold" panose="020B0703030302020204" pitchFamily="34" charset="-127"/>
+                          <a:ea typeface="에스코어 드림 6 Bold" panose="020B0703030302020204" pitchFamily="34" charset="-127"/>
+                        </a:rPr>
+                        <a:t>인수 테스트</a:t>
+                      </a:r>
+                    </a:p>
+                  </a:txBody>
+                  <a:tcPr marL="22612" marR="22612" marT="11306" marB="11306"/>
+                </a:tc>
+                <a:tc>
+                  <a:txBody>
+                    <a:bodyPr/>
+                    <a:lstStyle/>
+                    <a:p>
+                      <a:pPr algn="ctr" latinLnBrk="1"/>
+                      <a:r>
+                        <a:rPr lang="en-US" altLang="ko-KR" sz="1400" dirty="0">
+                          <a:latin typeface="에스코어 드림 6 Bold" panose="020B0703030302020204" pitchFamily="34" charset="-127"/>
+                          <a:ea typeface="에스코어 드림 6 Bold" panose="020B0703030302020204" pitchFamily="34" charset="-127"/>
+                        </a:rPr>
+                        <a:t>4</a:t>
+                      </a:r>
+                      <a:endParaRPr lang="ko-KR" altLang="en-US" sz="1400" dirty="0">
+                        <a:latin typeface="에스코어 드림 6 Bold" panose="020B0703030302020204" pitchFamily="34" charset="-127"/>
+                        <a:ea typeface="에스코어 드림 6 Bold" panose="020B0703030302020204" pitchFamily="34" charset="-127"/>
+                      </a:endParaRPr>
+                    </a:p>
+                  </a:txBody>
+                  <a:tcPr marL="22612" marR="22612" marT="11306" marB="11306"/>
+                </a:tc>
+                <a:extLst>
+                  <a:ext uri="{0D108BD9-81ED-4DB2-BD59-A6C34878D82A}">
+                    <a16:rowId xmlns:a16="http://schemas.microsoft.com/office/drawing/2014/main" val="1024844427"/>
                   </a:ext>
                 </a:extLst>
               </a:tr>
@@ -7674,14 +7819,14 @@
           <p:nvPr>
             <p:extLst>
               <p:ext uri="{D42A27DB-BD31-4B8C-83A1-F6EECF244321}">
-                <p14:modId xmlns:p14="http://schemas.microsoft.com/office/powerpoint/2010/main" val="546381385"/>
+                <p14:modId xmlns:p14="http://schemas.microsoft.com/office/powerpoint/2010/main" val="3412999430"/>
               </p:ext>
             </p:extLst>
           </p:nvPr>
         </p:nvGraphicFramePr>
         <p:xfrm>
           <a:off x="255578" y="1570154"/>
-          <a:ext cx="2998555" cy="3303608"/>
+          <a:ext cx="2998555" cy="3539580"/>
         </p:xfrm>
         <a:graphic>
           <a:graphicData uri="http://schemas.openxmlformats.org/drawingml/2006/table">
@@ -7768,18 +7913,11 @@
                         <a:t>, </a:t>
                       </a:r>
                       <a:r>
-                        <a:rPr lang="ko-KR" altLang="en-US" sz="1400" dirty="0" err="1">
-                          <a:latin typeface="에스코어 드림 6 Bold" panose="020B0703030302020204" pitchFamily="34" charset="-127"/>
-                          <a:ea typeface="에스코어 드림 6 Bold" panose="020B0703030302020204" pitchFamily="34" charset="-127"/>
-                        </a:rPr>
-                        <a:t>유스케이스</a:t>
-                      </a:r>
-                      <a:r>
                         <a:rPr lang="ko-KR" altLang="en-US" sz="1400" dirty="0">
                           <a:latin typeface="에스코어 드림 6 Bold" panose="020B0703030302020204" pitchFamily="34" charset="-127"/>
                           <a:ea typeface="에스코어 드림 6 Bold" panose="020B0703030302020204" pitchFamily="34" charset="-127"/>
                         </a:rPr>
-                        <a:t> 명세</a:t>
+                        <a:t>유스케이스 명세</a:t>
                       </a:r>
                     </a:p>
                   </a:txBody>
@@ -8388,6 +8526,51 @@
                 <a:extLst>
                   <a:ext uri="{0D108BD9-81ED-4DB2-BD59-A6C34878D82A}">
                     <a16:rowId xmlns:a16="http://schemas.microsoft.com/office/drawing/2014/main" val="3958313783"/>
+                  </a:ext>
+                </a:extLst>
+              </a:tr>
+              <a:tr h="102621">
+                <a:tc>
+                  <a:txBody>
+                    <a:bodyPr/>
+                    <a:lstStyle/>
+                    <a:p>
+                      <a:pPr algn="ctr" latinLnBrk="1"/>
+                      <a:r>
+                        <a:rPr lang="ko-KR" altLang="en-US" sz="1400" dirty="0">
+                          <a:latin typeface="에스코어 드림 6 Bold" panose="020B0703030302020204" pitchFamily="34" charset="-127"/>
+                          <a:ea typeface="에스코어 드림 6 Bold" panose="020B0703030302020204" pitchFamily="34" charset="-127"/>
+                        </a:rPr>
+                        <a:t>최종 검수 및 배포</a:t>
+                      </a:r>
+                    </a:p>
+                  </a:txBody>
+                  <a:tcPr marL="22612" marR="22612" marT="11306" marB="11306"/>
+                </a:tc>
+                <a:tc>
+                  <a:txBody>
+                    <a:bodyPr/>
+                    <a:lstStyle/>
+                    <a:p>
+                      <a:pPr algn="ctr" latinLnBrk="1"/>
+                      <a:r>
+                        <a:rPr lang="en-US" altLang="ko-KR" sz="1400" dirty="0">
+                          <a:latin typeface="에스코어 드림 6 Bold" panose="020B0703030302020204" pitchFamily="34" charset="-127"/>
+                          <a:ea typeface="에스코어 드림 6 Bold" panose="020B0703030302020204" pitchFamily="34" charset="-127"/>
+                        </a:rPr>
+                        <a:t>I</a:t>
+                      </a:r>
+                      <a:endParaRPr lang="ko-KR" altLang="en-US" sz="1400" dirty="0">
+                        <a:latin typeface="에스코어 드림 6 Bold" panose="020B0703030302020204" pitchFamily="34" charset="-127"/>
+                        <a:ea typeface="에스코어 드림 6 Bold" panose="020B0703030302020204" pitchFamily="34" charset="-127"/>
+                      </a:endParaRPr>
+                    </a:p>
+                  </a:txBody>
+                  <a:tcPr marL="22612" marR="22612" marT="11306" marB="11306"/>
+                </a:tc>
+                <a:extLst>
+                  <a:ext uri="{0D108BD9-81ED-4DB2-BD59-A6C34878D82A}">
+                    <a16:rowId xmlns:a16="http://schemas.microsoft.com/office/drawing/2014/main" val="3752022207"/>
                   </a:ext>
                 </a:extLst>
               </a:tr>
@@ -8410,14 +8593,14 @@
           <p:nvPr>
             <p:extLst>
               <p:ext uri="{D42A27DB-BD31-4B8C-83A1-F6EECF244321}">
-                <p14:modId xmlns:p14="http://schemas.microsoft.com/office/powerpoint/2010/main" val="1608407731"/>
+                <p14:modId xmlns:p14="http://schemas.microsoft.com/office/powerpoint/2010/main" val="2945242370"/>
               </p:ext>
             </p:extLst>
           </p:nvPr>
         </p:nvGraphicFramePr>
         <p:xfrm>
           <a:off x="3595606" y="3641455"/>
-          <a:ext cx="5173748" cy="1200426"/>
+          <a:ext cx="5177391" cy="1200426"/>
         </p:xfrm>
         <a:graphic>
           <a:graphicData uri="http://schemas.openxmlformats.org/drawingml/2006/table">
@@ -8426,101 +8609,108 @@
                 <a:tableStyleId>{5C22544A-7EE6-4342-B048-85BDC9FD1C3A}</a:tableStyleId>
               </a:tblPr>
               <a:tblGrid>
-                <a:gridCol w="1028607">
+                <a:gridCol w="968894">
                   <a:extLst>
                     <a:ext uri="{9D8B030D-6E8A-4147-A177-3AD203B41FA5}">
                       <a16:colId xmlns:a16="http://schemas.microsoft.com/office/drawing/2014/main" val="4216355540"/>
                     </a:ext>
                   </a:extLst>
                 </a:gridCol>
-                <a:gridCol w="318857">
+                <a:gridCol w="300347">
                   <a:extLst>
                     <a:ext uri="{9D8B030D-6E8A-4147-A177-3AD203B41FA5}">
                       <a16:colId xmlns:a16="http://schemas.microsoft.com/office/drawing/2014/main" val="456482793"/>
                     </a:ext>
                   </a:extLst>
                 </a:gridCol>
-                <a:gridCol w="318857">
+                <a:gridCol w="300347">
                   <a:extLst>
                     <a:ext uri="{9D8B030D-6E8A-4147-A177-3AD203B41FA5}">
                       <a16:colId xmlns:a16="http://schemas.microsoft.com/office/drawing/2014/main" val="2934366909"/>
                     </a:ext>
                   </a:extLst>
                 </a:gridCol>
-                <a:gridCol w="318857">
+                <a:gridCol w="300347">
                   <a:extLst>
                     <a:ext uri="{9D8B030D-6E8A-4147-A177-3AD203B41FA5}">
                       <a16:colId xmlns:a16="http://schemas.microsoft.com/office/drawing/2014/main" val="412540030"/>
                     </a:ext>
                   </a:extLst>
                 </a:gridCol>
-                <a:gridCol w="318857">
+                <a:gridCol w="300347">
                   <a:extLst>
                     <a:ext uri="{9D8B030D-6E8A-4147-A177-3AD203B41FA5}">
                       <a16:colId xmlns:a16="http://schemas.microsoft.com/office/drawing/2014/main" val="1634408824"/>
                     </a:ext>
                   </a:extLst>
                 </a:gridCol>
-                <a:gridCol w="318857">
+                <a:gridCol w="300347">
                   <a:extLst>
                     <a:ext uri="{9D8B030D-6E8A-4147-A177-3AD203B41FA5}">
                       <a16:colId xmlns:a16="http://schemas.microsoft.com/office/drawing/2014/main" val="156094854"/>
                     </a:ext>
                   </a:extLst>
                 </a:gridCol>
-                <a:gridCol w="318857">
+                <a:gridCol w="300347">
                   <a:extLst>
                     <a:ext uri="{9D8B030D-6E8A-4147-A177-3AD203B41FA5}">
                       <a16:colId xmlns:a16="http://schemas.microsoft.com/office/drawing/2014/main" val="1737990369"/>
                     </a:ext>
                   </a:extLst>
                 </a:gridCol>
-                <a:gridCol w="318857">
+                <a:gridCol w="300347">
                   <a:extLst>
                     <a:ext uri="{9D8B030D-6E8A-4147-A177-3AD203B41FA5}">
                       <a16:colId xmlns:a16="http://schemas.microsoft.com/office/drawing/2014/main" val="2965070052"/>
                     </a:ext>
                   </a:extLst>
                 </a:gridCol>
-                <a:gridCol w="318857">
+                <a:gridCol w="300347">
                   <a:extLst>
                     <a:ext uri="{9D8B030D-6E8A-4147-A177-3AD203B41FA5}">
                       <a16:colId xmlns:a16="http://schemas.microsoft.com/office/drawing/2014/main" val="2571508947"/>
                     </a:ext>
                   </a:extLst>
                 </a:gridCol>
-                <a:gridCol w="318857">
+                <a:gridCol w="300347">
                   <a:extLst>
                     <a:ext uri="{9D8B030D-6E8A-4147-A177-3AD203B41FA5}">
                       <a16:colId xmlns:a16="http://schemas.microsoft.com/office/drawing/2014/main" val="439589201"/>
                     </a:ext>
                   </a:extLst>
                 </a:gridCol>
-                <a:gridCol w="318857">
+                <a:gridCol w="300347">
                   <a:extLst>
                     <a:ext uri="{9D8B030D-6E8A-4147-A177-3AD203B41FA5}">
                       <a16:colId xmlns:a16="http://schemas.microsoft.com/office/drawing/2014/main" val="488520184"/>
                     </a:ext>
                   </a:extLst>
                 </a:gridCol>
-                <a:gridCol w="318857">
+                <a:gridCol w="300347">
                   <a:extLst>
                     <a:ext uri="{9D8B030D-6E8A-4147-A177-3AD203B41FA5}">
                       <a16:colId xmlns:a16="http://schemas.microsoft.com/office/drawing/2014/main" val="226790359"/>
                     </a:ext>
                   </a:extLst>
                 </a:gridCol>
-                <a:gridCol w="318857">
+                <a:gridCol w="300347">
                   <a:extLst>
                     <a:ext uri="{9D8B030D-6E8A-4147-A177-3AD203B41FA5}">
                       <a16:colId xmlns:a16="http://schemas.microsoft.com/office/drawing/2014/main" val="2241892250"/>
                     </a:ext>
                   </a:extLst>
                 </a:gridCol>
-                <a:gridCol w="318857">
+                <a:gridCol w="303986">
                   <a:extLst>
                     <a:ext uri="{9D8B030D-6E8A-4147-A177-3AD203B41FA5}">
                       <a16:colId xmlns:a16="http://schemas.microsoft.com/office/drawing/2014/main" val="675741055"/>
+                    </a:ext>
+                  </a:extLst>
+                </a:gridCol>
+                <a:gridCol w="300347">
+                  <a:extLst>
+                    <a:ext uri="{9D8B030D-6E8A-4147-A177-3AD203B41FA5}">
+                      <a16:colId xmlns:a16="http://schemas.microsoft.com/office/drawing/2014/main" val="256042876"/>
                     </a:ext>
                   </a:extLst>
                 </a:gridCol>
@@ -8832,6 +9022,43 @@
                   </a:txBody>
                   <a:tcPr marL="22612" marR="22612" marT="11306" marB="11306"/>
                 </a:tc>
+                <a:tc>
+                  <a:txBody>
+                    <a:bodyPr/>
+                    <a:lstStyle/>
+                    <a:p>
+                      <a:pPr marL="0" marR="0" lvl="0" indent="0" algn="ctr" defTabSz="685800" rtl="0" eaLnBrk="1" fontAlgn="auto" latinLnBrk="1" hangingPunct="1">
+                        <a:lnSpc>
+                          <a:spcPct val="100000"/>
+                        </a:lnSpc>
+                        <a:spcBef>
+                          <a:spcPts val="0"/>
+                        </a:spcBef>
+                        <a:spcAft>
+                          <a:spcPts val="0"/>
+                        </a:spcAft>
+                        <a:buClrTx/>
+                        <a:buSzTx/>
+                        <a:buFontTx/>
+                        <a:buNone/>
+                        <a:tabLst/>
+                        <a:defRPr/>
+                      </a:pPr>
+                      <a:r>
+                        <a:rPr lang="en-US" altLang="ko-KR" sz="1400" dirty="0">
+                          <a:latin typeface="에스코어 드림 6 Bold" panose="020B0703030302020204" pitchFamily="34" charset="-127"/>
+                          <a:ea typeface="에스코어 드림 6 Bold" panose="020B0703030302020204" pitchFamily="34" charset="-127"/>
+                        </a:rPr>
+                        <a:t>I</a:t>
+                      </a:r>
+                      <a:endParaRPr lang="ko-KR" altLang="en-US" sz="1400" dirty="0">
+                        <a:latin typeface="에스코어 드림 6 Bold" panose="020B0703030302020204" pitchFamily="34" charset="-127"/>
+                        <a:ea typeface="에스코어 드림 6 Bold" panose="020B0703030302020204" pitchFamily="34" charset="-127"/>
+                      </a:endParaRPr>
+                    </a:p>
+                  </a:txBody>
+                  <a:tcPr marL="22612" marR="22612" marT="11306" marB="11306"/>
+                </a:tc>
                 <a:extLst>
                   <a:ext uri="{0D108BD9-81ED-4DB2-BD59-A6C34878D82A}">
                     <a16:rowId xmlns:a16="http://schemas.microsoft.com/office/drawing/2014/main" val="1789909425"/>
@@ -8993,7 +9220,7 @@
                           <a:latin typeface="에스코어 드림 6 Bold" panose="020B0703030302020204" pitchFamily="34" charset="-127"/>
                           <a:ea typeface="에스코어 드림 6 Bold" panose="020B0703030302020204" pitchFamily="34" charset="-127"/>
                         </a:rPr>
-                        <a:t>12</a:t>
+                        <a:t>15</a:t>
                       </a:r>
                       <a:endParaRPr lang="ko-KR" altLang="en-US" sz="1400" dirty="0">
                         <a:latin typeface="에스코어 드림 6 Bold" panose="020B0703030302020204" pitchFamily="34" charset="-127"/>
@@ -9014,7 +9241,7 @@
                           <a:latin typeface="에스코어 드림 6 Bold" panose="020B0703030302020204" pitchFamily="34" charset="-127"/>
                           <a:ea typeface="에스코어 드림 6 Bold" panose="020B0703030302020204" pitchFamily="34" charset="-127"/>
                         </a:rPr>
-                        <a:t>12</a:t>
+                        <a:t>15</a:t>
                       </a:r>
                       <a:endParaRPr lang="ko-KR" altLang="en-US" sz="1400" dirty="0">
                         <a:latin typeface="에스코어 드림 6 Bold" panose="020B0703030302020204" pitchFamily="34" charset="-127"/>
@@ -9035,7 +9262,7 @@
                           <a:latin typeface="에스코어 드림 6 Bold" panose="020B0703030302020204" pitchFamily="34" charset="-127"/>
                           <a:ea typeface="에스코어 드림 6 Bold" panose="020B0703030302020204" pitchFamily="34" charset="-127"/>
                         </a:rPr>
-                        <a:t>12</a:t>
+                        <a:t>15</a:t>
                       </a:r>
                       <a:endParaRPr lang="ko-KR" altLang="en-US" sz="1400" dirty="0">
                         <a:latin typeface="에스코어 드림 6 Bold" panose="020B0703030302020204" pitchFamily="34" charset="-127"/>
@@ -9056,7 +9283,7 @@
                           <a:latin typeface="에스코어 드림 6 Bold" panose="020B0703030302020204" pitchFamily="34" charset="-127"/>
                           <a:ea typeface="에스코어 드림 6 Bold" panose="020B0703030302020204" pitchFamily="34" charset="-127"/>
                         </a:rPr>
-                        <a:t>21</a:t>
+                        <a:t>24</a:t>
                       </a:r>
                       <a:endParaRPr lang="ko-KR" altLang="en-US" sz="1400" dirty="0">
                         <a:latin typeface="에스코어 드림 6 Bold" panose="020B0703030302020204" pitchFamily="34" charset="-127"/>
@@ -9077,7 +9304,7 @@
                           <a:latin typeface="에스코어 드림 6 Bold" panose="020B0703030302020204" pitchFamily="34" charset="-127"/>
                           <a:ea typeface="에스코어 드림 6 Bold" panose="020B0703030302020204" pitchFamily="34" charset="-127"/>
                         </a:rPr>
-                        <a:t>31</a:t>
+                        <a:t>34</a:t>
                       </a:r>
                       <a:endParaRPr lang="ko-KR" altLang="en-US" sz="1400" dirty="0">
                         <a:latin typeface="에스코어 드림 6 Bold" panose="020B0703030302020204" pitchFamily="34" charset="-127"/>
@@ -9098,7 +9325,7 @@
                           <a:latin typeface="에스코어 드림 6 Bold" panose="020B0703030302020204" pitchFamily="34" charset="-127"/>
                           <a:ea typeface="에스코어 드림 6 Bold" panose="020B0703030302020204" pitchFamily="34" charset="-127"/>
                         </a:rPr>
-                        <a:t>31</a:t>
+                        <a:t>34</a:t>
                       </a:r>
                       <a:endParaRPr lang="ko-KR" altLang="en-US" sz="1400" dirty="0">
                         <a:latin typeface="에스코어 드림 6 Bold" panose="020B0703030302020204" pitchFamily="34" charset="-127"/>
@@ -9119,7 +9346,28 @@
                           <a:latin typeface="에스코어 드림 6 Bold" panose="020B0703030302020204" pitchFamily="34" charset="-127"/>
                           <a:ea typeface="에스코어 드림 6 Bold" panose="020B0703030302020204" pitchFamily="34" charset="-127"/>
                         </a:rPr>
-                        <a:t>36</a:t>
+                        <a:t>37</a:t>
+                      </a:r>
+                      <a:endParaRPr lang="ko-KR" altLang="en-US" sz="1400" dirty="0">
+                        <a:latin typeface="에스코어 드림 6 Bold" panose="020B0703030302020204" pitchFamily="34" charset="-127"/>
+                        <a:ea typeface="에스코어 드림 6 Bold" panose="020B0703030302020204" pitchFamily="34" charset="-127"/>
+                      </a:endParaRPr>
+                    </a:p>
+                  </a:txBody>
+                  <a:tcPr marL="22612" marR="22612" marT="11306" marB="11306"/>
+                </a:tc>
+                <a:tc>
+                  <a:txBody>
+                    <a:bodyPr/>
+                    <a:lstStyle/>
+                    <a:p>
+                      <a:pPr algn="ctr" latinLnBrk="1"/>
+                      <a:r>
+                        <a:rPr lang="en-US" altLang="ko-KR" sz="1400" dirty="0">
+                          <a:latin typeface="에스코어 드림 6 Bold" panose="020B0703030302020204" pitchFamily="34" charset="-127"/>
+                          <a:ea typeface="에스코어 드림 6 Bold" panose="020B0703030302020204" pitchFamily="34" charset="-127"/>
+                        </a:rPr>
+                        <a:t>39</a:t>
                       </a:r>
                       <a:endParaRPr lang="ko-KR" altLang="en-US" sz="1400" dirty="0">
                         <a:latin typeface="에스코어 드림 6 Bold" panose="020B0703030302020204" pitchFamily="34" charset="-127"/>
@@ -9269,7 +9517,7 @@
                           <a:latin typeface="에스코어 드림 6 Bold" panose="020B0703030302020204" pitchFamily="34" charset="-127"/>
                           <a:ea typeface="에스코어 드림 6 Bold" panose="020B0703030302020204" pitchFamily="34" charset="-127"/>
                         </a:rPr>
-                        <a:t>2</a:t>
+                        <a:t>5</a:t>
                       </a:r>
                       <a:endParaRPr lang="ko-KR" altLang="en-US" sz="1400" dirty="0">
                         <a:latin typeface="에스코어 드림 6 Bold" panose="020B0703030302020204" pitchFamily="34" charset="-127"/>
@@ -9311,7 +9559,7 @@
                           <a:latin typeface="에스코어 드림 6 Bold" panose="020B0703030302020204" pitchFamily="34" charset="-127"/>
                           <a:ea typeface="에스코어 드림 6 Bold" panose="020B0703030302020204" pitchFamily="34" charset="-127"/>
                         </a:rPr>
-                        <a:t>3</a:t>
+                        <a:t>6</a:t>
                       </a:r>
                       <a:endParaRPr lang="ko-KR" altLang="en-US" sz="1400" dirty="0">
                         <a:latin typeface="에스코어 드림 6 Bold" panose="020B0703030302020204" pitchFamily="34" charset="-127"/>
@@ -9332,7 +9580,7 @@
                           <a:latin typeface="에스코어 드림 6 Bold" panose="020B0703030302020204" pitchFamily="34" charset="-127"/>
                           <a:ea typeface="에스코어 드림 6 Bold" panose="020B0703030302020204" pitchFamily="34" charset="-127"/>
                         </a:rPr>
-                        <a:t>3</a:t>
+                        <a:t>6</a:t>
                       </a:r>
                       <a:endParaRPr lang="ko-KR" altLang="en-US" sz="1400" dirty="0">
                         <a:latin typeface="에스코어 드림 6 Bold" panose="020B0703030302020204" pitchFamily="34" charset="-127"/>
@@ -9374,7 +9622,7 @@
                           <a:latin typeface="에스코어 드림 6 Bold" panose="020B0703030302020204" pitchFamily="34" charset="-127"/>
                           <a:ea typeface="에스코어 드림 6 Bold" panose="020B0703030302020204" pitchFamily="34" charset="-127"/>
                         </a:rPr>
-                        <a:t>5</a:t>
+                        <a:t>3</a:t>
                       </a:r>
                       <a:endParaRPr lang="ko-KR" altLang="en-US" sz="1400" dirty="0">
                         <a:latin typeface="에스코어 드림 6 Bold" panose="020B0703030302020204" pitchFamily="34" charset="-127"/>
@@ -9395,7 +9643,7 @@
                           <a:latin typeface="에스코어 드림 6 Bold" panose="020B0703030302020204" pitchFamily="34" charset="-127"/>
                           <a:ea typeface="에스코어 드림 6 Bold" panose="020B0703030302020204" pitchFamily="34" charset="-127"/>
                         </a:rPr>
-                        <a:t>5</a:t>
+                        <a:t>3</a:t>
                       </a:r>
                       <a:endParaRPr lang="ko-KR" altLang="en-US" sz="1400" dirty="0">
                         <a:latin typeface="에스코어 드림 6 Bold" panose="020B0703030302020204" pitchFamily="34" charset="-127"/>
@@ -9417,6 +9665,27 @@
                           <a:ea typeface="에스코어 드림 6 Bold" panose="020B0703030302020204" pitchFamily="34" charset="-127"/>
                         </a:rPr>
                         <a:t>2</a:t>
+                      </a:r>
+                      <a:endParaRPr lang="ko-KR" altLang="en-US" sz="1400" dirty="0">
+                        <a:latin typeface="에스코어 드림 6 Bold" panose="020B0703030302020204" pitchFamily="34" charset="-127"/>
+                        <a:ea typeface="에스코어 드림 6 Bold" panose="020B0703030302020204" pitchFamily="34" charset="-127"/>
+                      </a:endParaRPr>
+                    </a:p>
+                  </a:txBody>
+                  <a:tcPr marL="22612" marR="22612" marT="11306" marB="11306"/>
+                </a:tc>
+                <a:tc>
+                  <a:txBody>
+                    <a:bodyPr/>
+                    <a:lstStyle/>
+                    <a:p>
+                      <a:pPr algn="ctr" latinLnBrk="1"/>
+                      <a:r>
+                        <a:rPr lang="en-US" altLang="ko-KR" sz="1400" dirty="0">
+                          <a:latin typeface="에스코어 드림 6 Bold" panose="020B0703030302020204" pitchFamily="34" charset="-127"/>
+                          <a:ea typeface="에스코어 드림 6 Bold" panose="020B0703030302020204" pitchFamily="34" charset="-127"/>
+                        </a:rPr>
+                        <a:t>4</a:t>
                       </a:r>
                       <a:endParaRPr lang="ko-KR" altLang="en-US" sz="1400" dirty="0">
                         <a:latin typeface="에스코어 드림 6 Bold" panose="020B0703030302020204" pitchFamily="34" charset="-127"/>
@@ -9524,7 +9793,7 @@
                           <a:latin typeface="에스코어 드림 6 Bold" panose="020B0703030302020204" pitchFamily="34" charset="-127"/>
                           <a:ea typeface="에스코어 드림 6 Bold" panose="020B0703030302020204" pitchFamily="34" charset="-127"/>
                         </a:rPr>
-                        <a:t>4</a:t>
+                        <a:t>2</a:t>
                       </a:r>
                       <a:endParaRPr lang="ko-KR" altLang="en-US" sz="1400" dirty="0">
                         <a:latin typeface="에스코어 드림 6 Bold" panose="020B0703030302020204" pitchFamily="34" charset="-127"/>
@@ -9545,7 +9814,7 @@
                           <a:latin typeface="에스코어 드림 6 Bold" panose="020B0703030302020204" pitchFamily="34" charset="-127"/>
                           <a:ea typeface="에스코어 드림 6 Bold" panose="020B0703030302020204" pitchFamily="34" charset="-127"/>
                         </a:rPr>
-                        <a:t>3</a:t>
+                        <a:t>1</a:t>
                       </a:r>
                       <a:endParaRPr lang="ko-KR" altLang="en-US" sz="1400" dirty="0">
                         <a:latin typeface="에스코어 드림 6 Bold" panose="020B0703030302020204" pitchFamily="34" charset="-127"/>
@@ -9608,7 +9877,7 @@
                           <a:latin typeface="에스코어 드림 6 Bold" panose="020B0703030302020204" pitchFamily="34" charset="-127"/>
                           <a:ea typeface="에스코어 드림 6 Bold" panose="020B0703030302020204" pitchFamily="34" charset="-127"/>
                         </a:rPr>
-                        <a:t>6</a:t>
+                        <a:t>3</a:t>
                       </a:r>
                       <a:endParaRPr lang="ko-KR" altLang="en-US" sz="1400" dirty="0">
                         <a:latin typeface="에스코어 드림 6 Bold" panose="020B0703030302020204" pitchFamily="34" charset="-127"/>
@@ -9629,7 +9898,7 @@
                           <a:latin typeface="에스코어 드림 6 Bold" panose="020B0703030302020204" pitchFamily="34" charset="-127"/>
                           <a:ea typeface="에스코어 드림 6 Bold" panose="020B0703030302020204" pitchFamily="34" charset="-127"/>
                         </a:rPr>
-                        <a:t>6</a:t>
+                        <a:t>3</a:t>
                       </a:r>
                       <a:endParaRPr lang="ko-KR" altLang="en-US" sz="1400" dirty="0">
                         <a:latin typeface="에스코어 드림 6 Bold" panose="020B0703030302020204" pitchFamily="34" charset="-127"/>
@@ -9715,6 +9984,20 @@
                         </a:rPr>
                         <a:t>-</a:t>
                       </a:r>
+                      <a:endParaRPr lang="ko-KR" altLang="en-US" sz="1400" dirty="0">
+                        <a:latin typeface="에스코어 드림 6 Bold" panose="020B0703030302020204" pitchFamily="34" charset="-127"/>
+                        <a:ea typeface="에스코어 드림 6 Bold" panose="020B0703030302020204" pitchFamily="34" charset="-127"/>
+                      </a:endParaRPr>
+                    </a:p>
+                  </a:txBody>
+                  <a:tcPr marL="22612" marR="22612" marT="11306" marB="11306"/>
+                </a:tc>
+                <a:tc>
+                  <a:txBody>
+                    <a:bodyPr/>
+                    <a:lstStyle/>
+                    <a:p>
+                      <a:pPr algn="ctr" latinLnBrk="1"/>
                       <a:endParaRPr lang="ko-KR" altLang="en-US" sz="1400" dirty="0">
                         <a:latin typeface="에스코어 드림 6 Bold" panose="020B0703030302020204" pitchFamily="34" charset="-127"/>
                         <a:ea typeface="에스코어 드림 6 Bold" panose="020B0703030302020204" pitchFamily="34" charset="-127"/>
@@ -9758,7 +10041,7 @@
                           <a:latin typeface="에스코어 드림 6 Bold" panose="020B0703030302020204" pitchFamily="34" charset="-127"/>
                           <a:ea typeface="에스코어 드림 6 Bold" panose="020B0703030302020204" pitchFamily="34" charset="-127"/>
                         </a:rPr>
-                        <a:t>A-B-C1-D-E1-F-G1-H</a:t>
+                        <a:t>A-B-C1-D-E1-F-G1-H-I</a:t>
                       </a:r>
                       <a:endParaRPr lang="ko-KR" altLang="en-US" sz="1400" dirty="0">
                         <a:latin typeface="에스코어 드림 6 Bold" panose="020B0703030302020204" pitchFamily="34" charset="-127"/>
@@ -9936,8 +10219,22 @@
                           <a:latin typeface="에스코어 드림 6 Bold" panose="020B0703030302020204" pitchFamily="34" charset="-127"/>
                           <a:ea typeface="에스코어 드림 6 Bold" panose="020B0703030302020204" pitchFamily="34" charset="-127"/>
                         </a:rPr>
-                        <a:t>38</a:t>
-                      </a:r>
+                        <a:t>43</a:t>
+                      </a:r>
+                      <a:endParaRPr lang="ko-KR" altLang="en-US" sz="1400" dirty="0">
+                        <a:latin typeface="에스코어 드림 6 Bold" panose="020B0703030302020204" pitchFamily="34" charset="-127"/>
+                        <a:ea typeface="에스코어 드림 6 Bold" panose="020B0703030302020204" pitchFamily="34" charset="-127"/>
+                      </a:endParaRPr>
+                    </a:p>
+                  </a:txBody>
+                  <a:tcPr marL="22612" marR="22612" marT="11306" marB="11306"/>
+                </a:tc>
+                <a:tc>
+                  <a:txBody>
+                    <a:bodyPr/>
+                    <a:lstStyle/>
+                    <a:p>
+                      <a:pPr algn="ctr" latinLnBrk="1"/>
                       <a:endParaRPr lang="ko-KR" altLang="en-US" sz="1400" dirty="0">
                         <a:latin typeface="에스코어 드림 6 Bold" panose="020B0703030302020204" pitchFamily="34" charset="-127"/>
                         <a:ea typeface="에스코어 드림 6 Bold" panose="020B0703030302020204" pitchFamily="34" charset="-127"/>
@@ -10865,7 +11162,7 @@
                 <a:latin typeface="에스코어 드림 7 ExtraBold" panose="020B0803030302020204" pitchFamily="34" charset="-127"/>
                 <a:ea typeface="에스코어 드림 7 ExtraBold" panose="020B0803030302020204" pitchFamily="34" charset="-127"/>
               </a:rPr>
-              <a:t>2</a:t>
+              <a:t>5</a:t>
             </a:r>
           </a:p>
         </p:txBody>
@@ -11613,14 +11910,13 @@
           <p:cNvCxnSpPr>
             <a:cxnSpLocks/>
             <a:stCxn id="211" idx="6"/>
-            <a:endCxn id="114" idx="1"/>
           </p:cNvCxnSpPr>
           <p:nvPr/>
         </p:nvCxnSpPr>
         <p:spPr>
           <a:xfrm flipV="1">
-            <a:off x="6127477" y="3219445"/>
-            <a:ext cx="1405190" cy="162542"/>
+            <a:off x="6127477" y="3263878"/>
+            <a:ext cx="574578" cy="118109"/>
           </a:xfrm>
           <a:prstGeom prst="curvedConnector3">
             <a:avLst>
@@ -11722,7 +12018,7 @@
         </p:nvSpPr>
         <p:spPr>
           <a:xfrm>
-            <a:off x="6392596" y="638362"/>
+            <a:off x="6392596" y="648995"/>
             <a:ext cx="309459" cy="333546"/>
           </a:xfrm>
           <a:prstGeom prst="roundRect">
@@ -11762,7 +12058,7 @@
                 <a:latin typeface="에스코어 드림 7 ExtraBold" panose="020B0803030302020204" pitchFamily="34" charset="-127"/>
                 <a:ea typeface="에스코어 드림 7 ExtraBold" panose="020B0803030302020204" pitchFamily="34" charset="-127"/>
               </a:rPr>
-              <a:t>3</a:t>
+              <a:t>6</a:t>
             </a:r>
           </a:p>
         </p:txBody>
@@ -11821,7 +12117,7 @@
                 <a:latin typeface="에스코어 드림 7 ExtraBold" panose="020B0803030302020204" pitchFamily="34" charset="-127"/>
                 <a:ea typeface="에스코어 드림 7 ExtraBold" panose="020B0803030302020204" pitchFamily="34" charset="-127"/>
               </a:rPr>
-              <a:t>3</a:t>
+              <a:t>6</a:t>
             </a:r>
           </a:p>
         </p:txBody>
@@ -11939,7 +12235,7 @@
                 <a:latin typeface="에스코어 드림 7 ExtraBold" panose="020B0803030302020204" pitchFamily="34" charset="-127"/>
                 <a:ea typeface="에스코어 드림 7 ExtraBold" panose="020B0803030302020204" pitchFamily="34" charset="-127"/>
               </a:rPr>
-              <a:t>5</a:t>
+              <a:t>3</a:t>
             </a:r>
           </a:p>
         </p:txBody>
@@ -12209,7 +12505,171 @@
                 <a:latin typeface="에스코어 드림 7 ExtraBold" panose="020B0803030302020204" pitchFamily="34" charset="-127"/>
                 <a:ea typeface="에스코어 드림 7 ExtraBold" panose="020B0803030302020204" pitchFamily="34" charset="-127"/>
               </a:rPr>
-              <a:t>5</a:t>
+              <a:t>3</a:t>
+            </a:r>
+          </a:p>
+        </p:txBody>
+      </p:sp>
+      <p:sp>
+        <p:nvSpPr>
+          <p:cNvPr id="52" name="타원 51">
+            <a:extLst>
+              <a:ext uri="{FF2B5EF4-FFF2-40B4-BE49-F238E27FC236}">
+                <a16:creationId xmlns:a16="http://schemas.microsoft.com/office/drawing/2014/main" id="{80D64FBA-AEDC-4A4A-9E94-7A1361A6A8CD}"/>
+              </a:ext>
+            </a:extLst>
+          </p:cNvPr>
+          <p:cNvSpPr/>
+          <p:nvPr/>
+        </p:nvSpPr>
+        <p:spPr>
+          <a:xfrm>
+            <a:off x="6701994" y="3033958"/>
+            <a:ext cx="553782" cy="518936"/>
+          </a:xfrm>
+          <a:prstGeom prst="ellipse">
+            <a:avLst/>
+          </a:prstGeom>
+          <a:solidFill>
+            <a:srgbClr val="8FAADC"/>
+          </a:solidFill>
+          <a:ln>
+            <a:noFill/>
+          </a:ln>
+        </p:spPr>
+        <p:style>
+          <a:lnRef idx="2">
+            <a:schemeClr val="accent1">
+              <a:shade val="50000"/>
+            </a:schemeClr>
+          </a:lnRef>
+          <a:fillRef idx="1">
+            <a:schemeClr val="accent1"/>
+          </a:fillRef>
+          <a:effectRef idx="0">
+            <a:schemeClr val="accent1"/>
+          </a:effectRef>
+          <a:fontRef idx="minor">
+            <a:schemeClr val="lt1"/>
+          </a:fontRef>
+        </p:style>
+        <p:txBody>
+          <a:bodyPr rtlCol="0" anchor="ctr"/>
+          <a:lstStyle/>
+          <a:p>
+            <a:pPr algn="ctr"/>
+            <a:r>
+              <a:rPr lang="en-US" altLang="ko-KR" sz="1200" b="1" dirty="0">
+                <a:latin typeface="에스코어 드림 7 ExtraBold" panose="020B0803030302020204" pitchFamily="34" charset="-127"/>
+                <a:ea typeface="에스코어 드림 7 ExtraBold" panose="020B0803030302020204" pitchFamily="34" charset="-127"/>
+              </a:rPr>
+              <a:t>I</a:t>
+            </a:r>
+          </a:p>
+        </p:txBody>
+      </p:sp>
+      <p:cxnSp>
+        <p:nvCxnSpPr>
+          <p:cNvPr id="53" name="연결선: 구부러짐 52">
+            <a:extLst>
+              <a:ext uri="{FF2B5EF4-FFF2-40B4-BE49-F238E27FC236}">
+                <a16:creationId xmlns:a16="http://schemas.microsoft.com/office/drawing/2014/main" id="{E233230F-7F23-490B-9ABE-41D2E6E7ECFA}"/>
+              </a:ext>
+            </a:extLst>
+          </p:cNvPr>
+          <p:cNvCxnSpPr>
+            <a:cxnSpLocks/>
+            <a:endCxn id="114" idx="1"/>
+          </p:cNvCxnSpPr>
+          <p:nvPr/>
+        </p:nvCxnSpPr>
+        <p:spPr>
+          <a:xfrm flipV="1">
+            <a:off x="7244705" y="3219445"/>
+            <a:ext cx="287962" cy="59054"/>
+          </a:xfrm>
+          <a:prstGeom prst="curvedConnector3">
+            <a:avLst>
+              <a:gd name="adj1" fmla="val 50000"/>
+            </a:avLst>
+          </a:prstGeom>
+          <a:ln w="38100">
+            <a:solidFill>
+              <a:srgbClr val="2F5597"/>
+            </a:solidFill>
+            <a:tailEnd type="triangle"/>
+          </a:ln>
+        </p:spPr>
+        <p:style>
+          <a:lnRef idx="1">
+            <a:schemeClr val="accent1"/>
+          </a:lnRef>
+          <a:fillRef idx="0">
+            <a:schemeClr val="accent1"/>
+          </a:fillRef>
+          <a:effectRef idx="0">
+            <a:schemeClr val="accent1"/>
+          </a:effectRef>
+          <a:fontRef idx="minor">
+            <a:schemeClr val="tx1"/>
+          </a:fontRef>
+        </p:style>
+      </p:cxnSp>
+      <p:sp>
+        <p:nvSpPr>
+          <p:cNvPr id="56" name="사각형: 둥근 모서리 55">
+            <a:extLst>
+              <a:ext uri="{FF2B5EF4-FFF2-40B4-BE49-F238E27FC236}">
+                <a16:creationId xmlns:a16="http://schemas.microsoft.com/office/drawing/2014/main" id="{4DD1B64C-1B23-412C-ABDC-B7CD9C84A0B0}"/>
+              </a:ext>
+            </a:extLst>
+          </p:cNvPr>
+          <p:cNvSpPr/>
+          <p:nvPr/>
+        </p:nvSpPr>
+        <p:spPr>
+          <a:xfrm>
+            <a:off x="6956316" y="2736369"/>
+            <a:ext cx="309459" cy="333546"/>
+          </a:xfrm>
+          <a:prstGeom prst="roundRect">
+            <a:avLst/>
+          </a:prstGeom>
+          <a:noFill/>
+          <a:ln>
+            <a:noFill/>
+          </a:ln>
+        </p:spPr>
+        <p:style>
+          <a:lnRef idx="2">
+            <a:schemeClr val="accent1">
+              <a:shade val="50000"/>
+            </a:schemeClr>
+          </a:lnRef>
+          <a:fillRef idx="1">
+            <a:schemeClr val="accent1"/>
+          </a:fillRef>
+          <a:effectRef idx="0">
+            <a:schemeClr val="accent1"/>
+          </a:effectRef>
+          <a:fontRef idx="minor">
+            <a:schemeClr val="lt1"/>
+          </a:fontRef>
+        </p:style>
+        <p:txBody>
+          <a:bodyPr rtlCol="0" anchor="ctr"/>
+          <a:lstStyle/>
+          <a:p>
+            <a:pPr algn="ctr"/>
+            <a:r>
+              <a:rPr lang="en-US" altLang="ko-KR" sz="1400" dirty="0">
+                <a:solidFill>
+                  <a:sysClr val="windowText" lastClr="000000"/>
+                </a:solidFill>
+                <a:latin typeface="에스코어 드림 7 ExtraBold" panose="020B0803030302020204" pitchFamily="34" charset="-127"/>
+                <a:ea typeface="에스코어 드림 7 ExtraBold" panose="020B0803030302020204" pitchFamily="34" charset="-127"/>
+              </a:rPr>
+              <a:t>4</a:t>
             </a:r>
           </a:p>
         </p:txBody>
@@ -13269,18 +13729,11 @@
                     <a:p>
                       <a:pPr algn="ctr" latinLnBrk="1"/>
                       <a:r>
-                        <a:rPr lang="ko-KR" altLang="en-US" sz="1400" dirty="0" err="1">
-                          <a:latin typeface="에스코어 드림 6 Bold" panose="020B0703030302020204" pitchFamily="34" charset="-127"/>
-                          <a:ea typeface="에스코어 드림 6 Bold" panose="020B0703030302020204" pitchFamily="34" charset="-127"/>
-                        </a:rPr>
-                        <a:t>유스케이스</a:t>
-                      </a:r>
-                      <a:r>
                         <a:rPr lang="ko-KR" altLang="en-US" sz="1400" dirty="0">
                           <a:latin typeface="에스코어 드림 6 Bold" panose="020B0703030302020204" pitchFamily="34" charset="-127"/>
                           <a:ea typeface="에스코어 드림 6 Bold" panose="020B0703030302020204" pitchFamily="34" charset="-127"/>
                         </a:rPr>
-                        <a:t> 작성</a:t>
+                        <a:t>유스케이스 작성</a:t>
                       </a:r>
                     </a:p>
                   </a:txBody>

--- a/계획서/WBS,CPM.pptx
+++ b/계획서/WBS,CPM.pptx
@@ -248,7 +248,7 @@
           <a:p>
             <a:fld id="{9D02E618-62E5-4B7D-A1BE-0387DA28F371}" type="datetimeFigureOut">
               <a:rPr lang="ko-KR" altLang="en-US" smtClean="0"/>
-              <a:t>2020-11-29</a:t>
+              <a:t>2020-12-02</a:t>
             </a:fld>
             <a:endParaRPr lang="ko-KR" altLang="en-US"/>
           </a:p>
@@ -418,7 +418,7 @@
           <a:p>
             <a:fld id="{9D02E618-62E5-4B7D-A1BE-0387DA28F371}" type="datetimeFigureOut">
               <a:rPr lang="ko-KR" altLang="en-US" smtClean="0"/>
-              <a:t>2020-11-29</a:t>
+              <a:t>2020-12-02</a:t>
             </a:fld>
             <a:endParaRPr lang="ko-KR" altLang="en-US"/>
           </a:p>
@@ -598,7 +598,7 @@
           <a:p>
             <a:fld id="{9D02E618-62E5-4B7D-A1BE-0387DA28F371}" type="datetimeFigureOut">
               <a:rPr lang="ko-KR" altLang="en-US" smtClean="0"/>
-              <a:t>2020-11-29</a:t>
+              <a:t>2020-12-02</a:t>
             </a:fld>
             <a:endParaRPr lang="ko-KR" altLang="en-US"/>
           </a:p>
@@ -768,7 +768,7 @@
           <a:p>
             <a:fld id="{9D02E618-62E5-4B7D-A1BE-0387DA28F371}" type="datetimeFigureOut">
               <a:rPr lang="ko-KR" altLang="en-US" smtClean="0"/>
-              <a:t>2020-11-29</a:t>
+              <a:t>2020-12-02</a:t>
             </a:fld>
             <a:endParaRPr lang="ko-KR" altLang="en-US"/>
           </a:p>
@@ -1014,7 +1014,7 @@
           <a:p>
             <a:fld id="{9D02E618-62E5-4B7D-A1BE-0387DA28F371}" type="datetimeFigureOut">
               <a:rPr lang="ko-KR" altLang="en-US" smtClean="0"/>
-              <a:t>2020-11-29</a:t>
+              <a:t>2020-12-02</a:t>
             </a:fld>
             <a:endParaRPr lang="ko-KR" altLang="en-US"/>
           </a:p>
@@ -1246,7 +1246,7 @@
           <a:p>
             <a:fld id="{9D02E618-62E5-4B7D-A1BE-0387DA28F371}" type="datetimeFigureOut">
               <a:rPr lang="ko-KR" altLang="en-US" smtClean="0"/>
-              <a:t>2020-11-29</a:t>
+              <a:t>2020-12-02</a:t>
             </a:fld>
             <a:endParaRPr lang="ko-KR" altLang="en-US"/>
           </a:p>
@@ -1613,7 +1613,7 @@
           <a:p>
             <a:fld id="{9D02E618-62E5-4B7D-A1BE-0387DA28F371}" type="datetimeFigureOut">
               <a:rPr lang="ko-KR" altLang="en-US" smtClean="0"/>
-              <a:t>2020-11-29</a:t>
+              <a:t>2020-12-02</a:t>
             </a:fld>
             <a:endParaRPr lang="ko-KR" altLang="en-US"/>
           </a:p>
@@ -1731,7 +1731,7 @@
           <a:p>
             <a:fld id="{9D02E618-62E5-4B7D-A1BE-0387DA28F371}" type="datetimeFigureOut">
               <a:rPr lang="ko-KR" altLang="en-US" smtClean="0"/>
-              <a:t>2020-11-29</a:t>
+              <a:t>2020-12-02</a:t>
             </a:fld>
             <a:endParaRPr lang="ko-KR" altLang="en-US"/>
           </a:p>
@@ -1826,7 +1826,7 @@
           <a:p>
             <a:fld id="{9D02E618-62E5-4B7D-A1BE-0387DA28F371}" type="datetimeFigureOut">
               <a:rPr lang="ko-KR" altLang="en-US" smtClean="0"/>
-              <a:t>2020-11-29</a:t>
+              <a:t>2020-12-02</a:t>
             </a:fld>
             <a:endParaRPr lang="ko-KR" altLang="en-US"/>
           </a:p>
@@ -2103,7 +2103,7 @@
           <a:p>
             <a:fld id="{9D02E618-62E5-4B7D-A1BE-0387DA28F371}" type="datetimeFigureOut">
               <a:rPr lang="ko-KR" altLang="en-US" smtClean="0"/>
-              <a:t>2020-11-29</a:t>
+              <a:t>2020-12-02</a:t>
             </a:fld>
             <a:endParaRPr lang="ko-KR" altLang="en-US"/>
           </a:p>
@@ -2360,7 +2360,7 @@
           <a:p>
             <a:fld id="{9D02E618-62E5-4B7D-A1BE-0387DA28F371}" type="datetimeFigureOut">
               <a:rPr lang="ko-KR" altLang="en-US" smtClean="0"/>
-              <a:t>2020-11-29</a:t>
+              <a:t>2020-12-02</a:t>
             </a:fld>
             <a:endParaRPr lang="ko-KR" altLang="en-US"/>
           </a:p>
@@ -2573,7 +2573,7 @@
           <a:p>
             <a:fld id="{9D02E618-62E5-4B7D-A1BE-0387DA28F371}" type="datetimeFigureOut">
               <a:rPr lang="ko-KR" altLang="en-US" smtClean="0"/>
-              <a:t>2020-11-29</a:t>
+              <a:t>2020-12-02</a:t>
             </a:fld>
             <a:endParaRPr lang="ko-KR" altLang="en-US"/>
           </a:p>
@@ -3760,7 +3760,7 @@
         </p:nvCxnSpPr>
         <p:spPr>
           <a:xfrm>
-            <a:off x="4825498" y="4467770"/>
+            <a:off x="4825499" y="4471777"/>
             <a:ext cx="2317373" cy="87617"/>
           </a:xfrm>
           <a:prstGeom prst="bentConnector3">
@@ -5134,7 +5134,21 @@
                 <a:latin typeface="에스코어 드림 7 ExtraBold" panose="020B0803030302020204" pitchFamily="34" charset="-127"/>
                 <a:ea typeface="에스코어 드림 7 ExtraBold" panose="020B0803030302020204" pitchFamily="34" charset="-127"/>
               </a:rPr>
-              <a:t>인수 테스트</a:t>
+              <a:t>최종 검수</a:t>
+            </a:r>
+            <a:r>
+              <a:rPr lang="en-US" altLang="ko-KR" sz="800" dirty="0">
+                <a:latin typeface="에스코어 드림 7 ExtraBold" panose="020B0803030302020204" pitchFamily="34" charset="-127"/>
+                <a:ea typeface="에스코어 드림 7 ExtraBold" panose="020B0803030302020204" pitchFamily="34" charset="-127"/>
+              </a:rPr>
+              <a:t>, </a:t>
+            </a:r>
+            <a:r>
+              <a:rPr lang="ko-KR" altLang="en-US" sz="800" dirty="0">
+                <a:latin typeface="에스코어 드림 7 ExtraBold" panose="020B0803030302020204" pitchFamily="34" charset="-127"/>
+                <a:ea typeface="에스코어 드림 7 ExtraBold" panose="020B0803030302020204" pitchFamily="34" charset="-127"/>
+              </a:rPr>
+              <a:t>배포</a:t>
             </a:r>
             <a:endParaRPr lang="en-US" altLang="ko-KR" sz="800" dirty="0">
               <a:latin typeface="에스코어 드림 7 ExtraBold" panose="020B0803030302020204" pitchFamily="34" charset="-127"/>
@@ -5145,14 +5159,15 @@
       </p:sp>
       <p:cxnSp>
         <p:nvCxnSpPr>
-          <p:cNvPr id="22" name="연결선: 꺾임 21">
+          <p:cNvPr id="41" name="연결선: 꺾임 40">
             <a:extLst>
               <a:ext uri="{FF2B5EF4-FFF2-40B4-BE49-F238E27FC236}">
-                <a16:creationId xmlns:a16="http://schemas.microsoft.com/office/drawing/2014/main" id="{D8353A3E-8563-45E7-9F1F-3DD2E1CDAFB6}"/>
+                <a16:creationId xmlns:a16="http://schemas.microsoft.com/office/drawing/2014/main" id="{6FB8FF2A-0E28-47AC-BA64-0629C8FF6FDF}"/>
               </a:ext>
             </a:extLst>
           </p:cNvPr>
           <p:cNvCxnSpPr>
+            <a:cxnSpLocks/>
             <a:stCxn id="55" idx="3"/>
             <a:endCxn id="39" idx="1"/>
           </p:cNvCxnSpPr>
@@ -5165,24 +5180,27 @@
           </a:xfrm>
           <a:prstGeom prst="bentConnector3">
             <a:avLst>
-              <a:gd name="adj1" fmla="val 87120"/>
+              <a:gd name="adj1" fmla="val 86992"/>
             </a:avLst>
           </a:prstGeom>
-          <a:ln>
+          <a:ln w="28575">
             <a:solidFill>
-              <a:srgbClr val="B4C7E7"/>
+              <a:schemeClr val="accent1">
+                <a:lumMod val="40000"/>
+                <a:lumOff val="60000"/>
+              </a:schemeClr>
             </a:solidFill>
           </a:ln>
         </p:spPr>
         <p:style>
-          <a:lnRef idx="3">
-            <a:schemeClr val="accent5"/>
+          <a:lnRef idx="1">
+            <a:schemeClr val="accent1"/>
           </a:lnRef>
           <a:fillRef idx="0">
-            <a:schemeClr val="accent5"/>
+            <a:schemeClr val="accent1"/>
           </a:fillRef>
-          <a:effectRef idx="2">
-            <a:schemeClr val="accent5"/>
+          <a:effectRef idx="0">
+            <a:schemeClr val="accent1"/>
           </a:effectRef>
           <a:fontRef idx="minor">
             <a:schemeClr val="tx1"/>
@@ -6307,7 +6325,7 @@
         </p:nvGraphicFramePr>
         <p:xfrm>
           <a:off x="1219200" y="812154"/>
-          <a:ext cx="6086476" cy="3766577"/>
+          <a:ext cx="6086476" cy="3553217"/>
         </p:xfrm>
         <a:graphic>
           <a:graphicData uri="http://schemas.openxmlformats.org/drawingml/2006/table">
